--- a/week_02/G2M_Case_Study_V1.0_Leo.pptx
+++ b/week_02/G2M_Case_Study_V1.0_Leo.pptx
@@ -5,47 +5,49 @@
     <p:sldMasterId id="2147483648" r:id="rId1"/>
   </p:sldMasterIdLst>
   <p:notesMasterIdLst>
-    <p:notesMasterId r:id="rId40"/>
+    <p:notesMasterId r:id="rId42"/>
   </p:notesMasterIdLst>
   <p:sldIdLst>
     <p:sldId id="279" r:id="rId2"/>
-    <p:sldId id="257" r:id="rId3"/>
-    <p:sldId id="259" r:id="rId4"/>
-    <p:sldId id="286" r:id="rId5"/>
-    <p:sldId id="290" r:id="rId6"/>
-    <p:sldId id="287" r:id="rId7"/>
-    <p:sldId id="258" r:id="rId8"/>
-    <p:sldId id="292" r:id="rId9"/>
-    <p:sldId id="293" r:id="rId10"/>
-    <p:sldId id="294" r:id="rId11"/>
-    <p:sldId id="295" r:id="rId12"/>
-    <p:sldId id="296" r:id="rId13"/>
-    <p:sldId id="297" r:id="rId14"/>
-    <p:sldId id="298" r:id="rId15"/>
-    <p:sldId id="299" r:id="rId16"/>
-    <p:sldId id="291" r:id="rId17"/>
-    <p:sldId id="285" r:id="rId18"/>
-    <p:sldId id="288" r:id="rId19"/>
-    <p:sldId id="300" r:id="rId20"/>
-    <p:sldId id="301" r:id="rId21"/>
-    <p:sldId id="302" r:id="rId22"/>
-    <p:sldId id="303" r:id="rId23"/>
-    <p:sldId id="282" r:id="rId24"/>
-    <p:sldId id="305" r:id="rId25"/>
-    <p:sldId id="309" r:id="rId26"/>
-    <p:sldId id="313" r:id="rId27"/>
-    <p:sldId id="315" r:id="rId28"/>
-    <p:sldId id="314" r:id="rId29"/>
-    <p:sldId id="308" r:id="rId30"/>
-    <p:sldId id="306" r:id="rId31"/>
-    <p:sldId id="307" r:id="rId32"/>
-    <p:sldId id="310" r:id="rId33"/>
-    <p:sldId id="304" r:id="rId34"/>
-    <p:sldId id="311" r:id="rId35"/>
-    <p:sldId id="312" r:id="rId36"/>
-    <p:sldId id="289" r:id="rId37"/>
-    <p:sldId id="272" r:id="rId38"/>
-    <p:sldId id="281" r:id="rId39"/>
+    <p:sldId id="267" r:id="rId3"/>
+    <p:sldId id="257" r:id="rId4"/>
+    <p:sldId id="316" r:id="rId5"/>
+    <p:sldId id="259" r:id="rId6"/>
+    <p:sldId id="286" r:id="rId7"/>
+    <p:sldId id="290" r:id="rId8"/>
+    <p:sldId id="287" r:id="rId9"/>
+    <p:sldId id="258" r:id="rId10"/>
+    <p:sldId id="292" r:id="rId11"/>
+    <p:sldId id="293" r:id="rId12"/>
+    <p:sldId id="294" r:id="rId13"/>
+    <p:sldId id="295" r:id="rId14"/>
+    <p:sldId id="296" r:id="rId15"/>
+    <p:sldId id="297" r:id="rId16"/>
+    <p:sldId id="298" r:id="rId17"/>
+    <p:sldId id="299" r:id="rId18"/>
+    <p:sldId id="291" r:id="rId19"/>
+    <p:sldId id="285" r:id="rId20"/>
+    <p:sldId id="288" r:id="rId21"/>
+    <p:sldId id="300" r:id="rId22"/>
+    <p:sldId id="301" r:id="rId23"/>
+    <p:sldId id="302" r:id="rId24"/>
+    <p:sldId id="303" r:id="rId25"/>
+    <p:sldId id="282" r:id="rId26"/>
+    <p:sldId id="305" r:id="rId27"/>
+    <p:sldId id="309" r:id="rId28"/>
+    <p:sldId id="313" r:id="rId29"/>
+    <p:sldId id="315" r:id="rId30"/>
+    <p:sldId id="314" r:id="rId31"/>
+    <p:sldId id="308" r:id="rId32"/>
+    <p:sldId id="306" r:id="rId33"/>
+    <p:sldId id="307" r:id="rId34"/>
+    <p:sldId id="310" r:id="rId35"/>
+    <p:sldId id="304" r:id="rId36"/>
+    <p:sldId id="311" r:id="rId37"/>
+    <p:sldId id="312" r:id="rId38"/>
+    <p:sldId id="289" r:id="rId39"/>
+    <p:sldId id="272" r:id="rId40"/>
+    <p:sldId id="281" r:id="rId41"/>
   </p:sldIdLst>
   <p:sldSz cx="12192000" cy="6858000"/>
   <p:notesSz cx="6858000" cy="9144000"/>
@@ -245,7 +247,7 @@
           <a:p>
             <a:fld id="{67383731-DA53-464D-836A-51ABFBB365EB}" type="datetimeFigureOut">
               <a:rPr lang="en-US" smtClean="0"/>
-              <a:t>4/25/22</a:t>
+              <a:t>4/26/22</a:t>
             </a:fld>
             <a:endParaRPr lang="en-US"/>
           </a:p>
@@ -667,7 +669,7 @@
           <a:p>
             <a:fld id="{9C3339C9-946D-474C-9B88-89EFDDC70C8A}" type="slidenum">
               <a:rPr lang="en-US" smtClean="0"/>
-              <a:t>29</a:t>
+              <a:t>31</a:t>
             </a:fld>
             <a:endParaRPr lang="en-US"/>
           </a:p>
@@ -833,7 +835,7 @@
           <a:p>
             <a:fld id="{79297DDC-19BE-5A47-B651-2F9336B1C08E}" type="datetime1">
               <a:rPr lang="en-CA" smtClean="0"/>
-              <a:t>2022-04-25</a:t>
+              <a:t>2022-04-26</a:t>
             </a:fld>
             <a:endParaRPr lang="en-US"/>
           </a:p>
@@ -1034,7 +1036,7 @@
           <a:p>
             <a:fld id="{F9FD8BA1-806F-CD45-9547-C6132D9F8B72}" type="datetime1">
               <a:rPr lang="en-CA" smtClean="0"/>
-              <a:t>2022-04-25</a:t>
+              <a:t>2022-04-26</a:t>
             </a:fld>
             <a:endParaRPr lang="en-US"/>
           </a:p>
@@ -1245,7 +1247,7 @@
           <a:p>
             <a:fld id="{D23BCA98-BC2B-B448-A7FE-CFD26DC335E7}" type="datetime1">
               <a:rPr lang="en-CA" smtClean="0"/>
-              <a:t>2022-04-25</a:t>
+              <a:t>2022-04-26</a:t>
             </a:fld>
             <a:endParaRPr lang="en-US"/>
           </a:p>
@@ -1446,7 +1448,7 @@
           <a:p>
             <a:fld id="{5517BFC8-89FF-0446-91B7-3C883A064454}" type="datetime1">
               <a:rPr lang="en-CA" smtClean="0"/>
-              <a:t>2022-04-25</a:t>
+              <a:t>2022-04-26</a:t>
             </a:fld>
             <a:endParaRPr lang="en-US"/>
           </a:p>
@@ -1724,7 +1726,7 @@
           <a:p>
             <a:fld id="{55A4BBAD-DFEA-D84D-9859-810C054DC11D}" type="datetime1">
               <a:rPr lang="en-CA" smtClean="0"/>
-              <a:t>2022-04-25</a:t>
+              <a:t>2022-04-26</a:t>
             </a:fld>
             <a:endParaRPr lang="en-US"/>
           </a:p>
@@ -1992,7 +1994,7 @@
           <a:p>
             <a:fld id="{0E4720C3-6843-9B45-B857-367ED8539AEF}" type="datetime1">
               <a:rPr lang="en-CA" smtClean="0"/>
-              <a:t>2022-04-25</a:t>
+              <a:t>2022-04-26</a:t>
             </a:fld>
             <a:endParaRPr lang="en-US"/>
           </a:p>
@@ -2407,7 +2409,7 @@
           <a:p>
             <a:fld id="{2B841663-569B-D742-B05D-82113EE5C4E6}" type="datetime1">
               <a:rPr lang="en-CA" smtClean="0"/>
-              <a:t>2022-04-25</a:t>
+              <a:t>2022-04-26</a:t>
             </a:fld>
             <a:endParaRPr lang="en-US"/>
           </a:p>
@@ -2551,7 +2553,7 @@
           <a:p>
             <a:fld id="{9BCB0E51-6429-124C-98C8-EF6BB4F93B3B}" type="datetime1">
               <a:rPr lang="en-CA" smtClean="0"/>
-              <a:t>2022-04-25</a:t>
+              <a:t>2022-04-26</a:t>
             </a:fld>
             <a:endParaRPr lang="en-US"/>
           </a:p>
@@ -2667,7 +2669,7 @@
           <a:p>
             <a:fld id="{80A175A1-7937-0143-B4BE-9AA2F410DEB9}" type="datetime1">
               <a:rPr lang="en-CA" smtClean="0"/>
-              <a:t>2022-04-25</a:t>
+              <a:t>2022-04-26</a:t>
             </a:fld>
             <a:endParaRPr lang="en-US"/>
           </a:p>
@@ -2981,7 +2983,7 @@
           <a:p>
             <a:fld id="{7FAEC9D5-3A6A-0444-B349-E5CCD0367AE4}" type="datetime1">
               <a:rPr lang="en-CA" smtClean="0"/>
-              <a:t>2022-04-25</a:t>
+              <a:t>2022-04-26</a:t>
             </a:fld>
             <a:endParaRPr lang="en-US"/>
           </a:p>
@@ -3272,7 +3274,7 @@
           <a:p>
             <a:fld id="{6819D7DE-849C-E145-A0FE-6533ED40318F}" type="datetime1">
               <a:rPr lang="en-CA" smtClean="0"/>
-              <a:t>2022-04-25</a:t>
+              <a:t>2022-04-26</a:t>
             </a:fld>
             <a:endParaRPr lang="en-US"/>
           </a:p>
@@ -3516,7 +3518,7 @@
           <a:p>
             <a:fld id="{657BE52E-CDB8-C049-B492-211E1B9642A5}" type="datetime1">
               <a:rPr lang="en-CA" smtClean="0"/>
-              <a:t>2022-04-25</a:t>
+              <a:t>2022-04-26</a:t>
             </a:fld>
             <a:endParaRPr lang="en-US"/>
           </a:p>
@@ -3985,10 +3987,96 @@
       </p:pic>
       <p:sp>
         <p:nvSpPr>
-          <p:cNvPr id="11" name="TextBox 10">
-            <a:extLst>
-              <a:ext uri="{FF2B5EF4-FFF2-40B4-BE49-F238E27FC236}">
-                <a16:creationId xmlns:a16="http://schemas.microsoft.com/office/drawing/2014/main" id="{00CC22B5-8500-2C45-91DE-A596A6DF1C3B}"/>
+          <p:cNvPr id="5" name="Date Placeholder 4">
+            <a:extLst>
+              <a:ext uri="{FF2B5EF4-FFF2-40B4-BE49-F238E27FC236}">
+                <a16:creationId xmlns:a16="http://schemas.microsoft.com/office/drawing/2014/main" id="{BD25F89B-90CC-E640-891B-1604AA071960}"/>
+              </a:ext>
+            </a:extLst>
+          </p:cNvPr>
+          <p:cNvSpPr>
+            <a:spLocks noGrp="1"/>
+          </p:cNvSpPr>
+          <p:nvPr>
+            <p:ph type="dt" sz="half" idx="10"/>
+          </p:nvPr>
+        </p:nvSpPr>
+        <p:spPr/>
+        <p:txBody>
+          <a:bodyPr/>
+          <a:lstStyle/>
+          <a:p>
+            <a:fld id="{934845A8-E111-474E-A529-FD36DA0E4E4B}" type="datetime1">
+              <a:rPr lang="en-CA" smtClean="0"/>
+              <a:t>2022-04-26</a:t>
+            </a:fld>
+            <a:endParaRPr lang="en-US" dirty="0"/>
+          </a:p>
+        </p:txBody>
+      </p:sp>
+      <p:sp>
+        <p:nvSpPr>
+          <p:cNvPr id="8" name="Footer Placeholder 7">
+            <a:extLst>
+              <a:ext uri="{FF2B5EF4-FFF2-40B4-BE49-F238E27FC236}">
+                <a16:creationId xmlns:a16="http://schemas.microsoft.com/office/drawing/2014/main" id="{3C120FB1-2039-DE4D-BDCE-AA00C0027B9D}"/>
+              </a:ext>
+            </a:extLst>
+          </p:cNvPr>
+          <p:cNvSpPr>
+            <a:spLocks noGrp="1"/>
+          </p:cNvSpPr>
+          <p:nvPr>
+            <p:ph type="ftr" sz="quarter" idx="11"/>
+          </p:nvPr>
+        </p:nvSpPr>
+        <p:spPr/>
+        <p:txBody>
+          <a:bodyPr/>
+          <a:lstStyle/>
+          <a:p>
+            <a:r>
+              <a:rPr lang="en-US"/>
+              <a:t>G2M Insight for Cab Investment</a:t>
+            </a:r>
+          </a:p>
+        </p:txBody>
+      </p:sp>
+      <p:sp>
+        <p:nvSpPr>
+          <p:cNvPr id="9" name="Slide Number Placeholder 8">
+            <a:extLst>
+              <a:ext uri="{FF2B5EF4-FFF2-40B4-BE49-F238E27FC236}">
+                <a16:creationId xmlns:a16="http://schemas.microsoft.com/office/drawing/2014/main" id="{A62E0BA6-3B25-4C46-B390-B861861578B9}"/>
+              </a:ext>
+            </a:extLst>
+          </p:cNvPr>
+          <p:cNvSpPr>
+            <a:spLocks noGrp="1"/>
+          </p:cNvSpPr>
+          <p:nvPr>
+            <p:ph type="sldNum" sz="quarter" idx="12"/>
+          </p:nvPr>
+        </p:nvSpPr>
+        <p:spPr/>
+        <p:txBody>
+          <a:bodyPr/>
+          <a:lstStyle/>
+          <a:p>
+            <a:fld id="{F3281B17-8789-6B4C-B449-7FC9CCFFE3A3}" type="slidenum">
+              <a:rPr lang="en-US" smtClean="0"/>
+              <a:t>1</a:t>
+            </a:fld>
+            <a:endParaRPr lang="en-US"/>
+          </a:p>
+        </p:txBody>
+      </p:sp>
+      <p:sp>
+        <p:nvSpPr>
+          <p:cNvPr id="10" name="TextBox 9">
+            <a:extLst>
+              <a:ext uri="{FF2B5EF4-FFF2-40B4-BE49-F238E27FC236}">
+                <a16:creationId xmlns:a16="http://schemas.microsoft.com/office/drawing/2014/main" id="{E76C150D-2310-EB14-F088-9CB5200E6DCC}"/>
               </a:ext>
             </a:extLst>
           </p:cNvPr>
@@ -3997,215 +4085,50 @@
         </p:nvSpPr>
         <p:spPr>
           <a:xfrm>
-            <a:off x="470452" y="1990141"/>
-            <a:ext cx="11251095" cy="2954655"/>
+            <a:off x="870857" y="2380343"/>
+            <a:ext cx="8873711" cy="3385542"/>
           </a:xfrm>
           <a:prstGeom prst="rect">
             <a:avLst/>
           </a:prstGeom>
           <a:solidFill>
-            <a:schemeClr val="bg2">
-              <a:lumMod val="25000"/>
-            </a:schemeClr>
+            <a:srgbClr val="3B3B3B"/>
           </a:solidFill>
         </p:spPr>
         <p:txBody>
-          <a:bodyPr wrap="square" rtlCol="0">
+          <a:bodyPr wrap="none" rtlCol="0">
             <a:spAutoFit/>
           </a:bodyPr>
           <a:lstStyle/>
           <a:p>
             <a:pPr algn="ctr"/>
             <a:r>
-              <a:rPr lang="en-US" sz="5400" b="1" dirty="0">
-                <a:solidFill>
-                  <a:srgbClr val="FF6600"/>
-                </a:solidFill>
-                <a:latin typeface="Calibri" panose="020F0502020204030204" pitchFamily="34" charset="0"/>
-                <a:cs typeface="Calibri" panose="020F0502020204030204" pitchFamily="34" charset="0"/>
-              </a:rPr>
-              <a:t>G2M insight for Cab Investment firm</a:t>
-            </a:r>
-          </a:p>
-          <a:p>
-            <a:pPr algn="ctr"/>
-            <a:r>
-              <a:rPr lang="en-US" sz="4400" b="1" dirty="0">
-                <a:solidFill>
-                  <a:srgbClr val="FF6600"/>
-                </a:solidFill>
-                <a:latin typeface="Calibri" panose="020F0502020204030204" pitchFamily="34" charset="0"/>
-                <a:cs typeface="Calibri" panose="020F0502020204030204" pitchFamily="34" charset="0"/>
-              </a:rPr>
-              <a:t>Exploratory Data Analysis (EDA)</a:t>
-            </a:r>
-          </a:p>
-          <a:p>
-            <a:pPr algn="ctr"/>
-            <a:r>
-              <a:rPr lang="en-US" sz="4000" b="1" dirty="0">
+              <a:rPr lang="en-US" sz="6600" dirty="0">
                 <a:solidFill>
                   <a:srgbClr val="FF6600"/>
                 </a:solidFill>
               </a:rPr>
-              <a:t>Pink Cab vs Yellow Cab</a:t>
+              <a:t>Exploratory Data Analysis</a:t>
             </a:r>
           </a:p>
           <a:p>
             <a:pPr algn="ctr"/>
-            <a:endParaRPr lang="en-US" sz="4400" b="1" dirty="0">
-              <a:solidFill>
-                <a:srgbClr val="FF6600"/>
-              </a:solidFill>
-              <a:latin typeface="Calibri" panose="020F0502020204030204" pitchFamily="34" charset="0"/>
-              <a:cs typeface="Calibri" panose="020F0502020204030204" pitchFamily="34" charset="0"/>
-            </a:endParaRPr>
-          </a:p>
-        </p:txBody>
-      </p:sp>
-      <p:sp>
-        <p:nvSpPr>
-          <p:cNvPr id="7" name="TextBox 6">
-            <a:extLst>
-              <a:ext uri="{FF2B5EF4-FFF2-40B4-BE49-F238E27FC236}">
-                <a16:creationId xmlns:a16="http://schemas.microsoft.com/office/drawing/2014/main" id="{500BDDE8-D056-9049-8A6F-303AAD464605}"/>
-              </a:ext>
-            </a:extLst>
-          </p:cNvPr>
-          <p:cNvSpPr txBox="1"/>
-          <p:nvPr/>
-        </p:nvSpPr>
-        <p:spPr>
-          <a:xfrm>
-            <a:off x="470452" y="4646937"/>
-            <a:ext cx="10999304" cy="1384995"/>
-          </a:xfrm>
-          <a:prstGeom prst="rect">
-            <a:avLst/>
-          </a:prstGeom>
-          <a:solidFill>
-            <a:schemeClr val="bg2">
-              <a:lumMod val="25000"/>
-            </a:schemeClr>
-          </a:solidFill>
-        </p:spPr>
-        <p:txBody>
-          <a:bodyPr wrap="square" rtlCol="0">
-            <a:spAutoFit/>
-          </a:bodyPr>
-          <a:lstStyle/>
-          <a:p>
-            <a:r>
-              <a:rPr lang="en-US" sz="2800" dirty="0">
-                <a:solidFill>
-                  <a:srgbClr val="FF6600"/>
-                </a:solidFill>
-              </a:rPr>
-              <a:t>Client: XYZ</a:t>
-            </a:r>
-          </a:p>
-          <a:p>
-            <a:endParaRPr lang="en-US" sz="2800" dirty="0">
-              <a:solidFill>
-                <a:srgbClr val="FF6600"/>
-              </a:solidFill>
-            </a:endParaRPr>
-          </a:p>
-          <a:p>
-            <a:r>
-              <a:rPr lang="en-US" sz="2800" dirty="0">
-                <a:solidFill>
-                  <a:srgbClr val="FF6600"/>
-                </a:solidFill>
-              </a:rPr>
-              <a:t>Presenter: Leonardo Queiroz</a:t>
-            </a:r>
-          </a:p>
-        </p:txBody>
-      </p:sp>
-      <p:sp>
-        <p:nvSpPr>
-          <p:cNvPr id="5" name="Date Placeholder 4">
-            <a:extLst>
-              <a:ext uri="{FF2B5EF4-FFF2-40B4-BE49-F238E27FC236}">
-                <a16:creationId xmlns:a16="http://schemas.microsoft.com/office/drawing/2014/main" id="{BD25F89B-90CC-E640-891B-1604AA071960}"/>
-              </a:ext>
-            </a:extLst>
-          </p:cNvPr>
-          <p:cNvSpPr>
-            <a:spLocks noGrp="1"/>
-          </p:cNvSpPr>
-          <p:nvPr>
-            <p:ph type="dt" sz="half" idx="10"/>
-          </p:nvPr>
-        </p:nvSpPr>
-        <p:spPr/>
-        <p:txBody>
-          <a:bodyPr/>
-          <a:lstStyle/>
-          <a:p>
-            <a:fld id="{934845A8-E111-474E-A529-FD36DA0E4E4B}" type="datetime1">
-              <a:rPr lang="en-CA" smtClean="0"/>
-              <a:t>2022-04-25</a:t>
-            </a:fld>
-            <a:endParaRPr lang="en-US" dirty="0"/>
-          </a:p>
-        </p:txBody>
-      </p:sp>
-      <p:sp>
-        <p:nvSpPr>
-          <p:cNvPr id="8" name="Footer Placeholder 7">
-            <a:extLst>
-              <a:ext uri="{FF2B5EF4-FFF2-40B4-BE49-F238E27FC236}">
-                <a16:creationId xmlns:a16="http://schemas.microsoft.com/office/drawing/2014/main" id="{3C120FB1-2039-DE4D-BDCE-AA00C0027B9D}"/>
-              </a:ext>
-            </a:extLst>
-          </p:cNvPr>
-          <p:cNvSpPr>
-            <a:spLocks noGrp="1"/>
-          </p:cNvSpPr>
-          <p:nvPr>
-            <p:ph type="ftr" sz="quarter" idx="11"/>
-          </p:nvPr>
-        </p:nvSpPr>
-        <p:spPr/>
-        <p:txBody>
-          <a:bodyPr/>
-          <a:lstStyle/>
-          <a:p>
-            <a:r>
-              <a:rPr lang="en-US"/>
-              <a:t>G2M Insight for Cab Investment</a:t>
-            </a:r>
-          </a:p>
-        </p:txBody>
-      </p:sp>
-      <p:sp>
-        <p:nvSpPr>
-          <p:cNvPr id="9" name="Slide Number Placeholder 8">
-            <a:extLst>
-              <a:ext uri="{FF2B5EF4-FFF2-40B4-BE49-F238E27FC236}">
-                <a16:creationId xmlns:a16="http://schemas.microsoft.com/office/drawing/2014/main" id="{A62E0BA6-3B25-4C46-B390-B861861578B9}"/>
-              </a:ext>
-            </a:extLst>
-          </p:cNvPr>
-          <p:cNvSpPr>
-            <a:spLocks noGrp="1"/>
-          </p:cNvSpPr>
-          <p:nvPr>
-            <p:ph type="sldNum" sz="quarter" idx="12"/>
-          </p:nvPr>
-        </p:nvSpPr>
-        <p:spPr/>
-        <p:txBody>
-          <a:bodyPr/>
-          <a:lstStyle/>
-          <a:p>
-            <a:fld id="{F3281B17-8789-6B4C-B449-7FC9CCFFE3A3}" type="slidenum">
-              <a:rPr lang="en-US" smtClean="0"/>
-              <a:t>1</a:t>
-            </a:fld>
-            <a:endParaRPr lang="en-US"/>
+            <a:r>
+              <a:rPr lang="en-US" sz="4000" dirty="0"/>
+              <a:t>G2M insight for Cab Investment firm</a:t>
+            </a:r>
+          </a:p>
+          <a:p>
+            <a:endParaRPr lang="en-US" sz="4000" dirty="0"/>
+          </a:p>
+          <a:p>
+            <a:endParaRPr lang="en-US" sz="4000" dirty="0"/>
+          </a:p>
+          <a:p>
+            <a:r>
+              <a:rPr lang="en-US" sz="2800" b="1" dirty="0"/>
+              <a:t>2022-04-26</a:t>
+            </a:r>
           </a:p>
         </p:txBody>
       </p:sp>
@@ -4477,7 +4400,725 @@
                 <a:latin typeface="Calibri" panose="020F0502020204030204" pitchFamily="34" charset="0"/>
                 <a:cs typeface="Calibri" panose="020F0502020204030204" pitchFamily="34" charset="0"/>
               </a:rPr>
-              <a:t>Cab trips vs Price/Cost (Numerical)</a:t>
+              <a:t>EDA - Cab trips vs Date of travel (Numerical)</a:t>
+            </a:r>
+          </a:p>
+        </p:txBody>
+      </p:sp>
+      <p:pic>
+        <p:nvPicPr>
+          <p:cNvPr id="4" name="Picture 3" descr="Chart, treemap chart&#10;&#10;Description automatically generated">
+            <a:extLst>
+              <a:ext uri="{FF2B5EF4-FFF2-40B4-BE49-F238E27FC236}">
+                <a16:creationId xmlns:a16="http://schemas.microsoft.com/office/drawing/2014/main" id="{55ED37B5-3BCB-3E35-A13D-66D0AA40092B}"/>
+              </a:ext>
+            </a:extLst>
+          </p:cNvPr>
+          <p:cNvPicPr>
+            <a:picLocks noChangeAspect="1"/>
+          </p:cNvPicPr>
+          <p:nvPr/>
+        </p:nvPicPr>
+        <p:blipFill>
+          <a:blip r:embed="rId2"/>
+          <a:stretch>
+            <a:fillRect/>
+          </a:stretch>
+        </p:blipFill>
+        <p:spPr>
+          <a:xfrm>
+            <a:off x="5461000" y="1634931"/>
+            <a:ext cx="6299200" cy="4470400"/>
+          </a:xfrm>
+          <a:prstGeom prst="rect">
+            <a:avLst/>
+          </a:prstGeom>
+        </p:spPr>
+      </p:pic>
+      <p:sp>
+        <p:nvSpPr>
+          <p:cNvPr id="12" name="TextBox 11">
+            <a:extLst>
+              <a:ext uri="{FF2B5EF4-FFF2-40B4-BE49-F238E27FC236}">
+                <a16:creationId xmlns:a16="http://schemas.microsoft.com/office/drawing/2014/main" id="{F8336E62-CF4F-14B7-1A57-A730D68BEC76}"/>
+              </a:ext>
+            </a:extLst>
+          </p:cNvPr>
+          <p:cNvSpPr txBox="1"/>
+          <p:nvPr/>
+        </p:nvSpPr>
+        <p:spPr>
+          <a:xfrm>
+            <a:off x="431800" y="1634931"/>
+            <a:ext cx="4727713" cy="923330"/>
+          </a:xfrm>
+          <a:prstGeom prst="rect">
+            <a:avLst/>
+          </a:prstGeom>
+          <a:noFill/>
+        </p:spPr>
+        <p:txBody>
+          <a:bodyPr wrap="square" rtlCol="0">
+            <a:spAutoFit/>
+          </a:bodyPr>
+          <a:lstStyle/>
+          <a:p>
+            <a:pPr marL="285750" indent="-285750">
+              <a:buFont typeface="Arial" panose="020B0604020202020204" pitchFamily="34" charset="0"/>
+              <a:buChar char="•"/>
+            </a:pPr>
+            <a:r>
+              <a:rPr lang="en-CA" dirty="0"/>
+              <a:t>Most cab trips were within 10 to 39 km with a few over 40 km, and the majority with the </a:t>
+            </a:r>
+            <a:r>
+              <a:rPr lang="en-CA" b="1" dirty="0"/>
+              <a:t>Yellow Cab.</a:t>
+            </a:r>
+          </a:p>
+        </p:txBody>
+      </p:sp>
+    </p:spTree>
+    <p:extLst>
+      <p:ext uri="{BB962C8B-B14F-4D97-AF65-F5344CB8AC3E}">
+        <p14:creationId xmlns:p14="http://schemas.microsoft.com/office/powerpoint/2010/main" val="356784000"/>
+      </p:ext>
+    </p:extLst>
+  </p:cSld>
+  <p:clrMapOvr>
+    <a:masterClrMapping/>
+  </p:clrMapOvr>
+</p:sld>
+</file>
+
+<file path=ppt/slides/slide11.xml><?xml version="1.0" encoding="utf-8"?>
+<p:sld xmlns:a="http://schemas.openxmlformats.org/drawingml/2006/main" xmlns:r="http://schemas.openxmlformats.org/officeDocument/2006/relationships" xmlns:p="http://schemas.openxmlformats.org/presentationml/2006/main">
+  <p:cSld>
+    <p:spTree>
+      <p:nvGrpSpPr>
+        <p:cNvPr id="1" name=""/>
+        <p:cNvGrpSpPr/>
+        <p:nvPr/>
+      </p:nvGrpSpPr>
+      <p:grpSpPr>
+        <a:xfrm>
+          <a:off x="0" y="0"/>
+          <a:ext cx="0" cy="0"/>
+          <a:chOff x="0" y="0"/>
+          <a:chExt cx="0" cy="0"/>
+        </a:xfrm>
+      </p:grpSpPr>
+      <p:sp>
+        <p:nvSpPr>
+          <p:cNvPr id="17" name="Title 1">
+            <a:extLst>
+              <a:ext uri="{FF2B5EF4-FFF2-40B4-BE49-F238E27FC236}">
+                <a16:creationId xmlns:a16="http://schemas.microsoft.com/office/drawing/2014/main" id="{DF258E9D-9119-1149-9B49-FE0FF5A3EE5F}"/>
+              </a:ext>
+            </a:extLst>
+          </p:cNvPr>
+          <p:cNvSpPr>
+            <a:spLocks noGrp="1"/>
+          </p:cNvSpPr>
+          <p:nvPr>
+            <p:ph type="title"/>
+          </p:nvPr>
+        </p:nvSpPr>
+        <p:spPr>
+          <a:xfrm>
+            <a:off x="762000" y="7107"/>
+            <a:ext cx="10498930" cy="1359380"/>
+          </a:xfrm>
+        </p:spPr>
+        <p:txBody>
+          <a:bodyPr>
+            <a:normAutofit/>
+          </a:bodyPr>
+          <a:lstStyle/>
+          <a:p>
+            <a:r>
+              <a:rPr lang="en-US" sz="3500" b="1" dirty="0">
+                <a:solidFill>
+                  <a:schemeClr val="accent2"/>
+                </a:solidFill>
+              </a:rPr>
+              <a:t>Profit Analysis</a:t>
+            </a:r>
+          </a:p>
+        </p:txBody>
+      </p:sp>
+      <p:sp>
+        <p:nvSpPr>
+          <p:cNvPr id="3" name="Rectangle 2">
+            <a:extLst>
+              <a:ext uri="{FF2B5EF4-FFF2-40B4-BE49-F238E27FC236}">
+                <a16:creationId xmlns:a16="http://schemas.microsoft.com/office/drawing/2014/main" id="{5379C949-80B5-CA4E-B810-B4F62F4B63E7}"/>
+              </a:ext>
+            </a:extLst>
+          </p:cNvPr>
+          <p:cNvSpPr/>
+          <p:nvPr/>
+        </p:nvSpPr>
+        <p:spPr>
+          <a:xfrm>
+            <a:off x="0" y="0"/>
+            <a:ext cx="12192000" cy="1383912"/>
+          </a:xfrm>
+          <a:prstGeom prst="rect">
+            <a:avLst/>
+          </a:prstGeom>
+          <a:solidFill>
+            <a:schemeClr val="bg2">
+              <a:lumMod val="25000"/>
+            </a:schemeClr>
+          </a:solidFill>
+        </p:spPr>
+        <p:style>
+          <a:lnRef idx="2">
+            <a:schemeClr val="accent1">
+              <a:shade val="50000"/>
+            </a:schemeClr>
+          </a:lnRef>
+          <a:fillRef idx="1">
+            <a:schemeClr val="accent1"/>
+          </a:fillRef>
+          <a:effectRef idx="0">
+            <a:schemeClr val="accent1"/>
+          </a:effectRef>
+          <a:fontRef idx="minor">
+            <a:schemeClr val="lt1"/>
+          </a:fontRef>
+        </p:style>
+        <p:txBody>
+          <a:bodyPr rtlCol="0" anchor="ctr"/>
+          <a:lstStyle/>
+          <a:p>
+            <a:endParaRPr lang="en-US" sz="4400" b="1" dirty="0">
+              <a:solidFill>
+                <a:schemeClr val="bg2">
+                  <a:lumMod val="25000"/>
+                </a:schemeClr>
+              </a:solidFill>
+              <a:latin typeface="Calibri" panose="020F0502020204030204" pitchFamily="34" charset="0"/>
+              <a:cs typeface="Calibri" panose="020F0502020204030204" pitchFamily="34" charset="0"/>
+            </a:endParaRPr>
+          </a:p>
+        </p:txBody>
+      </p:sp>
+      <p:sp>
+        <p:nvSpPr>
+          <p:cNvPr id="10" name="Footer Placeholder 9">
+            <a:extLst>
+              <a:ext uri="{FF2B5EF4-FFF2-40B4-BE49-F238E27FC236}">
+                <a16:creationId xmlns:a16="http://schemas.microsoft.com/office/drawing/2014/main" id="{561127C0-5A56-7F49-BF00-FA73BB10B307}"/>
+              </a:ext>
+            </a:extLst>
+          </p:cNvPr>
+          <p:cNvSpPr>
+            <a:spLocks noGrp="1"/>
+          </p:cNvSpPr>
+          <p:nvPr>
+            <p:ph type="ftr" sz="quarter" idx="11"/>
+          </p:nvPr>
+        </p:nvSpPr>
+        <p:spPr/>
+        <p:txBody>
+          <a:bodyPr/>
+          <a:lstStyle/>
+          <a:p>
+            <a:r>
+              <a:rPr lang="en-US"/>
+              <a:t>G2M Insight for Cab Investment</a:t>
+            </a:r>
+          </a:p>
+        </p:txBody>
+      </p:sp>
+      <p:sp>
+        <p:nvSpPr>
+          <p:cNvPr id="11" name="Slide Number Placeholder 10">
+            <a:extLst>
+              <a:ext uri="{FF2B5EF4-FFF2-40B4-BE49-F238E27FC236}">
+                <a16:creationId xmlns:a16="http://schemas.microsoft.com/office/drawing/2014/main" id="{948C9FE8-F0E4-A94B-9D74-695B027DF9F2}"/>
+              </a:ext>
+            </a:extLst>
+          </p:cNvPr>
+          <p:cNvSpPr>
+            <a:spLocks noGrp="1"/>
+          </p:cNvSpPr>
+          <p:nvPr>
+            <p:ph type="sldNum" sz="quarter" idx="12"/>
+          </p:nvPr>
+        </p:nvSpPr>
+        <p:spPr/>
+        <p:txBody>
+          <a:bodyPr/>
+          <a:lstStyle/>
+          <a:p>
+            <a:fld id="{F3281B17-8789-6B4C-B449-7FC9CCFFE3A3}" type="slidenum">
+              <a:rPr lang="en-US" smtClean="0"/>
+              <a:t>11</a:t>
+            </a:fld>
+            <a:endParaRPr lang="en-US"/>
+          </a:p>
+        </p:txBody>
+      </p:sp>
+      <p:sp>
+        <p:nvSpPr>
+          <p:cNvPr id="18" name="Date Placeholder 17">
+            <a:extLst>
+              <a:ext uri="{FF2B5EF4-FFF2-40B4-BE49-F238E27FC236}">
+                <a16:creationId xmlns:a16="http://schemas.microsoft.com/office/drawing/2014/main" id="{CF44F1BE-F959-954D-A3C9-A3118657260E}"/>
+              </a:ext>
+            </a:extLst>
+          </p:cNvPr>
+          <p:cNvSpPr>
+            <a:spLocks noGrp="1"/>
+          </p:cNvSpPr>
+          <p:nvPr>
+            <p:ph type="dt" sz="half" idx="10"/>
+          </p:nvPr>
+        </p:nvSpPr>
+        <p:spPr/>
+        <p:txBody>
+          <a:bodyPr/>
+          <a:lstStyle/>
+          <a:p>
+            <a:fld id="{21541C24-3BF6-194F-8030-81F46A112F1E}" type="datetime1">
+              <a:rPr lang="en-CA" smtClean="0"/>
+              <a:t>2022-04-26</a:t>
+            </a:fld>
+            <a:endParaRPr lang="en-US"/>
+          </a:p>
+        </p:txBody>
+      </p:sp>
+      <p:sp>
+        <p:nvSpPr>
+          <p:cNvPr id="21" name="Title 1">
+            <a:extLst>
+              <a:ext uri="{FF2B5EF4-FFF2-40B4-BE49-F238E27FC236}">
+                <a16:creationId xmlns:a16="http://schemas.microsoft.com/office/drawing/2014/main" id="{08C2AEF5-5E61-9647-9AF9-338224AB51BF}"/>
+              </a:ext>
+            </a:extLst>
+          </p:cNvPr>
+          <p:cNvSpPr txBox="1">
+            <a:spLocks/>
+          </p:cNvSpPr>
+          <p:nvPr/>
+        </p:nvSpPr>
+        <p:spPr>
+          <a:xfrm>
+            <a:off x="838200" y="46037"/>
+            <a:ext cx="10515600" cy="1325563"/>
+          </a:xfrm>
+          <a:prstGeom prst="rect">
+            <a:avLst/>
+          </a:prstGeom>
+        </p:spPr>
+        <p:txBody>
+          <a:bodyPr vert="horz" lIns="91440" tIns="45720" rIns="91440" bIns="45720" rtlCol="0" anchor="ctr">
+            <a:normAutofit/>
+          </a:bodyPr>
+          <a:lstStyle>
+            <a:lvl1pPr algn="l" defTabSz="914400" rtl="0" eaLnBrk="1" latinLnBrk="0" hangingPunct="1">
+              <a:lnSpc>
+                <a:spcPct val="90000"/>
+              </a:lnSpc>
+              <a:spcBef>
+                <a:spcPct val="0"/>
+              </a:spcBef>
+              <a:buNone/>
+              <a:defRPr sz="4400" kern="1200">
+                <a:solidFill>
+                  <a:schemeClr val="tx1"/>
+                </a:solidFill>
+                <a:latin typeface="+mj-lt"/>
+                <a:ea typeface="+mj-ea"/>
+                <a:cs typeface="+mj-cs"/>
+              </a:defRPr>
+            </a:lvl1pPr>
+          </a:lstStyle>
+          <a:p>
+            <a:r>
+              <a:rPr lang="en-US" b="1" dirty="0">
+                <a:solidFill>
+                  <a:schemeClr val="accent2"/>
+                </a:solidFill>
+                <a:latin typeface="Calibri" panose="020F0502020204030204" pitchFamily="34" charset="0"/>
+                <a:cs typeface="Calibri" panose="020F0502020204030204" pitchFamily="34" charset="0"/>
+              </a:rPr>
+              <a:t>EDA - Cab trips vs Price/Cost (Numerical)</a:t>
+            </a:r>
+          </a:p>
+        </p:txBody>
+      </p:sp>
+      <p:pic>
+        <p:nvPicPr>
+          <p:cNvPr id="5" name="Picture 4" descr="Chart, histogram&#10;&#10;Description automatically generated">
+            <a:extLst>
+              <a:ext uri="{FF2B5EF4-FFF2-40B4-BE49-F238E27FC236}">
+                <a16:creationId xmlns:a16="http://schemas.microsoft.com/office/drawing/2014/main" id="{B96DAC35-9627-FDE5-3503-CA35EB86C253}"/>
+              </a:ext>
+            </a:extLst>
+          </p:cNvPr>
+          <p:cNvPicPr>
+            <a:picLocks noChangeAspect="1"/>
+          </p:cNvPicPr>
+          <p:nvPr/>
+        </p:nvPicPr>
+        <p:blipFill>
+          <a:blip r:embed="rId2"/>
+          <a:stretch>
+            <a:fillRect/>
+          </a:stretch>
+        </p:blipFill>
+        <p:spPr>
+          <a:xfrm>
+            <a:off x="915746" y="3111080"/>
+            <a:ext cx="10360508" cy="3187849"/>
+          </a:xfrm>
+          <a:prstGeom prst="rect">
+            <a:avLst/>
+          </a:prstGeom>
+        </p:spPr>
+      </p:pic>
+      <p:pic>
+        <p:nvPicPr>
+          <p:cNvPr id="7" name="Picture 6" descr="Box and whisker chart&#10;&#10;Description automatically generated with medium confidence">
+            <a:extLst>
+              <a:ext uri="{FF2B5EF4-FFF2-40B4-BE49-F238E27FC236}">
+                <a16:creationId xmlns:a16="http://schemas.microsoft.com/office/drawing/2014/main" id="{AD900E33-6E67-5502-6C71-FC1E10DD0E0A}"/>
+              </a:ext>
+            </a:extLst>
+          </p:cNvPr>
+          <p:cNvPicPr>
+            <a:picLocks noChangeAspect="1"/>
+          </p:cNvPicPr>
+          <p:nvPr/>
+        </p:nvPicPr>
+        <p:blipFill>
+          <a:blip r:embed="rId3"/>
+          <a:stretch>
+            <a:fillRect/>
+          </a:stretch>
+        </p:blipFill>
+        <p:spPr>
+          <a:xfrm>
+            <a:off x="5639316" y="1634931"/>
+            <a:ext cx="5256696" cy="1258646"/>
+          </a:xfrm>
+          <a:prstGeom prst="rect">
+            <a:avLst/>
+          </a:prstGeom>
+        </p:spPr>
+      </p:pic>
+      <p:sp>
+        <p:nvSpPr>
+          <p:cNvPr id="14" name="TextBox 13">
+            <a:extLst>
+              <a:ext uri="{FF2B5EF4-FFF2-40B4-BE49-F238E27FC236}">
+                <a16:creationId xmlns:a16="http://schemas.microsoft.com/office/drawing/2014/main" id="{AB90E1FB-44DC-1FFB-4DB0-37DA2EED12EC}"/>
+              </a:ext>
+            </a:extLst>
+          </p:cNvPr>
+          <p:cNvSpPr txBox="1"/>
+          <p:nvPr/>
+        </p:nvSpPr>
+        <p:spPr>
+          <a:xfrm>
+            <a:off x="431800" y="1634931"/>
+            <a:ext cx="4727713" cy="1477328"/>
+          </a:xfrm>
+          <a:prstGeom prst="rect">
+            <a:avLst/>
+          </a:prstGeom>
+          <a:noFill/>
+        </p:spPr>
+        <p:txBody>
+          <a:bodyPr wrap="square" rtlCol="0">
+            <a:spAutoFit/>
+          </a:bodyPr>
+          <a:lstStyle/>
+          <a:p>
+            <a:pPr marL="285750" indent="-285750">
+              <a:buFont typeface="Arial" panose="020B0604020202020204" pitchFamily="34" charset="0"/>
+              <a:buChar char="•"/>
+            </a:pPr>
+            <a:r>
+              <a:rPr lang="en-CA" dirty="0"/>
+              <a:t>There is a decrease in the number of trips as we move towards higher prices being charged, which reflected in the cost range. This is because there are fewer long trips (higher prices) than short trips (lower prices).</a:t>
+            </a:r>
+          </a:p>
+        </p:txBody>
+      </p:sp>
+    </p:spTree>
+    <p:extLst>
+      <p:ext uri="{BB962C8B-B14F-4D97-AF65-F5344CB8AC3E}">
+        <p14:creationId xmlns:p14="http://schemas.microsoft.com/office/powerpoint/2010/main" val="3241622948"/>
+      </p:ext>
+    </p:extLst>
+  </p:cSld>
+  <p:clrMapOvr>
+    <a:masterClrMapping/>
+  </p:clrMapOvr>
+</p:sld>
+</file>
+
+<file path=ppt/slides/slide12.xml><?xml version="1.0" encoding="utf-8"?>
+<p:sld xmlns:a="http://schemas.openxmlformats.org/drawingml/2006/main" xmlns:r="http://schemas.openxmlformats.org/officeDocument/2006/relationships" xmlns:p="http://schemas.openxmlformats.org/presentationml/2006/main">
+  <p:cSld>
+    <p:spTree>
+      <p:nvGrpSpPr>
+        <p:cNvPr id="1" name=""/>
+        <p:cNvGrpSpPr/>
+        <p:nvPr/>
+      </p:nvGrpSpPr>
+      <p:grpSpPr>
+        <a:xfrm>
+          <a:off x="0" y="0"/>
+          <a:ext cx="0" cy="0"/>
+          <a:chOff x="0" y="0"/>
+          <a:chExt cx="0" cy="0"/>
+        </a:xfrm>
+      </p:grpSpPr>
+      <p:sp>
+        <p:nvSpPr>
+          <p:cNvPr id="17" name="Title 1">
+            <a:extLst>
+              <a:ext uri="{FF2B5EF4-FFF2-40B4-BE49-F238E27FC236}">
+                <a16:creationId xmlns:a16="http://schemas.microsoft.com/office/drawing/2014/main" id="{DF258E9D-9119-1149-9B49-FE0FF5A3EE5F}"/>
+              </a:ext>
+            </a:extLst>
+          </p:cNvPr>
+          <p:cNvSpPr>
+            <a:spLocks noGrp="1"/>
+          </p:cNvSpPr>
+          <p:nvPr>
+            <p:ph type="title"/>
+          </p:nvPr>
+        </p:nvSpPr>
+        <p:spPr>
+          <a:xfrm>
+            <a:off x="762000" y="7107"/>
+            <a:ext cx="10498930" cy="1359380"/>
+          </a:xfrm>
+        </p:spPr>
+        <p:txBody>
+          <a:bodyPr>
+            <a:normAutofit/>
+          </a:bodyPr>
+          <a:lstStyle/>
+          <a:p>
+            <a:r>
+              <a:rPr lang="en-US" sz="3500" b="1" dirty="0">
+                <a:solidFill>
+                  <a:schemeClr val="accent2"/>
+                </a:solidFill>
+              </a:rPr>
+              <a:t>Profit Analysis</a:t>
+            </a:r>
+          </a:p>
+        </p:txBody>
+      </p:sp>
+      <p:sp>
+        <p:nvSpPr>
+          <p:cNvPr id="3" name="Rectangle 2">
+            <a:extLst>
+              <a:ext uri="{FF2B5EF4-FFF2-40B4-BE49-F238E27FC236}">
+                <a16:creationId xmlns:a16="http://schemas.microsoft.com/office/drawing/2014/main" id="{5379C949-80B5-CA4E-B810-B4F62F4B63E7}"/>
+              </a:ext>
+            </a:extLst>
+          </p:cNvPr>
+          <p:cNvSpPr/>
+          <p:nvPr/>
+        </p:nvSpPr>
+        <p:spPr>
+          <a:xfrm>
+            <a:off x="0" y="0"/>
+            <a:ext cx="12192000" cy="1383912"/>
+          </a:xfrm>
+          <a:prstGeom prst="rect">
+            <a:avLst/>
+          </a:prstGeom>
+          <a:solidFill>
+            <a:schemeClr val="bg2">
+              <a:lumMod val="25000"/>
+            </a:schemeClr>
+          </a:solidFill>
+        </p:spPr>
+        <p:style>
+          <a:lnRef idx="2">
+            <a:schemeClr val="accent1">
+              <a:shade val="50000"/>
+            </a:schemeClr>
+          </a:lnRef>
+          <a:fillRef idx="1">
+            <a:schemeClr val="accent1"/>
+          </a:fillRef>
+          <a:effectRef idx="0">
+            <a:schemeClr val="accent1"/>
+          </a:effectRef>
+          <a:fontRef idx="minor">
+            <a:schemeClr val="lt1"/>
+          </a:fontRef>
+        </p:style>
+        <p:txBody>
+          <a:bodyPr rtlCol="0" anchor="ctr"/>
+          <a:lstStyle/>
+          <a:p>
+            <a:endParaRPr lang="en-US" sz="4400" b="1" dirty="0">
+              <a:solidFill>
+                <a:schemeClr val="bg2">
+                  <a:lumMod val="25000"/>
+                </a:schemeClr>
+              </a:solidFill>
+              <a:latin typeface="Calibri" panose="020F0502020204030204" pitchFamily="34" charset="0"/>
+              <a:cs typeface="Calibri" panose="020F0502020204030204" pitchFamily="34" charset="0"/>
+            </a:endParaRPr>
+          </a:p>
+        </p:txBody>
+      </p:sp>
+      <p:sp>
+        <p:nvSpPr>
+          <p:cNvPr id="10" name="Footer Placeholder 9">
+            <a:extLst>
+              <a:ext uri="{FF2B5EF4-FFF2-40B4-BE49-F238E27FC236}">
+                <a16:creationId xmlns:a16="http://schemas.microsoft.com/office/drawing/2014/main" id="{561127C0-5A56-7F49-BF00-FA73BB10B307}"/>
+              </a:ext>
+            </a:extLst>
+          </p:cNvPr>
+          <p:cNvSpPr>
+            <a:spLocks noGrp="1"/>
+          </p:cNvSpPr>
+          <p:nvPr>
+            <p:ph type="ftr" sz="quarter" idx="11"/>
+          </p:nvPr>
+        </p:nvSpPr>
+        <p:spPr/>
+        <p:txBody>
+          <a:bodyPr/>
+          <a:lstStyle/>
+          <a:p>
+            <a:r>
+              <a:rPr lang="en-US"/>
+              <a:t>G2M Insight for Cab Investment</a:t>
+            </a:r>
+          </a:p>
+        </p:txBody>
+      </p:sp>
+      <p:sp>
+        <p:nvSpPr>
+          <p:cNvPr id="11" name="Slide Number Placeholder 10">
+            <a:extLst>
+              <a:ext uri="{FF2B5EF4-FFF2-40B4-BE49-F238E27FC236}">
+                <a16:creationId xmlns:a16="http://schemas.microsoft.com/office/drawing/2014/main" id="{948C9FE8-F0E4-A94B-9D74-695B027DF9F2}"/>
+              </a:ext>
+            </a:extLst>
+          </p:cNvPr>
+          <p:cNvSpPr>
+            <a:spLocks noGrp="1"/>
+          </p:cNvSpPr>
+          <p:nvPr>
+            <p:ph type="sldNum" sz="quarter" idx="12"/>
+          </p:nvPr>
+        </p:nvSpPr>
+        <p:spPr/>
+        <p:txBody>
+          <a:bodyPr/>
+          <a:lstStyle/>
+          <a:p>
+            <a:fld id="{F3281B17-8789-6B4C-B449-7FC9CCFFE3A3}" type="slidenum">
+              <a:rPr lang="en-US" smtClean="0"/>
+              <a:t>12</a:t>
+            </a:fld>
+            <a:endParaRPr lang="en-US"/>
+          </a:p>
+        </p:txBody>
+      </p:sp>
+      <p:sp>
+        <p:nvSpPr>
+          <p:cNvPr id="18" name="Date Placeholder 17">
+            <a:extLst>
+              <a:ext uri="{FF2B5EF4-FFF2-40B4-BE49-F238E27FC236}">
+                <a16:creationId xmlns:a16="http://schemas.microsoft.com/office/drawing/2014/main" id="{CF44F1BE-F959-954D-A3C9-A3118657260E}"/>
+              </a:ext>
+            </a:extLst>
+          </p:cNvPr>
+          <p:cNvSpPr>
+            <a:spLocks noGrp="1"/>
+          </p:cNvSpPr>
+          <p:nvPr>
+            <p:ph type="dt" sz="half" idx="10"/>
+          </p:nvPr>
+        </p:nvSpPr>
+        <p:spPr/>
+        <p:txBody>
+          <a:bodyPr/>
+          <a:lstStyle/>
+          <a:p>
+            <a:fld id="{21541C24-3BF6-194F-8030-81F46A112F1E}" type="datetime1">
+              <a:rPr lang="en-CA" smtClean="0"/>
+              <a:t>2022-04-26</a:t>
+            </a:fld>
+            <a:endParaRPr lang="en-US"/>
+          </a:p>
+        </p:txBody>
+      </p:sp>
+      <p:sp>
+        <p:nvSpPr>
+          <p:cNvPr id="21" name="Title 1">
+            <a:extLst>
+              <a:ext uri="{FF2B5EF4-FFF2-40B4-BE49-F238E27FC236}">
+                <a16:creationId xmlns:a16="http://schemas.microsoft.com/office/drawing/2014/main" id="{08C2AEF5-5E61-9647-9AF9-338224AB51BF}"/>
+              </a:ext>
+            </a:extLst>
+          </p:cNvPr>
+          <p:cNvSpPr txBox="1">
+            <a:spLocks/>
+          </p:cNvSpPr>
+          <p:nvPr/>
+        </p:nvSpPr>
+        <p:spPr>
+          <a:xfrm>
+            <a:off x="838200" y="46037"/>
+            <a:ext cx="10515600" cy="1325563"/>
+          </a:xfrm>
+          <a:prstGeom prst="rect">
+            <a:avLst/>
+          </a:prstGeom>
+        </p:spPr>
+        <p:txBody>
+          <a:bodyPr vert="horz" lIns="91440" tIns="45720" rIns="91440" bIns="45720" rtlCol="0" anchor="ctr">
+            <a:normAutofit/>
+          </a:bodyPr>
+          <a:lstStyle>
+            <a:lvl1pPr algn="l" defTabSz="914400" rtl="0" eaLnBrk="1" latinLnBrk="0" hangingPunct="1">
+              <a:lnSpc>
+                <a:spcPct val="90000"/>
+              </a:lnSpc>
+              <a:spcBef>
+                <a:spcPct val="0"/>
+              </a:spcBef>
+              <a:buNone/>
+              <a:defRPr sz="4400" kern="1200">
+                <a:solidFill>
+                  <a:schemeClr val="tx1"/>
+                </a:solidFill>
+                <a:latin typeface="+mj-lt"/>
+                <a:ea typeface="+mj-ea"/>
+                <a:cs typeface="+mj-cs"/>
+              </a:defRPr>
+            </a:lvl1pPr>
+          </a:lstStyle>
+          <a:p>
+            <a:r>
+              <a:rPr lang="en-US" b="1" dirty="0">
+                <a:solidFill>
+                  <a:schemeClr val="accent2"/>
+                </a:solidFill>
+                <a:latin typeface="Calibri" panose="020F0502020204030204" pitchFamily="34" charset="0"/>
+                <a:cs typeface="Calibri" panose="020F0502020204030204" pitchFamily="34" charset="0"/>
+              </a:rPr>
+              <a:t>EDA - Cab trips vs Price/Cost (Numerical)</a:t>
             </a:r>
           </a:p>
         </p:txBody>
@@ -4571,7 +5212,7 @@
 </p:sld>
 </file>
 
-<file path=ppt/slides/slide11.xml><?xml version="1.0" encoding="utf-8"?>
+<file path=ppt/slides/slide13.xml><?xml version="1.0" encoding="utf-8"?>
 <p:sld xmlns:a="http://schemas.openxmlformats.org/drawingml/2006/main" xmlns:r="http://schemas.openxmlformats.org/officeDocument/2006/relationships" xmlns:p="http://schemas.openxmlformats.org/presentationml/2006/main">
   <p:cSld>
     <p:spTree>
@@ -4736,7 +5377,7 @@
           <a:p>
             <a:fld id="{F3281B17-8789-6B4C-B449-7FC9CCFFE3A3}" type="slidenum">
               <a:rPr lang="en-US" smtClean="0"/>
-              <a:t>11</a:t>
+              <a:t>13</a:t>
             </a:fld>
             <a:endParaRPr lang="en-US"/>
           </a:p>
@@ -4826,7 +5467,7 @@
                 <a:latin typeface="Calibri" panose="020F0502020204030204" pitchFamily="34" charset="0"/>
                 <a:cs typeface="Calibri" panose="020F0502020204030204" pitchFamily="34" charset="0"/>
               </a:rPr>
-              <a:t>Cab trips vs Age (Numerical)</a:t>
+              <a:t>EDA - Cab trips vs Age (Numerical)</a:t>
             </a:r>
           </a:p>
         </p:txBody>
@@ -4913,7 +5554,7 @@
 </p:sld>
 </file>
 
-<file path=ppt/slides/slide12.xml><?xml version="1.0" encoding="utf-8"?>
+<file path=ppt/slides/slide14.xml><?xml version="1.0" encoding="utf-8"?>
 <p:sld xmlns:a="http://schemas.openxmlformats.org/drawingml/2006/main" xmlns:r="http://schemas.openxmlformats.org/officeDocument/2006/relationships" xmlns:p="http://schemas.openxmlformats.org/presentationml/2006/main">
   <p:cSld>
     <p:spTree>
@@ -5078,7 +5719,7 @@
           <a:p>
             <a:fld id="{F3281B17-8789-6B4C-B449-7FC9CCFFE3A3}" type="slidenum">
               <a:rPr lang="en-US" smtClean="0"/>
-              <a:t>12</a:t>
+              <a:t>14</a:t>
             </a:fld>
             <a:endParaRPr lang="en-US"/>
           </a:p>
@@ -5168,7 +5809,7 @@
                 <a:latin typeface="Calibri" panose="020F0502020204030204" pitchFamily="34" charset="0"/>
                 <a:cs typeface="Calibri" panose="020F0502020204030204" pitchFamily="34" charset="0"/>
               </a:rPr>
-              <a:t>Cab trips vs User income USD/month </a:t>
+              <a:t>EDA - Cab trips vs User income USD/month </a:t>
             </a:r>
             <a:r>
               <a:rPr lang="en-US" sz="2400" b="1" dirty="0">
@@ -5265,7 +5906,7 @@
 </p:sld>
 </file>
 
-<file path=ppt/slides/slide13.xml><?xml version="1.0" encoding="utf-8"?>
+<file path=ppt/slides/slide15.xml><?xml version="1.0" encoding="utf-8"?>
 <p:sld xmlns:a="http://schemas.openxmlformats.org/drawingml/2006/main" xmlns:r="http://schemas.openxmlformats.org/officeDocument/2006/relationships" xmlns:p="http://schemas.openxmlformats.org/presentationml/2006/main">
   <p:cSld>
     <p:spTree>
@@ -5430,7 +6071,7 @@
           <a:p>
             <a:fld id="{F3281B17-8789-6B4C-B449-7FC9CCFFE3A3}" type="slidenum">
               <a:rPr lang="en-US" smtClean="0"/>
-              <a:t>13</a:t>
+              <a:t>15</a:t>
             </a:fld>
             <a:endParaRPr lang="en-US"/>
           </a:p>
@@ -5520,7 +6161,7 @@
                 <a:latin typeface="Calibri" panose="020F0502020204030204" pitchFamily="34" charset="0"/>
                 <a:cs typeface="Calibri" panose="020F0502020204030204" pitchFamily="34" charset="0"/>
               </a:rPr>
-              <a:t>Cab trips vs Cabs (Categorical)</a:t>
+              <a:t>EDA - Cab trips vs Cabs (Categorical)</a:t>
             </a:r>
           </a:p>
         </p:txBody>
@@ -5615,7 +6256,7 @@
 </p:sld>
 </file>
 
-<file path=ppt/slides/slide14.xml><?xml version="1.0" encoding="utf-8"?>
+<file path=ppt/slides/slide16.xml><?xml version="1.0" encoding="utf-8"?>
 <p:sld xmlns:a="http://schemas.openxmlformats.org/drawingml/2006/main" xmlns:r="http://schemas.openxmlformats.org/officeDocument/2006/relationships" xmlns:p="http://schemas.openxmlformats.org/presentationml/2006/main">
   <p:cSld>
     <p:spTree>
@@ -5780,7 +6421,7 @@
           <a:p>
             <a:fld id="{F3281B17-8789-6B4C-B449-7FC9CCFFE3A3}" type="slidenum">
               <a:rPr lang="en-US" smtClean="0"/>
-              <a:t>14</a:t>
+              <a:t>16</a:t>
             </a:fld>
             <a:endParaRPr lang="en-US"/>
           </a:p>
@@ -5870,7 +6511,7 @@
                 <a:latin typeface="Calibri" panose="020F0502020204030204" pitchFamily="34" charset="0"/>
                 <a:cs typeface="Calibri" panose="020F0502020204030204" pitchFamily="34" charset="0"/>
               </a:rPr>
-              <a:t>Cab trips vs City (Categorical)</a:t>
+              <a:t>EDA - Cab trips vs City (Categorical)</a:t>
             </a:r>
           </a:p>
         </p:txBody>
@@ -5987,7 +6628,7 @@
 </p:sld>
 </file>
 
-<file path=ppt/slides/slide15.xml><?xml version="1.0" encoding="utf-8"?>
+<file path=ppt/slides/slide17.xml><?xml version="1.0" encoding="utf-8"?>
 <p:sld xmlns:a="http://schemas.openxmlformats.org/drawingml/2006/main" xmlns:r="http://schemas.openxmlformats.org/officeDocument/2006/relationships" xmlns:p="http://schemas.openxmlformats.org/presentationml/2006/main">
   <p:cSld>
     <p:spTree>
@@ -6152,7 +6793,7 @@
           <a:p>
             <a:fld id="{F3281B17-8789-6B4C-B449-7FC9CCFFE3A3}" type="slidenum">
               <a:rPr lang="en-US" smtClean="0"/>
-              <a:t>15</a:t>
+              <a:t>17</a:t>
             </a:fld>
             <a:endParaRPr lang="en-US"/>
           </a:p>
@@ -6242,7 +6883,7 @@
                 <a:latin typeface="Calibri" panose="020F0502020204030204" pitchFamily="34" charset="0"/>
                 <a:cs typeface="Calibri" panose="020F0502020204030204" pitchFamily="34" charset="0"/>
               </a:rPr>
-              <a:t>Cab trips vs City (Categorical)</a:t>
+              <a:t>EDA - Cab trips vs City (Categorical)</a:t>
             </a:r>
           </a:p>
         </p:txBody>
@@ -6352,7 +6993,7 @@
 </p:sld>
 </file>
 
-<file path=ppt/slides/slide16.xml><?xml version="1.0" encoding="utf-8"?>
+<file path=ppt/slides/slide18.xml><?xml version="1.0" encoding="utf-8"?>
 <p:sld xmlns:a="http://schemas.openxmlformats.org/drawingml/2006/main" xmlns:r="http://schemas.openxmlformats.org/officeDocument/2006/relationships" xmlns:p="http://schemas.openxmlformats.org/presentationml/2006/main">
   <p:cSld>
     <p:spTree>
@@ -6517,7 +7158,7 @@
           <a:p>
             <a:fld id="{F3281B17-8789-6B4C-B449-7FC9CCFFE3A3}" type="slidenum">
               <a:rPr lang="en-US" smtClean="0"/>
-              <a:t>16</a:t>
+              <a:t>18</a:t>
             </a:fld>
             <a:endParaRPr lang="en-US"/>
           </a:p>
@@ -6607,7 +7248,7 @@
                 <a:latin typeface="Calibri" panose="020F0502020204030204" pitchFamily="34" charset="0"/>
                 <a:cs typeface="Calibri" panose="020F0502020204030204" pitchFamily="34" charset="0"/>
               </a:rPr>
-              <a:t>Cab users vs Day (Categorical)</a:t>
+              <a:t>EDA - Cab users vs Day (Categorical)</a:t>
             </a:r>
           </a:p>
         </p:txBody>
@@ -6655,7 +7296,7 @@
 </p:sld>
 </file>
 
-<file path=ppt/slides/slide17.xml><?xml version="1.0" encoding="utf-8"?>
+<file path=ppt/slides/slide19.xml><?xml version="1.0" encoding="utf-8"?>
 <p:sld xmlns:a="http://schemas.openxmlformats.org/drawingml/2006/main" xmlns:r="http://schemas.openxmlformats.org/officeDocument/2006/relationships" xmlns:p="http://schemas.openxmlformats.org/presentationml/2006/main">
   <p:cSld>
     <p:spTree>
@@ -6820,7 +7461,7 @@
           <a:p>
             <a:fld id="{F3281B17-8789-6B4C-B449-7FC9CCFFE3A3}" type="slidenum">
               <a:rPr lang="en-US" smtClean="0"/>
-              <a:t>17</a:t>
+              <a:t>19</a:t>
             </a:fld>
             <a:endParaRPr lang="en-US"/>
           </a:p>
@@ -6910,7 +7551,7 @@
                 <a:latin typeface="Calibri" panose="020F0502020204030204" pitchFamily="34" charset="0"/>
                 <a:cs typeface="Calibri" panose="020F0502020204030204" pitchFamily="34" charset="0"/>
               </a:rPr>
-              <a:t>Cab users vs Month/Weekday (Categorical)</a:t>
+              <a:t>EDA - Cab users vs Month/Weekday (Categorical)</a:t>
             </a:r>
           </a:p>
         </p:txBody>
@@ -6988,7 +7629,267 @@
 </p:sld>
 </file>
 
-<file path=ppt/slides/slide18.xml><?xml version="1.0" encoding="utf-8"?>
+<file path=ppt/slides/slide2.xml><?xml version="1.0" encoding="utf-8"?>
+<p:sld xmlns:a="http://schemas.openxmlformats.org/drawingml/2006/main" xmlns:r="http://schemas.openxmlformats.org/officeDocument/2006/relationships" xmlns:p="http://schemas.openxmlformats.org/presentationml/2006/main">
+  <p:cSld>
+    <p:spTree>
+      <p:nvGrpSpPr>
+        <p:cNvPr id="1" name=""/>
+        <p:cNvGrpSpPr/>
+        <p:nvPr/>
+      </p:nvGrpSpPr>
+      <p:grpSpPr>
+        <a:xfrm>
+          <a:off x="0" y="0"/>
+          <a:ext cx="0" cy="0"/>
+          <a:chOff x="0" y="0"/>
+          <a:chExt cx="0" cy="0"/>
+        </a:xfrm>
+      </p:grpSpPr>
+      <p:sp>
+        <p:nvSpPr>
+          <p:cNvPr id="2" name="Title 1">
+            <a:extLst>
+              <a:ext uri="{FF2B5EF4-FFF2-40B4-BE49-F238E27FC236}">
+                <a16:creationId xmlns:a16="http://schemas.microsoft.com/office/drawing/2014/main" id="{E8B8F26E-9345-4747-9094-972E38700A17}"/>
+              </a:ext>
+            </a:extLst>
+          </p:cNvPr>
+          <p:cNvSpPr>
+            <a:spLocks noGrp="1"/>
+          </p:cNvSpPr>
+          <p:nvPr>
+            <p:ph type="ctrTitle"/>
+          </p:nvPr>
+        </p:nvSpPr>
+        <p:spPr>
+          <a:xfrm rot="5400000">
+            <a:off x="-562431" y="562430"/>
+            <a:ext cx="6858002" cy="5733142"/>
+          </a:xfrm>
+          <a:solidFill>
+            <a:srgbClr val="3B3B3B"/>
+          </a:solidFill>
+        </p:spPr>
+        <p:txBody>
+          <a:bodyPr vert="vert270" anchor="t" anchorCtr="0"/>
+          <a:lstStyle/>
+          <a:p>
+            <a:br>
+              <a:rPr lang="en-US" dirty="0"/>
+            </a:br>
+            <a:br>
+              <a:rPr lang="en-US" dirty="0"/>
+            </a:br>
+            <a:br>
+              <a:rPr lang="en-US" dirty="0"/>
+            </a:br>
+            <a:r>
+              <a:rPr lang="en-US" b="1" dirty="0">
+                <a:solidFill>
+                  <a:srgbClr val="FF6600"/>
+                </a:solidFill>
+              </a:rPr>
+              <a:t>Agenda</a:t>
+            </a:r>
+          </a:p>
+        </p:txBody>
+      </p:sp>
+      <p:sp>
+        <p:nvSpPr>
+          <p:cNvPr id="3" name="Subtitle 2">
+            <a:extLst>
+              <a:ext uri="{FF2B5EF4-FFF2-40B4-BE49-F238E27FC236}">
+                <a16:creationId xmlns:a16="http://schemas.microsoft.com/office/drawing/2014/main" id="{60B3D5A6-E766-7C41-BD00-B22DA4727FBA}"/>
+              </a:ext>
+            </a:extLst>
+          </p:cNvPr>
+          <p:cNvSpPr>
+            <a:spLocks noGrp="1"/>
+          </p:cNvSpPr>
+          <p:nvPr>
+            <p:ph type="subTitle" idx="1"/>
+          </p:nvPr>
+        </p:nvSpPr>
+        <p:spPr>
+          <a:xfrm rot="5400000">
+            <a:off x="5533569" y="199573"/>
+            <a:ext cx="6858004" cy="6458857"/>
+          </a:xfrm>
+        </p:spPr>
+        <p:txBody>
+          <a:bodyPr vert="vert270">
+            <a:normAutofit/>
+          </a:bodyPr>
+          <a:lstStyle/>
+          <a:p>
+            <a:endParaRPr lang="en-US" dirty="0">
+              <a:solidFill>
+                <a:srgbClr val="FF6600"/>
+              </a:solidFill>
+            </a:endParaRPr>
+          </a:p>
+          <a:p>
+            <a:pPr algn="just"/>
+            <a:r>
+              <a:rPr lang="en-US" dirty="0">
+                <a:solidFill>
+                  <a:srgbClr val="FF6600"/>
+                </a:solidFill>
+              </a:rPr>
+              <a:t>   </a:t>
+            </a:r>
+          </a:p>
+          <a:p>
+            <a:pPr algn="just"/>
+            <a:r>
+              <a:rPr lang="en-US" sz="2800" dirty="0">
+                <a:solidFill>
+                  <a:srgbClr val="FF6600"/>
+                </a:solidFill>
+              </a:rPr>
+              <a:t>         </a:t>
+            </a:r>
+          </a:p>
+          <a:p>
+            <a:pPr algn="just"/>
+            <a:r>
+              <a:rPr lang="en-US" sz="2800" dirty="0">
+                <a:solidFill>
+                  <a:srgbClr val="FF6600"/>
+                </a:solidFill>
+              </a:rPr>
+              <a:t>         Executive Summary</a:t>
+            </a:r>
+          </a:p>
+          <a:p>
+            <a:pPr algn="just"/>
+            <a:r>
+              <a:rPr lang="en-US" sz="2800" dirty="0">
+                <a:solidFill>
+                  <a:srgbClr val="FF6600"/>
+                </a:solidFill>
+              </a:rPr>
+              <a:t>         Problem Statement</a:t>
+            </a:r>
+          </a:p>
+          <a:p>
+            <a:pPr algn="just"/>
+            <a:r>
+              <a:rPr lang="en-US" sz="2800" dirty="0">
+                <a:solidFill>
+                  <a:srgbClr val="FF6600"/>
+                </a:solidFill>
+              </a:rPr>
+              <a:t>         Approach</a:t>
+            </a:r>
+          </a:p>
+          <a:p>
+            <a:pPr algn="just"/>
+            <a:r>
+              <a:rPr lang="en-US" sz="2800" dirty="0">
+                <a:solidFill>
+                  <a:srgbClr val="FF6600"/>
+                </a:solidFill>
+              </a:rPr>
+              <a:t>         EDA</a:t>
+            </a:r>
+          </a:p>
+          <a:p>
+            <a:pPr algn="just"/>
+            <a:r>
+              <a:rPr lang="en-US" sz="2800" dirty="0">
+                <a:solidFill>
+                  <a:srgbClr val="FF6600"/>
+                </a:solidFill>
+              </a:rPr>
+              <a:t>         EDA Summary</a:t>
+            </a:r>
+          </a:p>
+          <a:p>
+            <a:pPr algn="just"/>
+            <a:r>
+              <a:rPr lang="en-US" sz="2800" dirty="0">
+                <a:solidFill>
+                  <a:srgbClr val="FF6600"/>
+                </a:solidFill>
+              </a:rPr>
+              <a:t>         Recommendations</a:t>
+            </a:r>
+          </a:p>
+          <a:p>
+            <a:endParaRPr lang="en-US" sz="3200" dirty="0">
+              <a:solidFill>
+                <a:srgbClr val="FF6600"/>
+              </a:solidFill>
+            </a:endParaRPr>
+          </a:p>
+          <a:p>
+            <a:endParaRPr lang="en-US" dirty="0">
+              <a:solidFill>
+                <a:srgbClr val="FF6600"/>
+              </a:solidFill>
+            </a:endParaRPr>
+          </a:p>
+          <a:p>
+            <a:endParaRPr lang="en-US" dirty="0">
+              <a:solidFill>
+                <a:srgbClr val="FF6600"/>
+              </a:solidFill>
+            </a:endParaRPr>
+          </a:p>
+        </p:txBody>
+      </p:sp>
+      <p:pic>
+        <p:nvPicPr>
+          <p:cNvPr id="4" name="Picture 3">
+            <a:extLst>
+              <a:ext uri="{FF2B5EF4-FFF2-40B4-BE49-F238E27FC236}">
+                <a16:creationId xmlns:a16="http://schemas.microsoft.com/office/drawing/2014/main" id="{7A465064-0714-5743-882B-8875105A7023}"/>
+              </a:ext>
+            </a:extLst>
+          </p:cNvPr>
+          <p:cNvPicPr>
+            <a:picLocks noChangeAspect="1"/>
+          </p:cNvPicPr>
+          <p:nvPr/>
+        </p:nvPicPr>
+        <p:blipFill>
+          <a:blip r:embed="rId2">
+            <a:extLst>
+              <a:ext uri="{28A0092B-C50C-407E-A947-70E740481C1C}">
+                <a14:useLocalDpi xmlns:a14="http://schemas.microsoft.com/office/drawing/2010/main" val="0"/>
+              </a:ext>
+            </a:extLst>
+          </a:blip>
+          <a:stretch>
+            <a:fillRect/>
+          </a:stretch>
+        </p:blipFill>
+        <p:spPr>
+          <a:xfrm>
+            <a:off x="0" y="5863771"/>
+            <a:ext cx="1654627" cy="994232"/>
+          </a:xfrm>
+          <a:prstGeom prst="rect">
+            <a:avLst/>
+          </a:prstGeom>
+        </p:spPr>
+      </p:pic>
+    </p:spTree>
+    <p:extLst>
+      <p:ext uri="{BB962C8B-B14F-4D97-AF65-F5344CB8AC3E}">
+        <p14:creationId xmlns:p14="http://schemas.microsoft.com/office/powerpoint/2010/main" val="4047255108"/>
+      </p:ext>
+    </p:extLst>
+  </p:cSld>
+  <p:clrMapOvr>
+    <a:masterClrMapping/>
+  </p:clrMapOvr>
+</p:sld>
+</file>
+
+<file path=ppt/slides/slide20.xml><?xml version="1.0" encoding="utf-8"?>
 <p:sld xmlns:a="http://schemas.openxmlformats.org/drawingml/2006/main" xmlns:r="http://schemas.openxmlformats.org/officeDocument/2006/relationships" xmlns:p="http://schemas.openxmlformats.org/presentationml/2006/main">
   <p:cSld>
     <p:spTree>
@@ -7153,7 +8054,7 @@
           <a:p>
             <a:fld id="{F3281B17-8789-6B4C-B449-7FC9CCFFE3A3}" type="slidenum">
               <a:rPr lang="en-US" smtClean="0"/>
-              <a:t>18</a:t>
+              <a:t>20</a:t>
             </a:fld>
             <a:endParaRPr lang="en-US"/>
           </a:p>
@@ -7243,7 +8144,7 @@
                 <a:latin typeface="Calibri" panose="020F0502020204030204" pitchFamily="34" charset="0"/>
                 <a:cs typeface="Calibri" panose="020F0502020204030204" pitchFamily="34" charset="0"/>
               </a:rPr>
-              <a:t>Cab users vs Year (Categorical)</a:t>
+              <a:t>EDA - Cab users vs Year (Categorical)</a:t>
             </a:r>
           </a:p>
         </p:txBody>
@@ -7381,7 +8282,7 @@
 </p:sld>
 </file>
 
-<file path=ppt/slides/slide19.xml><?xml version="1.0" encoding="utf-8"?>
+<file path=ppt/slides/slide21.xml><?xml version="1.0" encoding="utf-8"?>
 <p:sld xmlns:a="http://schemas.openxmlformats.org/drawingml/2006/main" xmlns:r="http://schemas.openxmlformats.org/officeDocument/2006/relationships" xmlns:p="http://schemas.openxmlformats.org/presentationml/2006/main">
   <p:cSld>
     <p:spTree>
@@ -7546,7 +8447,7 @@
           <a:p>
             <a:fld id="{F3281B17-8789-6B4C-B449-7FC9CCFFE3A3}" type="slidenum">
               <a:rPr lang="en-US" smtClean="0"/>
-              <a:t>19</a:t>
+              <a:t>21</a:t>
             </a:fld>
             <a:endParaRPr lang="en-US"/>
           </a:p>
@@ -7636,7 +8537,7 @@
                 <a:latin typeface="Calibri" panose="020F0502020204030204" pitchFamily="34" charset="0"/>
                 <a:cs typeface="Calibri" panose="020F0502020204030204" pitchFamily="34" charset="0"/>
               </a:rPr>
-              <a:t>Cab trips vs Payment mode / Gender</a:t>
+              <a:t>EDA - Cab trips vs Payment mode / Gender</a:t>
             </a:r>
           </a:p>
         </p:txBody>
@@ -7775,286 +8676,7 @@
 </p:sld>
 </file>
 
-<file path=ppt/slides/slide2.xml><?xml version="1.0" encoding="utf-8"?>
-<p:sld xmlns:a="http://schemas.openxmlformats.org/drawingml/2006/main" xmlns:r="http://schemas.openxmlformats.org/officeDocument/2006/relationships" xmlns:p="http://schemas.openxmlformats.org/presentationml/2006/main">
-  <p:cSld>
-    <p:spTree>
-      <p:nvGrpSpPr>
-        <p:cNvPr id="1" name=""/>
-        <p:cNvGrpSpPr/>
-        <p:nvPr/>
-      </p:nvGrpSpPr>
-      <p:grpSpPr>
-        <a:xfrm>
-          <a:off x="0" y="0"/>
-          <a:ext cx="0" cy="0"/>
-          <a:chOff x="0" y="0"/>
-          <a:chExt cx="0" cy="0"/>
-        </a:xfrm>
-      </p:grpSpPr>
-      <p:sp>
-        <p:nvSpPr>
-          <p:cNvPr id="3" name="Content Placeholder 2">
-            <a:extLst>
-              <a:ext uri="{FF2B5EF4-FFF2-40B4-BE49-F238E27FC236}">
-                <a16:creationId xmlns:a16="http://schemas.microsoft.com/office/drawing/2014/main" id="{82C5C5A3-2E84-0849-82EA-36D2326D3784}"/>
-              </a:ext>
-            </a:extLst>
-          </p:cNvPr>
-          <p:cNvSpPr>
-            <a:spLocks noGrp="1"/>
-          </p:cNvSpPr>
-          <p:nvPr>
-            <p:ph idx="1"/>
-          </p:nvPr>
-        </p:nvSpPr>
-        <p:spPr>
-          <a:xfrm>
-            <a:off x="762000" y="1812608"/>
-            <a:ext cx="10515600" cy="4351338"/>
-          </a:xfrm>
-        </p:spPr>
-        <p:txBody>
-          <a:bodyPr>
-            <a:normAutofit/>
-          </a:bodyPr>
-          <a:lstStyle/>
-          <a:p>
-            <a:r>
-              <a:rPr lang="en-US" sz="1800" dirty="0"/>
-              <a:t>Client: XYZ is a private firm in US planning an investment in the cab industry.</a:t>
-            </a:r>
-          </a:p>
-          <a:p>
-            <a:pPr marL="0" indent="0">
-              <a:buNone/>
-            </a:pPr>
-            <a:endParaRPr lang="en-US" sz="1800" dirty="0"/>
-          </a:p>
-          <a:p>
-            <a:r>
-              <a:rPr lang="en-US" sz="1800" dirty="0"/>
-              <a:t>Objective: Provide insights to identify the best Cab company between Pink Cab and Yellow Cab for investments.</a:t>
-            </a:r>
-          </a:p>
-          <a:p>
-            <a:endParaRPr lang="en-US" sz="1800" dirty="0"/>
-          </a:p>
-          <a:p>
-            <a:pPr marL="0" indent="0">
-              <a:buNone/>
-            </a:pPr>
-            <a:r>
-              <a:rPr lang="en-US" sz="1800" dirty="0"/>
-              <a:t>The analysis has been divided into two parts: </a:t>
-            </a:r>
-          </a:p>
-          <a:p>
-            <a:r>
-              <a:rPr lang="en-US" sz="1800" dirty="0"/>
-              <a:t>Exploratory Data Analysis (EDA) </a:t>
-            </a:r>
-          </a:p>
-          <a:p>
-            <a:r>
-              <a:rPr lang="en-US" sz="1800" dirty="0"/>
-              <a:t>Recommendations for investment</a:t>
-            </a:r>
-          </a:p>
-        </p:txBody>
-      </p:sp>
-      <p:sp>
-        <p:nvSpPr>
-          <p:cNvPr id="4" name="Rectangle 3">
-            <a:extLst>
-              <a:ext uri="{FF2B5EF4-FFF2-40B4-BE49-F238E27FC236}">
-                <a16:creationId xmlns:a16="http://schemas.microsoft.com/office/drawing/2014/main" id="{DD7B960C-F6E1-AE45-98A6-122DB2A97B5B}"/>
-              </a:ext>
-            </a:extLst>
-          </p:cNvPr>
-          <p:cNvSpPr/>
-          <p:nvPr/>
-        </p:nvSpPr>
-        <p:spPr>
-          <a:xfrm>
-            <a:off x="0" y="0"/>
-            <a:ext cx="12192000" cy="1371600"/>
-          </a:xfrm>
-          <a:prstGeom prst="rect">
-            <a:avLst/>
-          </a:prstGeom>
-          <a:solidFill>
-            <a:schemeClr val="bg2">
-              <a:lumMod val="25000"/>
-            </a:schemeClr>
-          </a:solidFill>
-        </p:spPr>
-        <p:style>
-          <a:lnRef idx="2">
-            <a:schemeClr val="accent1">
-              <a:shade val="50000"/>
-            </a:schemeClr>
-          </a:lnRef>
-          <a:fillRef idx="1">
-            <a:schemeClr val="accent1"/>
-          </a:fillRef>
-          <a:effectRef idx="0">
-            <a:schemeClr val="accent1"/>
-          </a:effectRef>
-          <a:fontRef idx="minor">
-            <a:schemeClr val="lt1"/>
-          </a:fontRef>
-        </p:style>
-        <p:txBody>
-          <a:bodyPr rtlCol="0" anchor="ctr"/>
-          <a:lstStyle/>
-          <a:p>
-            <a:pPr algn="ctr"/>
-            <a:endParaRPr lang="en-US"/>
-          </a:p>
-        </p:txBody>
-      </p:sp>
-      <p:sp>
-        <p:nvSpPr>
-          <p:cNvPr id="6" name="Title 1">
-            <a:extLst>
-              <a:ext uri="{FF2B5EF4-FFF2-40B4-BE49-F238E27FC236}">
-                <a16:creationId xmlns:a16="http://schemas.microsoft.com/office/drawing/2014/main" id="{C526CBCB-8ADA-0E48-96D7-11EEE40222DD}"/>
-              </a:ext>
-            </a:extLst>
-          </p:cNvPr>
-          <p:cNvSpPr>
-            <a:spLocks noGrp="1"/>
-          </p:cNvSpPr>
-          <p:nvPr>
-            <p:ph type="title"/>
-          </p:nvPr>
-        </p:nvSpPr>
-        <p:spPr>
-          <a:xfrm>
-            <a:off x="838200" y="46037"/>
-            <a:ext cx="10515600" cy="1325563"/>
-          </a:xfrm>
-        </p:spPr>
-        <p:txBody>
-          <a:bodyPr>
-            <a:normAutofit/>
-          </a:bodyPr>
-          <a:lstStyle/>
-          <a:p>
-            <a:r>
-              <a:rPr lang="en-US" b="1" dirty="0">
-                <a:solidFill>
-                  <a:schemeClr val="accent2"/>
-                </a:solidFill>
-                <a:latin typeface="Calibri" panose="020F0502020204030204" pitchFamily="34" charset="0"/>
-                <a:cs typeface="Calibri" panose="020F0502020204030204" pitchFamily="34" charset="0"/>
-              </a:rPr>
-              <a:t>Context</a:t>
-            </a:r>
-          </a:p>
-        </p:txBody>
-      </p:sp>
-      <p:sp>
-        <p:nvSpPr>
-          <p:cNvPr id="8" name="Footer Placeholder 7">
-            <a:extLst>
-              <a:ext uri="{FF2B5EF4-FFF2-40B4-BE49-F238E27FC236}">
-                <a16:creationId xmlns:a16="http://schemas.microsoft.com/office/drawing/2014/main" id="{B4D5DAE1-DFF0-A246-BD4A-466395A583AE}"/>
-              </a:ext>
-            </a:extLst>
-          </p:cNvPr>
-          <p:cNvSpPr>
-            <a:spLocks noGrp="1"/>
-          </p:cNvSpPr>
-          <p:nvPr>
-            <p:ph type="ftr" sz="quarter" idx="11"/>
-          </p:nvPr>
-        </p:nvSpPr>
-        <p:spPr/>
-        <p:txBody>
-          <a:bodyPr/>
-          <a:lstStyle/>
-          <a:p>
-            <a:r>
-              <a:rPr lang="en-US"/>
-              <a:t>G2M Insight for Cab Investment</a:t>
-            </a:r>
-          </a:p>
-        </p:txBody>
-      </p:sp>
-      <p:sp>
-        <p:nvSpPr>
-          <p:cNvPr id="9" name="Slide Number Placeholder 8">
-            <a:extLst>
-              <a:ext uri="{FF2B5EF4-FFF2-40B4-BE49-F238E27FC236}">
-                <a16:creationId xmlns:a16="http://schemas.microsoft.com/office/drawing/2014/main" id="{D0D49C96-DAFC-6249-87F5-27BBCF5395A4}"/>
-              </a:ext>
-            </a:extLst>
-          </p:cNvPr>
-          <p:cNvSpPr>
-            <a:spLocks noGrp="1"/>
-          </p:cNvSpPr>
-          <p:nvPr>
-            <p:ph type="sldNum" sz="quarter" idx="12"/>
-          </p:nvPr>
-        </p:nvSpPr>
-        <p:spPr/>
-        <p:txBody>
-          <a:bodyPr/>
-          <a:lstStyle/>
-          <a:p>
-            <a:fld id="{F3281B17-8789-6B4C-B449-7FC9CCFFE3A3}" type="slidenum">
-              <a:rPr lang="en-US" smtClean="0"/>
-              <a:t>2</a:t>
-            </a:fld>
-            <a:endParaRPr lang="en-US"/>
-          </a:p>
-        </p:txBody>
-      </p:sp>
-      <p:sp>
-        <p:nvSpPr>
-          <p:cNvPr id="10" name="Date Placeholder 9">
-            <a:extLst>
-              <a:ext uri="{FF2B5EF4-FFF2-40B4-BE49-F238E27FC236}">
-                <a16:creationId xmlns:a16="http://schemas.microsoft.com/office/drawing/2014/main" id="{56244276-3713-DB47-9584-B385754C8DB2}"/>
-              </a:ext>
-            </a:extLst>
-          </p:cNvPr>
-          <p:cNvSpPr>
-            <a:spLocks noGrp="1"/>
-          </p:cNvSpPr>
-          <p:nvPr>
-            <p:ph type="dt" sz="half" idx="10"/>
-          </p:nvPr>
-        </p:nvSpPr>
-        <p:spPr/>
-        <p:txBody>
-          <a:bodyPr/>
-          <a:lstStyle/>
-          <a:p>
-            <a:fld id="{203C582D-0D12-454B-B181-E3433C2D7028}" type="datetime1">
-              <a:rPr lang="en-CA" smtClean="0"/>
-              <a:t>2022-04-25</a:t>
-            </a:fld>
-            <a:endParaRPr lang="en-US" dirty="0"/>
-          </a:p>
-        </p:txBody>
-      </p:sp>
-    </p:spTree>
-    <p:extLst>
-      <p:ext uri="{BB962C8B-B14F-4D97-AF65-F5344CB8AC3E}">
-        <p14:creationId xmlns:p14="http://schemas.microsoft.com/office/powerpoint/2010/main" val="3504532453"/>
-      </p:ext>
-    </p:extLst>
-  </p:cSld>
-  <p:clrMapOvr>
-    <a:masterClrMapping/>
-  </p:clrMapOvr>
-</p:sld>
-</file>
-
-<file path=ppt/slides/slide20.xml><?xml version="1.0" encoding="utf-8"?>
+<file path=ppt/slides/slide22.xml><?xml version="1.0" encoding="utf-8"?>
 <p:sld xmlns:a="http://schemas.openxmlformats.org/drawingml/2006/main" xmlns:r="http://schemas.openxmlformats.org/officeDocument/2006/relationships" xmlns:p="http://schemas.openxmlformats.org/presentationml/2006/main">
   <p:cSld>
     <p:spTree>
@@ -8219,7 +8841,7 @@
           <a:p>
             <a:fld id="{F3281B17-8789-6B4C-B449-7FC9CCFFE3A3}" type="slidenum">
               <a:rPr lang="en-US" smtClean="0"/>
-              <a:t>20</a:t>
+              <a:t>22</a:t>
             </a:fld>
             <a:endParaRPr lang="en-US"/>
           </a:p>
@@ -8309,7 +8931,7 @@
                 <a:latin typeface="Calibri" panose="020F0502020204030204" pitchFamily="34" charset="0"/>
                 <a:cs typeface="Calibri" panose="020F0502020204030204" pitchFamily="34" charset="0"/>
               </a:rPr>
-              <a:t>Cab trips vs Holidays</a:t>
+              <a:t>EDA - Cab trips vs Holidays</a:t>
             </a:r>
           </a:p>
         </p:txBody>
@@ -8403,7 +9025,7 @@
 </p:sld>
 </file>
 
-<file path=ppt/slides/slide21.xml><?xml version="1.0" encoding="utf-8"?>
+<file path=ppt/slides/slide23.xml><?xml version="1.0" encoding="utf-8"?>
 <p:sld xmlns:a="http://schemas.openxmlformats.org/drawingml/2006/main" xmlns:r="http://schemas.openxmlformats.org/officeDocument/2006/relationships" xmlns:p="http://schemas.openxmlformats.org/presentationml/2006/main">
   <p:cSld>
     <p:spTree>
@@ -8568,7 +9190,7 @@
           <a:p>
             <a:fld id="{F3281B17-8789-6B4C-B449-7FC9CCFFE3A3}" type="slidenum">
               <a:rPr lang="en-US" smtClean="0"/>
-              <a:t>21</a:t>
+              <a:t>23</a:t>
             </a:fld>
             <a:endParaRPr lang="en-US"/>
           </a:p>
@@ -8658,7 +9280,7 @@
                 <a:latin typeface="Calibri" panose="020F0502020204030204" pitchFamily="34" charset="0"/>
                 <a:cs typeface="Calibri" panose="020F0502020204030204" pitchFamily="34" charset="0"/>
               </a:rPr>
-              <a:t>Annotation</a:t>
+              <a:t>EDA - Annotation</a:t>
             </a:r>
           </a:p>
         </p:txBody>
@@ -8769,7 +9391,7 @@
 </p:sld>
 </file>
 
-<file path=ppt/slides/slide22.xml><?xml version="1.0" encoding="utf-8"?>
+<file path=ppt/slides/slide24.xml><?xml version="1.0" encoding="utf-8"?>
 <p:sld xmlns:a="http://schemas.openxmlformats.org/drawingml/2006/main" xmlns:r="http://schemas.openxmlformats.org/officeDocument/2006/relationships" xmlns:p="http://schemas.openxmlformats.org/presentationml/2006/main">
   <p:cSld>
     <p:spTree>
@@ -8934,7 +9556,7 @@
           <a:p>
             <a:fld id="{F3281B17-8789-6B4C-B449-7FC9CCFFE3A3}" type="slidenum">
               <a:rPr lang="en-US" smtClean="0"/>
-              <a:t>22</a:t>
+              <a:t>24</a:t>
             </a:fld>
             <a:endParaRPr lang="en-US"/>
           </a:p>
@@ -9024,7 +9646,7 @@
                 <a:latin typeface="Calibri" panose="020F0502020204030204" pitchFamily="34" charset="0"/>
                 <a:cs typeface="Calibri" panose="020F0502020204030204" pitchFamily="34" charset="0"/>
               </a:rPr>
-              <a:t>Correlation</a:t>
+              <a:t>EDA - Correlation</a:t>
             </a:r>
           </a:p>
         </p:txBody>
@@ -9148,7 +9770,7 @@
 </p:sld>
 </file>
 
-<file path=ppt/slides/slide23.xml><?xml version="1.0" encoding="utf-8"?>
+<file path=ppt/slides/slide25.xml><?xml version="1.0" encoding="utf-8"?>
 <p:sld xmlns:a="http://schemas.openxmlformats.org/drawingml/2006/main" xmlns:r="http://schemas.openxmlformats.org/officeDocument/2006/relationships" xmlns:p="http://schemas.openxmlformats.org/presentationml/2006/main">
   <p:cSld>
     <p:spTree>
@@ -9267,7 +9889,7 @@
           <a:p>
             <a:fld id="{F3281B17-8789-6B4C-B449-7FC9CCFFE3A3}" type="slidenum">
               <a:rPr lang="en-US" smtClean="0"/>
-              <a:t>23</a:t>
+              <a:t>25</a:t>
             </a:fld>
             <a:endParaRPr lang="en-US"/>
           </a:p>
@@ -9296,7 +9918,7 @@
           <a:p>
             <a:fld id="{7562AFF7-31C9-CC44-A8FE-8E4305DAED23}" type="datetime1">
               <a:rPr lang="en-CA" smtClean="0"/>
-              <a:t>2022-04-25</a:t>
+              <a:t>2022-04-26</a:t>
             </a:fld>
             <a:endParaRPr lang="en-US"/>
           </a:p>
@@ -9338,7 +9960,7 @@
                 <a:latin typeface="Calibri" panose="020F0502020204030204" pitchFamily="34" charset="0"/>
                 <a:cs typeface="Calibri" panose="020F0502020204030204" pitchFamily="34" charset="0"/>
               </a:rPr>
-              <a:t>Price charged vs Km travelled</a:t>
+              <a:t>EDA - Price charged vs Km travelled</a:t>
             </a:r>
           </a:p>
         </p:txBody>
@@ -9386,7 +10008,7 @@
 </p:sld>
 </file>
 
-<file path=ppt/slides/slide24.xml><?xml version="1.0" encoding="utf-8"?>
+<file path=ppt/slides/slide26.xml><?xml version="1.0" encoding="utf-8"?>
 <p:sld xmlns:a="http://schemas.openxmlformats.org/drawingml/2006/main" xmlns:r="http://schemas.openxmlformats.org/officeDocument/2006/relationships" xmlns:p="http://schemas.openxmlformats.org/presentationml/2006/main">
   <p:cSld>
     <p:spTree>
@@ -9505,7 +10127,7 @@
           <a:p>
             <a:fld id="{F3281B17-8789-6B4C-B449-7FC9CCFFE3A3}" type="slidenum">
               <a:rPr lang="en-US" smtClean="0"/>
-              <a:t>24</a:t>
+              <a:t>26</a:t>
             </a:fld>
             <a:endParaRPr lang="en-US"/>
           </a:p>
@@ -9576,7 +10198,7 @@
                 <a:latin typeface="Calibri" panose="020F0502020204030204" pitchFamily="34" charset="0"/>
                 <a:cs typeface="Calibri" panose="020F0502020204030204" pitchFamily="34" charset="0"/>
               </a:rPr>
-              <a:t>Price charged vs Km travelled</a:t>
+              <a:t>EDA - Price charged vs Km travelled</a:t>
             </a:r>
           </a:p>
         </p:txBody>
@@ -9624,7 +10246,7 @@
 </p:sld>
 </file>
 
-<file path=ppt/slides/slide25.xml><?xml version="1.0" encoding="utf-8"?>
+<file path=ppt/slides/slide27.xml><?xml version="1.0" encoding="utf-8"?>
 <p:sld xmlns:a="http://schemas.openxmlformats.org/drawingml/2006/main" xmlns:r="http://schemas.openxmlformats.org/officeDocument/2006/relationships" xmlns:p="http://schemas.openxmlformats.org/presentationml/2006/main">
   <p:cSld>
     <p:spTree>
@@ -9743,7 +10365,7 @@
           <a:p>
             <a:fld id="{F3281B17-8789-6B4C-B449-7FC9CCFFE3A3}" type="slidenum">
               <a:rPr lang="en-US" smtClean="0"/>
-              <a:t>25</a:t>
+              <a:t>27</a:t>
             </a:fld>
             <a:endParaRPr lang="en-US"/>
           </a:p>
@@ -9814,7 +10436,7 @@
                 <a:latin typeface="Calibri" panose="020F0502020204030204" pitchFamily="34" charset="0"/>
                 <a:cs typeface="Calibri" panose="020F0502020204030204" pitchFamily="34" charset="0"/>
               </a:rPr>
-              <a:t>Price charged vs Km travelled</a:t>
+              <a:t>EDA - Price charged vs Km travelled</a:t>
             </a:r>
           </a:p>
         </p:txBody>
@@ -9878,7 +10500,7 @@
 </p:sld>
 </file>
 
-<file path=ppt/slides/slide26.xml><?xml version="1.0" encoding="utf-8"?>
+<file path=ppt/slides/slide28.xml><?xml version="1.0" encoding="utf-8"?>
 <p:sld xmlns:a="http://schemas.openxmlformats.org/drawingml/2006/main" xmlns:r="http://schemas.openxmlformats.org/officeDocument/2006/relationships" xmlns:p="http://schemas.openxmlformats.org/presentationml/2006/main">
   <p:cSld>
     <p:spTree>
@@ -9997,7 +10619,7 @@
           <a:p>
             <a:fld id="{F3281B17-8789-6B4C-B449-7FC9CCFFE3A3}" type="slidenum">
               <a:rPr lang="en-US" smtClean="0"/>
-              <a:t>26</a:t>
+              <a:t>28</a:t>
             </a:fld>
             <a:endParaRPr lang="en-US"/>
           </a:p>
@@ -10068,7 +10690,7 @@
                 <a:latin typeface="Calibri" panose="020F0502020204030204" pitchFamily="34" charset="0"/>
                 <a:cs typeface="Calibri" panose="020F0502020204030204" pitchFamily="34" charset="0"/>
               </a:rPr>
-              <a:t>Contingency Tables</a:t>
+              <a:t>EDA - Contingency Tables</a:t>
             </a:r>
           </a:p>
         </p:txBody>
@@ -10266,7 +10888,7 @@
 </p:sld>
 </file>
 
-<file path=ppt/slides/slide27.xml><?xml version="1.0" encoding="utf-8"?>
+<file path=ppt/slides/slide29.xml><?xml version="1.0" encoding="utf-8"?>
 <p:sld xmlns:a="http://schemas.openxmlformats.org/drawingml/2006/main" xmlns:r="http://schemas.openxmlformats.org/officeDocument/2006/relationships" xmlns:p="http://schemas.openxmlformats.org/presentationml/2006/main">
   <p:cSld>
     <p:spTree>
@@ -10385,7 +11007,7 @@
           <a:p>
             <a:fld id="{F3281B17-8789-6B4C-B449-7FC9CCFFE3A3}" type="slidenum">
               <a:rPr lang="en-US" smtClean="0"/>
-              <a:t>27</a:t>
+              <a:t>29</a:t>
             </a:fld>
             <a:endParaRPr lang="en-US"/>
           </a:p>
@@ -10456,7 +11078,7 @@
                 <a:latin typeface="Calibri" panose="020F0502020204030204" pitchFamily="34" charset="0"/>
                 <a:cs typeface="Calibri" panose="020F0502020204030204" pitchFamily="34" charset="0"/>
               </a:rPr>
-              <a:t>Contingency Tables</a:t>
+              <a:t>EDA - Contingency Tables</a:t>
             </a:r>
           </a:p>
         </p:txBody>
@@ -10624,7 +11246,288 @@
 </p:sld>
 </file>
 
-<file path=ppt/slides/slide28.xml><?xml version="1.0" encoding="utf-8"?>
+<file path=ppt/slides/slide3.xml><?xml version="1.0" encoding="utf-8"?>
+<p:sld xmlns:a="http://schemas.openxmlformats.org/drawingml/2006/main" xmlns:r="http://schemas.openxmlformats.org/officeDocument/2006/relationships" xmlns:p="http://schemas.openxmlformats.org/presentationml/2006/main">
+  <p:cSld>
+    <p:spTree>
+      <p:nvGrpSpPr>
+        <p:cNvPr id="1" name=""/>
+        <p:cNvGrpSpPr/>
+        <p:nvPr/>
+      </p:nvGrpSpPr>
+      <p:grpSpPr>
+        <a:xfrm>
+          <a:off x="0" y="0"/>
+          <a:ext cx="0" cy="0"/>
+          <a:chOff x="0" y="0"/>
+          <a:chExt cx="0" cy="0"/>
+        </a:xfrm>
+      </p:grpSpPr>
+      <p:sp>
+        <p:nvSpPr>
+          <p:cNvPr id="3" name="Content Placeholder 2">
+            <a:extLst>
+              <a:ext uri="{FF2B5EF4-FFF2-40B4-BE49-F238E27FC236}">
+                <a16:creationId xmlns:a16="http://schemas.microsoft.com/office/drawing/2014/main" id="{82C5C5A3-2E84-0849-82EA-36D2326D3784}"/>
+              </a:ext>
+            </a:extLst>
+          </p:cNvPr>
+          <p:cNvSpPr>
+            <a:spLocks noGrp="1"/>
+          </p:cNvSpPr>
+          <p:nvPr>
+            <p:ph idx="1"/>
+          </p:nvPr>
+        </p:nvSpPr>
+        <p:spPr>
+          <a:xfrm>
+            <a:off x="762000" y="1812608"/>
+            <a:ext cx="10515600" cy="4351338"/>
+          </a:xfrm>
+        </p:spPr>
+        <p:txBody>
+          <a:bodyPr>
+            <a:normAutofit/>
+          </a:bodyPr>
+          <a:lstStyle/>
+          <a:p>
+            <a:r>
+              <a:rPr lang="en-US" sz="1800" dirty="0"/>
+              <a:t>Problem Statement</a:t>
+            </a:r>
+          </a:p>
+          <a:p>
+            <a:pPr lvl="1"/>
+            <a:r>
+              <a:rPr lang="en-US" sz="1400" dirty="0"/>
+              <a:t>Two cab companies (Yellow Cab and Pink Cab) need to be analyzed and evaluated in order to indicate which one is the best cab company to invest in.</a:t>
+            </a:r>
+          </a:p>
+          <a:p>
+            <a:r>
+              <a:rPr lang="en-US" sz="1800" dirty="0"/>
+              <a:t>Approach</a:t>
+            </a:r>
+          </a:p>
+          <a:p>
+            <a:pPr lvl="1"/>
+            <a:r>
+              <a:rPr lang="en-US" sz="1400" dirty="0"/>
+              <a:t>We are going to do an Exploratory Data Analysis (EDA) where we apply a descriptive analysis, a correlation analysis and a contextual analysis with numerical and categorical attributes.</a:t>
+            </a:r>
+          </a:p>
+          <a:p>
+            <a:r>
+              <a:rPr lang="en-US" sz="1800" dirty="0"/>
+              <a:t>EDA</a:t>
+            </a:r>
+          </a:p>
+          <a:p>
+            <a:r>
+              <a:rPr lang="en-US" sz="1800" dirty="0"/>
+              <a:t>EDA Summary</a:t>
+            </a:r>
+          </a:p>
+          <a:p>
+            <a:r>
+              <a:rPr lang="en-US" sz="1800" dirty="0"/>
+              <a:t>Recommendation</a:t>
+            </a:r>
+          </a:p>
+        </p:txBody>
+      </p:sp>
+      <p:sp>
+        <p:nvSpPr>
+          <p:cNvPr id="4" name="Rectangle 3">
+            <a:extLst>
+              <a:ext uri="{FF2B5EF4-FFF2-40B4-BE49-F238E27FC236}">
+                <a16:creationId xmlns:a16="http://schemas.microsoft.com/office/drawing/2014/main" id="{DD7B960C-F6E1-AE45-98A6-122DB2A97B5B}"/>
+              </a:ext>
+            </a:extLst>
+          </p:cNvPr>
+          <p:cNvSpPr/>
+          <p:nvPr/>
+        </p:nvSpPr>
+        <p:spPr>
+          <a:xfrm>
+            <a:off x="0" y="0"/>
+            <a:ext cx="12192000" cy="1371600"/>
+          </a:xfrm>
+          <a:prstGeom prst="rect">
+            <a:avLst/>
+          </a:prstGeom>
+          <a:solidFill>
+            <a:schemeClr val="bg2">
+              <a:lumMod val="25000"/>
+            </a:schemeClr>
+          </a:solidFill>
+        </p:spPr>
+        <p:style>
+          <a:lnRef idx="2">
+            <a:schemeClr val="accent1">
+              <a:shade val="50000"/>
+            </a:schemeClr>
+          </a:lnRef>
+          <a:fillRef idx="1">
+            <a:schemeClr val="accent1"/>
+          </a:fillRef>
+          <a:effectRef idx="0">
+            <a:schemeClr val="accent1"/>
+          </a:effectRef>
+          <a:fontRef idx="minor">
+            <a:schemeClr val="lt1"/>
+          </a:fontRef>
+        </p:style>
+        <p:txBody>
+          <a:bodyPr rtlCol="0" anchor="ctr"/>
+          <a:lstStyle/>
+          <a:p>
+            <a:pPr algn="ctr"/>
+            <a:endParaRPr lang="en-US"/>
+          </a:p>
+        </p:txBody>
+      </p:sp>
+      <p:sp>
+        <p:nvSpPr>
+          <p:cNvPr id="6" name="Title 1">
+            <a:extLst>
+              <a:ext uri="{FF2B5EF4-FFF2-40B4-BE49-F238E27FC236}">
+                <a16:creationId xmlns:a16="http://schemas.microsoft.com/office/drawing/2014/main" id="{C526CBCB-8ADA-0E48-96D7-11EEE40222DD}"/>
+              </a:ext>
+            </a:extLst>
+          </p:cNvPr>
+          <p:cNvSpPr>
+            <a:spLocks noGrp="1"/>
+          </p:cNvSpPr>
+          <p:nvPr>
+            <p:ph type="title"/>
+          </p:nvPr>
+        </p:nvSpPr>
+        <p:spPr>
+          <a:xfrm>
+            <a:off x="838200" y="46037"/>
+            <a:ext cx="10515600" cy="1325563"/>
+          </a:xfrm>
+        </p:spPr>
+        <p:txBody>
+          <a:bodyPr>
+            <a:normAutofit/>
+          </a:bodyPr>
+          <a:lstStyle/>
+          <a:p>
+            <a:r>
+              <a:rPr lang="en-US" b="1" dirty="0">
+                <a:solidFill>
+                  <a:schemeClr val="accent2"/>
+                </a:solidFill>
+                <a:latin typeface="Calibri" panose="020F0502020204030204" pitchFamily="34" charset="0"/>
+                <a:cs typeface="Calibri" panose="020F0502020204030204" pitchFamily="34" charset="0"/>
+              </a:rPr>
+              <a:t>Executive Summary</a:t>
+            </a:r>
+          </a:p>
+        </p:txBody>
+      </p:sp>
+      <p:sp>
+        <p:nvSpPr>
+          <p:cNvPr id="8" name="Footer Placeholder 7">
+            <a:extLst>
+              <a:ext uri="{FF2B5EF4-FFF2-40B4-BE49-F238E27FC236}">
+                <a16:creationId xmlns:a16="http://schemas.microsoft.com/office/drawing/2014/main" id="{B4D5DAE1-DFF0-A246-BD4A-466395A583AE}"/>
+              </a:ext>
+            </a:extLst>
+          </p:cNvPr>
+          <p:cNvSpPr>
+            <a:spLocks noGrp="1"/>
+          </p:cNvSpPr>
+          <p:nvPr>
+            <p:ph type="ftr" sz="quarter" idx="11"/>
+          </p:nvPr>
+        </p:nvSpPr>
+        <p:spPr/>
+        <p:txBody>
+          <a:bodyPr/>
+          <a:lstStyle/>
+          <a:p>
+            <a:r>
+              <a:rPr lang="en-US"/>
+              <a:t>G2M Insight for Cab Investment</a:t>
+            </a:r>
+          </a:p>
+        </p:txBody>
+      </p:sp>
+      <p:sp>
+        <p:nvSpPr>
+          <p:cNvPr id="9" name="Slide Number Placeholder 8">
+            <a:extLst>
+              <a:ext uri="{FF2B5EF4-FFF2-40B4-BE49-F238E27FC236}">
+                <a16:creationId xmlns:a16="http://schemas.microsoft.com/office/drawing/2014/main" id="{D0D49C96-DAFC-6249-87F5-27BBCF5395A4}"/>
+              </a:ext>
+            </a:extLst>
+          </p:cNvPr>
+          <p:cNvSpPr>
+            <a:spLocks noGrp="1"/>
+          </p:cNvSpPr>
+          <p:nvPr>
+            <p:ph type="sldNum" sz="quarter" idx="12"/>
+          </p:nvPr>
+        </p:nvSpPr>
+        <p:spPr/>
+        <p:txBody>
+          <a:bodyPr/>
+          <a:lstStyle/>
+          <a:p>
+            <a:fld id="{F3281B17-8789-6B4C-B449-7FC9CCFFE3A3}" type="slidenum">
+              <a:rPr lang="en-US" smtClean="0"/>
+              <a:t>3</a:t>
+            </a:fld>
+            <a:endParaRPr lang="en-US"/>
+          </a:p>
+        </p:txBody>
+      </p:sp>
+      <p:sp>
+        <p:nvSpPr>
+          <p:cNvPr id="10" name="Date Placeholder 9">
+            <a:extLst>
+              <a:ext uri="{FF2B5EF4-FFF2-40B4-BE49-F238E27FC236}">
+                <a16:creationId xmlns:a16="http://schemas.microsoft.com/office/drawing/2014/main" id="{56244276-3713-DB47-9584-B385754C8DB2}"/>
+              </a:ext>
+            </a:extLst>
+          </p:cNvPr>
+          <p:cNvSpPr>
+            <a:spLocks noGrp="1"/>
+          </p:cNvSpPr>
+          <p:nvPr>
+            <p:ph type="dt" sz="half" idx="10"/>
+          </p:nvPr>
+        </p:nvSpPr>
+        <p:spPr/>
+        <p:txBody>
+          <a:bodyPr/>
+          <a:lstStyle/>
+          <a:p>
+            <a:fld id="{203C582D-0D12-454B-B181-E3433C2D7028}" type="datetime1">
+              <a:rPr lang="en-CA" smtClean="0"/>
+              <a:t>2022-04-26</a:t>
+            </a:fld>
+            <a:endParaRPr lang="en-US" dirty="0"/>
+          </a:p>
+        </p:txBody>
+      </p:sp>
+    </p:spTree>
+    <p:extLst>
+      <p:ext uri="{BB962C8B-B14F-4D97-AF65-F5344CB8AC3E}">
+        <p14:creationId xmlns:p14="http://schemas.microsoft.com/office/powerpoint/2010/main" val="3504532453"/>
+      </p:ext>
+    </p:extLst>
+  </p:cSld>
+  <p:clrMapOvr>
+    <a:masterClrMapping/>
+  </p:clrMapOvr>
+</p:sld>
+</file>
+
+<file path=ppt/slides/slide30.xml><?xml version="1.0" encoding="utf-8"?>
 <p:sld xmlns:a="http://schemas.openxmlformats.org/drawingml/2006/main" xmlns:r="http://schemas.openxmlformats.org/officeDocument/2006/relationships" xmlns:p="http://schemas.openxmlformats.org/presentationml/2006/main">
   <p:cSld>
     <p:spTree>
@@ -10743,7 +11646,7 @@
           <a:p>
             <a:fld id="{F3281B17-8789-6B4C-B449-7FC9CCFFE3A3}" type="slidenum">
               <a:rPr lang="en-US" smtClean="0"/>
-              <a:t>28</a:t>
+              <a:t>30</a:t>
             </a:fld>
             <a:endParaRPr lang="en-US"/>
           </a:p>
@@ -10814,7 +11717,7 @@
                 <a:latin typeface="Calibri" panose="020F0502020204030204" pitchFamily="34" charset="0"/>
                 <a:cs typeface="Calibri" panose="020F0502020204030204" pitchFamily="34" charset="0"/>
               </a:rPr>
-              <a:t>Contingency Tables</a:t>
+              <a:t>EDA - Contingency Tables</a:t>
             </a:r>
           </a:p>
         </p:txBody>
@@ -10914,7 +11817,7 @@
 </p:sld>
 </file>
 
-<file path=ppt/slides/slide29.xml><?xml version="1.0" encoding="utf-8"?>
+<file path=ppt/slides/slide31.xml><?xml version="1.0" encoding="utf-8"?>
 <p:sld xmlns:a="http://schemas.openxmlformats.org/drawingml/2006/main" xmlns:r="http://schemas.openxmlformats.org/officeDocument/2006/relationships" xmlns:p="http://schemas.openxmlformats.org/presentationml/2006/main">
   <p:cSld>
     <p:spTree>
@@ -11178,7 +12081,7 @@
           <a:p>
             <a:fld id="{F3281B17-8789-6B4C-B449-7FC9CCFFE3A3}" type="slidenum">
               <a:rPr lang="en-US" smtClean="0"/>
-              <a:t>29</a:t>
+              <a:t>31</a:t>
             </a:fld>
             <a:endParaRPr lang="en-US"/>
           </a:p>
@@ -11197,7 +12100,3037 @@
 </p:sld>
 </file>
 
-<file path=ppt/slides/slide3.xml><?xml version="1.0" encoding="utf-8"?>
+<file path=ppt/slides/slide32.xml><?xml version="1.0" encoding="utf-8"?>
+<p:sld xmlns:a="http://schemas.openxmlformats.org/drawingml/2006/main" xmlns:r="http://schemas.openxmlformats.org/officeDocument/2006/relationships" xmlns:p="http://schemas.openxmlformats.org/presentationml/2006/main">
+  <p:cSld>
+    <p:spTree>
+      <p:nvGrpSpPr>
+        <p:cNvPr id="1" name=""/>
+        <p:cNvGrpSpPr/>
+        <p:nvPr/>
+      </p:nvGrpSpPr>
+      <p:grpSpPr>
+        <a:xfrm>
+          <a:off x="0" y="0"/>
+          <a:ext cx="0" cy="0"/>
+          <a:chOff x="0" y="0"/>
+          <a:chExt cx="0" cy="0"/>
+        </a:xfrm>
+      </p:grpSpPr>
+      <p:sp>
+        <p:nvSpPr>
+          <p:cNvPr id="18" name="Rectangle 17">
+            <a:extLst>
+              <a:ext uri="{FF2B5EF4-FFF2-40B4-BE49-F238E27FC236}">
+                <a16:creationId xmlns:a16="http://schemas.microsoft.com/office/drawing/2014/main" id="{3FDECAE3-36C4-B048-BBC3-A0828AC8256E}"/>
+              </a:ext>
+            </a:extLst>
+          </p:cNvPr>
+          <p:cNvSpPr/>
+          <p:nvPr/>
+        </p:nvSpPr>
+        <p:spPr>
+          <a:xfrm>
+            <a:off x="0" y="0"/>
+            <a:ext cx="12192000" cy="1364465"/>
+          </a:xfrm>
+          <a:prstGeom prst="rect">
+            <a:avLst/>
+          </a:prstGeom>
+          <a:solidFill>
+            <a:schemeClr val="bg2">
+              <a:lumMod val="25000"/>
+            </a:schemeClr>
+          </a:solidFill>
+        </p:spPr>
+        <p:style>
+          <a:lnRef idx="2">
+            <a:schemeClr val="accent1">
+              <a:shade val="50000"/>
+            </a:schemeClr>
+          </a:lnRef>
+          <a:fillRef idx="1">
+            <a:schemeClr val="accent1"/>
+          </a:fillRef>
+          <a:effectRef idx="0">
+            <a:schemeClr val="accent1"/>
+          </a:effectRef>
+          <a:fontRef idx="minor">
+            <a:schemeClr val="lt1"/>
+          </a:fontRef>
+        </p:style>
+        <p:txBody>
+          <a:bodyPr rtlCol="0" anchor="ctr"/>
+          <a:lstStyle/>
+          <a:p>
+            <a:pPr algn="ctr"/>
+            <a:endParaRPr lang="en-US" dirty="0"/>
+          </a:p>
+        </p:txBody>
+      </p:sp>
+      <p:sp>
+        <p:nvSpPr>
+          <p:cNvPr id="17" name="Footer Placeholder 16">
+            <a:extLst>
+              <a:ext uri="{FF2B5EF4-FFF2-40B4-BE49-F238E27FC236}">
+                <a16:creationId xmlns:a16="http://schemas.microsoft.com/office/drawing/2014/main" id="{385B353A-0F0B-0243-B9EE-09311339478E}"/>
+              </a:ext>
+            </a:extLst>
+          </p:cNvPr>
+          <p:cNvSpPr>
+            <a:spLocks noGrp="1"/>
+          </p:cNvSpPr>
+          <p:nvPr>
+            <p:ph type="ftr" sz="quarter" idx="11"/>
+          </p:nvPr>
+        </p:nvSpPr>
+        <p:spPr/>
+        <p:txBody>
+          <a:bodyPr/>
+          <a:lstStyle/>
+          <a:p>
+            <a:r>
+              <a:rPr lang="en-US"/>
+              <a:t>G2M Insight for Cab Investment</a:t>
+            </a:r>
+          </a:p>
+        </p:txBody>
+      </p:sp>
+      <p:sp>
+        <p:nvSpPr>
+          <p:cNvPr id="19" name="Slide Number Placeholder 18">
+            <a:extLst>
+              <a:ext uri="{FF2B5EF4-FFF2-40B4-BE49-F238E27FC236}">
+                <a16:creationId xmlns:a16="http://schemas.microsoft.com/office/drawing/2014/main" id="{8695A452-BBE8-5C46-ACAB-75700B12BCE9}"/>
+              </a:ext>
+            </a:extLst>
+          </p:cNvPr>
+          <p:cNvSpPr>
+            <a:spLocks noGrp="1"/>
+          </p:cNvSpPr>
+          <p:nvPr>
+            <p:ph type="sldNum" sz="quarter" idx="12"/>
+          </p:nvPr>
+        </p:nvSpPr>
+        <p:spPr/>
+        <p:txBody>
+          <a:bodyPr/>
+          <a:lstStyle/>
+          <a:p>
+            <a:fld id="{F3281B17-8789-6B4C-B449-7FC9CCFFE3A3}" type="slidenum">
+              <a:rPr lang="en-US" smtClean="0"/>
+              <a:t>32</a:t>
+            </a:fld>
+            <a:endParaRPr lang="en-US"/>
+          </a:p>
+        </p:txBody>
+      </p:sp>
+      <p:sp>
+        <p:nvSpPr>
+          <p:cNvPr id="22" name="Date Placeholder 21">
+            <a:extLst>
+              <a:ext uri="{FF2B5EF4-FFF2-40B4-BE49-F238E27FC236}">
+                <a16:creationId xmlns:a16="http://schemas.microsoft.com/office/drawing/2014/main" id="{3B07B327-50D1-3D47-8A16-38A0058A70D1}"/>
+              </a:ext>
+            </a:extLst>
+          </p:cNvPr>
+          <p:cNvSpPr>
+            <a:spLocks noGrp="1"/>
+          </p:cNvSpPr>
+          <p:nvPr>
+            <p:ph type="dt" sz="half" idx="10"/>
+          </p:nvPr>
+        </p:nvSpPr>
+        <p:spPr/>
+        <p:txBody>
+          <a:bodyPr/>
+          <a:lstStyle/>
+          <a:p>
+            <a:fld id="{7562AFF7-31C9-CC44-A8FE-8E4305DAED23}" type="datetime1">
+              <a:rPr lang="en-CA" smtClean="0"/>
+              <a:t>2022-04-26</a:t>
+            </a:fld>
+            <a:endParaRPr lang="en-US"/>
+          </a:p>
+        </p:txBody>
+      </p:sp>
+      <p:sp>
+        <p:nvSpPr>
+          <p:cNvPr id="34" name="Title 1">
+            <a:extLst>
+              <a:ext uri="{FF2B5EF4-FFF2-40B4-BE49-F238E27FC236}">
+                <a16:creationId xmlns:a16="http://schemas.microsoft.com/office/drawing/2014/main" id="{3DFB2EBC-EE5D-1A40-8EA0-25AAD54506CD}"/>
+              </a:ext>
+            </a:extLst>
+          </p:cNvPr>
+          <p:cNvSpPr>
+            <a:spLocks noGrp="1"/>
+          </p:cNvSpPr>
+          <p:nvPr>
+            <p:ph type="title"/>
+          </p:nvPr>
+        </p:nvSpPr>
+        <p:spPr>
+          <a:xfrm>
+            <a:off x="838200" y="46037"/>
+            <a:ext cx="10515600" cy="1325563"/>
+          </a:xfrm>
+        </p:spPr>
+        <p:txBody>
+          <a:bodyPr>
+            <a:normAutofit/>
+          </a:bodyPr>
+          <a:lstStyle/>
+          <a:p>
+            <a:r>
+              <a:rPr lang="en-US" b="1" dirty="0">
+                <a:solidFill>
+                  <a:schemeClr val="accent2"/>
+                </a:solidFill>
+                <a:latin typeface="Calibri" panose="020F0502020204030204" pitchFamily="34" charset="0"/>
+                <a:cs typeface="Calibri" panose="020F0502020204030204" pitchFamily="34" charset="0"/>
+              </a:rPr>
+              <a:t>EDA - Profit Margin vs Month (Yearly)</a:t>
+            </a:r>
+          </a:p>
+        </p:txBody>
+      </p:sp>
+      <p:sp>
+        <p:nvSpPr>
+          <p:cNvPr id="9" name="TextBox 8">
+            <a:extLst>
+              <a:ext uri="{FF2B5EF4-FFF2-40B4-BE49-F238E27FC236}">
+                <a16:creationId xmlns:a16="http://schemas.microsoft.com/office/drawing/2014/main" id="{7B0E9934-C03E-F570-4326-D3DF310312FF}"/>
+              </a:ext>
+            </a:extLst>
+          </p:cNvPr>
+          <p:cNvSpPr txBox="1"/>
+          <p:nvPr/>
+        </p:nvSpPr>
+        <p:spPr>
+          <a:xfrm>
+            <a:off x="431800" y="1634930"/>
+            <a:ext cx="11400139" cy="1200329"/>
+          </a:xfrm>
+          <a:prstGeom prst="rect">
+            <a:avLst/>
+          </a:prstGeom>
+          <a:noFill/>
+        </p:spPr>
+        <p:txBody>
+          <a:bodyPr wrap="square" rtlCol="0">
+            <a:spAutoFit/>
+          </a:bodyPr>
+          <a:lstStyle/>
+          <a:p>
+            <a:pPr marL="342900" indent="-342900">
+              <a:buFont typeface="Arial" panose="020B0604020202020204" pitchFamily="34" charset="0"/>
+              <a:buChar char="•"/>
+            </a:pPr>
+            <a:r>
+              <a:rPr lang="en-CA" dirty="0"/>
+              <a:t>The profit in each month analyzing each year separately shows that the Yellow Cab always performs better than the </a:t>
+            </a:r>
+            <a:r>
+              <a:rPr lang="en-CA" b="1" dirty="0"/>
+              <a:t>Pink Cab</a:t>
+            </a:r>
+            <a:r>
+              <a:rPr lang="en-CA" dirty="0"/>
+              <a:t>. However when analysing individually, we see </a:t>
+            </a:r>
+            <a:r>
+              <a:rPr lang="en-CA" b="1" dirty="0"/>
+              <a:t>Yellow Cab</a:t>
+            </a:r>
+            <a:r>
+              <a:rPr lang="en-CA" dirty="0"/>
+              <a:t> being worse in December than January while Pink Cab is being better. </a:t>
+            </a:r>
+          </a:p>
+          <a:p>
+            <a:pPr marL="342900" indent="-342900">
+              <a:buFont typeface="Arial" panose="020B0604020202020204" pitchFamily="34" charset="0"/>
+              <a:buChar char="•"/>
+            </a:pPr>
+            <a:endParaRPr lang="en-CA" dirty="0"/>
+          </a:p>
+        </p:txBody>
+      </p:sp>
+      <p:pic>
+        <p:nvPicPr>
+          <p:cNvPr id="5" name="Picture 4" descr="Line chart&#10;&#10;Description automatically generated with medium confidence">
+            <a:extLst>
+              <a:ext uri="{FF2B5EF4-FFF2-40B4-BE49-F238E27FC236}">
+                <a16:creationId xmlns:a16="http://schemas.microsoft.com/office/drawing/2014/main" id="{8B3AF48C-2473-40E9-068A-7534252DA5D4}"/>
+              </a:ext>
+            </a:extLst>
+          </p:cNvPr>
+          <p:cNvPicPr>
+            <a:picLocks noChangeAspect="1"/>
+          </p:cNvPicPr>
+          <p:nvPr/>
+        </p:nvPicPr>
+        <p:blipFill>
+          <a:blip r:embed="rId2"/>
+          <a:stretch>
+            <a:fillRect/>
+          </a:stretch>
+        </p:blipFill>
+        <p:spPr>
+          <a:xfrm>
+            <a:off x="360061" y="2796207"/>
+            <a:ext cx="11471878" cy="3460241"/>
+          </a:xfrm>
+          <a:prstGeom prst="rect">
+            <a:avLst/>
+          </a:prstGeom>
+        </p:spPr>
+      </p:pic>
+    </p:spTree>
+    <p:extLst>
+      <p:ext uri="{BB962C8B-B14F-4D97-AF65-F5344CB8AC3E}">
+        <p14:creationId xmlns:p14="http://schemas.microsoft.com/office/powerpoint/2010/main" val="1007741271"/>
+      </p:ext>
+    </p:extLst>
+  </p:cSld>
+  <p:clrMapOvr>
+    <a:masterClrMapping/>
+  </p:clrMapOvr>
+</p:sld>
+</file>
+
+<file path=ppt/slides/slide33.xml><?xml version="1.0" encoding="utf-8"?>
+<p:sld xmlns:a="http://schemas.openxmlformats.org/drawingml/2006/main" xmlns:r="http://schemas.openxmlformats.org/officeDocument/2006/relationships" xmlns:p="http://schemas.openxmlformats.org/presentationml/2006/main">
+  <p:cSld>
+    <p:spTree>
+      <p:nvGrpSpPr>
+        <p:cNvPr id="1" name=""/>
+        <p:cNvGrpSpPr/>
+        <p:nvPr/>
+      </p:nvGrpSpPr>
+      <p:grpSpPr>
+        <a:xfrm>
+          <a:off x="0" y="0"/>
+          <a:ext cx="0" cy="0"/>
+          <a:chOff x="0" y="0"/>
+          <a:chExt cx="0" cy="0"/>
+        </a:xfrm>
+      </p:grpSpPr>
+      <p:sp>
+        <p:nvSpPr>
+          <p:cNvPr id="18" name="Rectangle 17">
+            <a:extLst>
+              <a:ext uri="{FF2B5EF4-FFF2-40B4-BE49-F238E27FC236}">
+                <a16:creationId xmlns:a16="http://schemas.microsoft.com/office/drawing/2014/main" id="{3FDECAE3-36C4-B048-BBC3-A0828AC8256E}"/>
+              </a:ext>
+            </a:extLst>
+          </p:cNvPr>
+          <p:cNvSpPr/>
+          <p:nvPr/>
+        </p:nvSpPr>
+        <p:spPr>
+          <a:xfrm>
+            <a:off x="0" y="0"/>
+            <a:ext cx="12192000" cy="1364465"/>
+          </a:xfrm>
+          <a:prstGeom prst="rect">
+            <a:avLst/>
+          </a:prstGeom>
+          <a:solidFill>
+            <a:schemeClr val="bg2">
+              <a:lumMod val="25000"/>
+            </a:schemeClr>
+          </a:solidFill>
+        </p:spPr>
+        <p:style>
+          <a:lnRef idx="2">
+            <a:schemeClr val="accent1">
+              <a:shade val="50000"/>
+            </a:schemeClr>
+          </a:lnRef>
+          <a:fillRef idx="1">
+            <a:schemeClr val="accent1"/>
+          </a:fillRef>
+          <a:effectRef idx="0">
+            <a:schemeClr val="accent1"/>
+          </a:effectRef>
+          <a:fontRef idx="minor">
+            <a:schemeClr val="lt1"/>
+          </a:fontRef>
+        </p:style>
+        <p:txBody>
+          <a:bodyPr rtlCol="0" anchor="ctr"/>
+          <a:lstStyle/>
+          <a:p>
+            <a:pPr algn="ctr"/>
+            <a:endParaRPr lang="en-US" dirty="0"/>
+          </a:p>
+        </p:txBody>
+      </p:sp>
+      <p:sp>
+        <p:nvSpPr>
+          <p:cNvPr id="17" name="Footer Placeholder 16">
+            <a:extLst>
+              <a:ext uri="{FF2B5EF4-FFF2-40B4-BE49-F238E27FC236}">
+                <a16:creationId xmlns:a16="http://schemas.microsoft.com/office/drawing/2014/main" id="{385B353A-0F0B-0243-B9EE-09311339478E}"/>
+              </a:ext>
+            </a:extLst>
+          </p:cNvPr>
+          <p:cNvSpPr>
+            <a:spLocks noGrp="1"/>
+          </p:cNvSpPr>
+          <p:nvPr>
+            <p:ph type="ftr" sz="quarter" idx="11"/>
+          </p:nvPr>
+        </p:nvSpPr>
+        <p:spPr/>
+        <p:txBody>
+          <a:bodyPr/>
+          <a:lstStyle/>
+          <a:p>
+            <a:r>
+              <a:rPr lang="en-US"/>
+              <a:t>G2M Insight for Cab Investment</a:t>
+            </a:r>
+          </a:p>
+        </p:txBody>
+      </p:sp>
+      <p:sp>
+        <p:nvSpPr>
+          <p:cNvPr id="19" name="Slide Number Placeholder 18">
+            <a:extLst>
+              <a:ext uri="{FF2B5EF4-FFF2-40B4-BE49-F238E27FC236}">
+                <a16:creationId xmlns:a16="http://schemas.microsoft.com/office/drawing/2014/main" id="{8695A452-BBE8-5C46-ACAB-75700B12BCE9}"/>
+              </a:ext>
+            </a:extLst>
+          </p:cNvPr>
+          <p:cNvSpPr>
+            <a:spLocks noGrp="1"/>
+          </p:cNvSpPr>
+          <p:nvPr>
+            <p:ph type="sldNum" sz="quarter" idx="12"/>
+          </p:nvPr>
+        </p:nvSpPr>
+        <p:spPr/>
+        <p:txBody>
+          <a:bodyPr/>
+          <a:lstStyle/>
+          <a:p>
+            <a:fld id="{F3281B17-8789-6B4C-B449-7FC9CCFFE3A3}" type="slidenum">
+              <a:rPr lang="en-US" smtClean="0"/>
+              <a:t>33</a:t>
+            </a:fld>
+            <a:endParaRPr lang="en-US"/>
+          </a:p>
+        </p:txBody>
+      </p:sp>
+      <p:sp>
+        <p:nvSpPr>
+          <p:cNvPr id="22" name="Date Placeholder 21">
+            <a:extLst>
+              <a:ext uri="{FF2B5EF4-FFF2-40B4-BE49-F238E27FC236}">
+                <a16:creationId xmlns:a16="http://schemas.microsoft.com/office/drawing/2014/main" id="{3B07B327-50D1-3D47-8A16-38A0058A70D1}"/>
+              </a:ext>
+            </a:extLst>
+          </p:cNvPr>
+          <p:cNvSpPr>
+            <a:spLocks noGrp="1"/>
+          </p:cNvSpPr>
+          <p:nvPr>
+            <p:ph type="dt" sz="half" idx="10"/>
+          </p:nvPr>
+        </p:nvSpPr>
+        <p:spPr/>
+        <p:txBody>
+          <a:bodyPr/>
+          <a:lstStyle/>
+          <a:p>
+            <a:fld id="{7562AFF7-31C9-CC44-A8FE-8E4305DAED23}" type="datetime1">
+              <a:rPr lang="en-CA" smtClean="0"/>
+              <a:t>2022-04-26</a:t>
+            </a:fld>
+            <a:endParaRPr lang="en-US"/>
+          </a:p>
+        </p:txBody>
+      </p:sp>
+      <p:sp>
+        <p:nvSpPr>
+          <p:cNvPr id="34" name="Title 1">
+            <a:extLst>
+              <a:ext uri="{FF2B5EF4-FFF2-40B4-BE49-F238E27FC236}">
+                <a16:creationId xmlns:a16="http://schemas.microsoft.com/office/drawing/2014/main" id="{3DFB2EBC-EE5D-1A40-8EA0-25AAD54506CD}"/>
+              </a:ext>
+            </a:extLst>
+          </p:cNvPr>
+          <p:cNvSpPr>
+            <a:spLocks noGrp="1"/>
+          </p:cNvSpPr>
+          <p:nvPr>
+            <p:ph type="title"/>
+          </p:nvPr>
+        </p:nvSpPr>
+        <p:spPr>
+          <a:xfrm>
+            <a:off x="838200" y="46037"/>
+            <a:ext cx="10515600" cy="1325563"/>
+          </a:xfrm>
+        </p:spPr>
+        <p:txBody>
+          <a:bodyPr>
+            <a:normAutofit/>
+          </a:bodyPr>
+          <a:lstStyle/>
+          <a:p>
+            <a:r>
+              <a:rPr lang="en-US" b="1" dirty="0">
+                <a:solidFill>
+                  <a:schemeClr val="accent2"/>
+                </a:solidFill>
+                <a:latin typeface="Calibri" panose="020F0502020204030204" pitchFamily="34" charset="0"/>
+                <a:cs typeface="Calibri" panose="020F0502020204030204" pitchFamily="34" charset="0"/>
+              </a:rPr>
+              <a:t>EDA - Profit Margin vs Month (average)/Year</a:t>
+            </a:r>
+          </a:p>
+        </p:txBody>
+      </p:sp>
+      <p:sp>
+        <p:nvSpPr>
+          <p:cNvPr id="9" name="TextBox 8">
+            <a:extLst>
+              <a:ext uri="{FF2B5EF4-FFF2-40B4-BE49-F238E27FC236}">
+                <a16:creationId xmlns:a16="http://schemas.microsoft.com/office/drawing/2014/main" id="{7B0E9934-C03E-F570-4326-D3DF310312FF}"/>
+              </a:ext>
+            </a:extLst>
+          </p:cNvPr>
+          <p:cNvSpPr txBox="1"/>
+          <p:nvPr/>
+        </p:nvSpPr>
+        <p:spPr>
+          <a:xfrm>
+            <a:off x="431800" y="1634930"/>
+            <a:ext cx="5129393" cy="1200329"/>
+          </a:xfrm>
+          <a:prstGeom prst="rect">
+            <a:avLst/>
+          </a:prstGeom>
+          <a:noFill/>
+        </p:spPr>
+        <p:txBody>
+          <a:bodyPr wrap="square" rtlCol="0">
+            <a:spAutoFit/>
+          </a:bodyPr>
+          <a:lstStyle/>
+          <a:p>
+            <a:pPr marL="342900" indent="-342900">
+              <a:buFont typeface="Arial" panose="020B0604020202020204" pitchFamily="34" charset="0"/>
+              <a:buChar char="•"/>
+            </a:pPr>
+            <a:r>
+              <a:rPr lang="en-CA" dirty="0"/>
+              <a:t>The profit in each month in average or each year shows that the </a:t>
+            </a:r>
+            <a:r>
+              <a:rPr lang="en-CA" b="1" dirty="0"/>
+              <a:t>Yellow Cab</a:t>
+            </a:r>
+            <a:r>
+              <a:rPr lang="en-CA" dirty="0"/>
+              <a:t> always performs better than the Pink Cab.</a:t>
+            </a:r>
+          </a:p>
+          <a:p>
+            <a:pPr marL="342900" indent="-342900">
+              <a:buFont typeface="Arial" panose="020B0604020202020204" pitchFamily="34" charset="0"/>
+              <a:buChar char="•"/>
+            </a:pPr>
+            <a:endParaRPr lang="en-CA" dirty="0"/>
+          </a:p>
+        </p:txBody>
+      </p:sp>
+      <p:pic>
+        <p:nvPicPr>
+          <p:cNvPr id="3" name="Picture 2" descr="Chart, line chart&#10;&#10;Description automatically generated">
+            <a:extLst>
+              <a:ext uri="{FF2B5EF4-FFF2-40B4-BE49-F238E27FC236}">
+                <a16:creationId xmlns:a16="http://schemas.microsoft.com/office/drawing/2014/main" id="{2678024A-22C7-F9B8-033C-D760D557A3D4}"/>
+              </a:ext>
+            </a:extLst>
+          </p:cNvPr>
+          <p:cNvPicPr>
+            <a:picLocks noChangeAspect="1"/>
+          </p:cNvPicPr>
+          <p:nvPr/>
+        </p:nvPicPr>
+        <p:blipFill>
+          <a:blip r:embed="rId2"/>
+          <a:stretch>
+            <a:fillRect/>
+          </a:stretch>
+        </p:blipFill>
+        <p:spPr>
+          <a:xfrm>
+            <a:off x="6697617" y="2103285"/>
+            <a:ext cx="4995779" cy="3985397"/>
+          </a:xfrm>
+          <a:prstGeom prst="rect">
+            <a:avLst/>
+          </a:prstGeom>
+        </p:spPr>
+      </p:pic>
+      <p:pic>
+        <p:nvPicPr>
+          <p:cNvPr id="8" name="Picture 7" descr="Chart, line chart&#10;&#10;Description automatically generated">
+            <a:extLst>
+              <a:ext uri="{FF2B5EF4-FFF2-40B4-BE49-F238E27FC236}">
+                <a16:creationId xmlns:a16="http://schemas.microsoft.com/office/drawing/2014/main" id="{0AB3C489-9662-EA49-94D9-F584848B1610}"/>
+              </a:ext>
+            </a:extLst>
+          </p:cNvPr>
+          <p:cNvPicPr>
+            <a:picLocks noChangeAspect="1"/>
+          </p:cNvPicPr>
+          <p:nvPr/>
+        </p:nvPicPr>
+        <p:blipFill>
+          <a:blip r:embed="rId3"/>
+          <a:stretch>
+            <a:fillRect/>
+          </a:stretch>
+        </p:blipFill>
+        <p:spPr>
+          <a:xfrm>
+            <a:off x="498606" y="2513759"/>
+            <a:ext cx="4995779" cy="3985397"/>
+          </a:xfrm>
+          <a:prstGeom prst="rect">
+            <a:avLst/>
+          </a:prstGeom>
+        </p:spPr>
+      </p:pic>
+    </p:spTree>
+    <p:extLst>
+      <p:ext uri="{BB962C8B-B14F-4D97-AF65-F5344CB8AC3E}">
+        <p14:creationId xmlns:p14="http://schemas.microsoft.com/office/powerpoint/2010/main" val="1359942623"/>
+      </p:ext>
+    </p:extLst>
+  </p:cSld>
+  <p:clrMapOvr>
+    <a:masterClrMapping/>
+  </p:clrMapOvr>
+</p:sld>
+</file>
+
+<file path=ppt/slides/slide34.xml><?xml version="1.0" encoding="utf-8"?>
+<p:sld xmlns:a="http://schemas.openxmlformats.org/drawingml/2006/main" xmlns:r="http://schemas.openxmlformats.org/officeDocument/2006/relationships" xmlns:p="http://schemas.openxmlformats.org/presentationml/2006/main">
+  <p:cSld>
+    <p:spTree>
+      <p:nvGrpSpPr>
+        <p:cNvPr id="1" name=""/>
+        <p:cNvGrpSpPr/>
+        <p:nvPr/>
+      </p:nvGrpSpPr>
+      <p:grpSpPr>
+        <a:xfrm>
+          <a:off x="0" y="0"/>
+          <a:ext cx="0" cy="0"/>
+          <a:chOff x="0" y="0"/>
+          <a:chExt cx="0" cy="0"/>
+        </a:xfrm>
+      </p:grpSpPr>
+      <p:sp>
+        <p:nvSpPr>
+          <p:cNvPr id="18" name="Rectangle 17">
+            <a:extLst>
+              <a:ext uri="{FF2B5EF4-FFF2-40B4-BE49-F238E27FC236}">
+                <a16:creationId xmlns:a16="http://schemas.microsoft.com/office/drawing/2014/main" id="{3FDECAE3-36C4-B048-BBC3-A0828AC8256E}"/>
+              </a:ext>
+            </a:extLst>
+          </p:cNvPr>
+          <p:cNvSpPr/>
+          <p:nvPr/>
+        </p:nvSpPr>
+        <p:spPr>
+          <a:xfrm>
+            <a:off x="0" y="0"/>
+            <a:ext cx="12192000" cy="1364465"/>
+          </a:xfrm>
+          <a:prstGeom prst="rect">
+            <a:avLst/>
+          </a:prstGeom>
+          <a:solidFill>
+            <a:schemeClr val="bg2">
+              <a:lumMod val="25000"/>
+            </a:schemeClr>
+          </a:solidFill>
+        </p:spPr>
+        <p:style>
+          <a:lnRef idx="2">
+            <a:schemeClr val="accent1">
+              <a:shade val="50000"/>
+            </a:schemeClr>
+          </a:lnRef>
+          <a:fillRef idx="1">
+            <a:schemeClr val="accent1"/>
+          </a:fillRef>
+          <a:effectRef idx="0">
+            <a:schemeClr val="accent1"/>
+          </a:effectRef>
+          <a:fontRef idx="minor">
+            <a:schemeClr val="lt1"/>
+          </a:fontRef>
+        </p:style>
+        <p:txBody>
+          <a:bodyPr rtlCol="0" anchor="ctr"/>
+          <a:lstStyle/>
+          <a:p>
+            <a:pPr algn="ctr"/>
+            <a:endParaRPr lang="en-US" dirty="0"/>
+          </a:p>
+        </p:txBody>
+      </p:sp>
+      <p:sp>
+        <p:nvSpPr>
+          <p:cNvPr id="17" name="Footer Placeholder 16">
+            <a:extLst>
+              <a:ext uri="{FF2B5EF4-FFF2-40B4-BE49-F238E27FC236}">
+                <a16:creationId xmlns:a16="http://schemas.microsoft.com/office/drawing/2014/main" id="{385B353A-0F0B-0243-B9EE-09311339478E}"/>
+              </a:ext>
+            </a:extLst>
+          </p:cNvPr>
+          <p:cNvSpPr>
+            <a:spLocks noGrp="1"/>
+          </p:cNvSpPr>
+          <p:nvPr>
+            <p:ph type="ftr" sz="quarter" idx="11"/>
+          </p:nvPr>
+        </p:nvSpPr>
+        <p:spPr/>
+        <p:txBody>
+          <a:bodyPr/>
+          <a:lstStyle/>
+          <a:p>
+            <a:r>
+              <a:rPr lang="en-US"/>
+              <a:t>G2M Insight for Cab Investment</a:t>
+            </a:r>
+          </a:p>
+        </p:txBody>
+      </p:sp>
+      <p:sp>
+        <p:nvSpPr>
+          <p:cNvPr id="19" name="Slide Number Placeholder 18">
+            <a:extLst>
+              <a:ext uri="{FF2B5EF4-FFF2-40B4-BE49-F238E27FC236}">
+                <a16:creationId xmlns:a16="http://schemas.microsoft.com/office/drawing/2014/main" id="{8695A452-BBE8-5C46-ACAB-75700B12BCE9}"/>
+              </a:ext>
+            </a:extLst>
+          </p:cNvPr>
+          <p:cNvSpPr>
+            <a:spLocks noGrp="1"/>
+          </p:cNvSpPr>
+          <p:nvPr>
+            <p:ph type="sldNum" sz="quarter" idx="12"/>
+          </p:nvPr>
+        </p:nvSpPr>
+        <p:spPr/>
+        <p:txBody>
+          <a:bodyPr/>
+          <a:lstStyle/>
+          <a:p>
+            <a:fld id="{F3281B17-8789-6B4C-B449-7FC9CCFFE3A3}" type="slidenum">
+              <a:rPr lang="en-US" smtClean="0"/>
+              <a:t>34</a:t>
+            </a:fld>
+            <a:endParaRPr lang="en-US"/>
+          </a:p>
+        </p:txBody>
+      </p:sp>
+      <p:sp>
+        <p:nvSpPr>
+          <p:cNvPr id="22" name="Date Placeholder 21">
+            <a:extLst>
+              <a:ext uri="{FF2B5EF4-FFF2-40B4-BE49-F238E27FC236}">
+                <a16:creationId xmlns:a16="http://schemas.microsoft.com/office/drawing/2014/main" id="{3B07B327-50D1-3D47-8A16-38A0058A70D1}"/>
+              </a:ext>
+            </a:extLst>
+          </p:cNvPr>
+          <p:cNvSpPr>
+            <a:spLocks noGrp="1"/>
+          </p:cNvSpPr>
+          <p:nvPr>
+            <p:ph type="dt" sz="half" idx="10"/>
+          </p:nvPr>
+        </p:nvSpPr>
+        <p:spPr/>
+        <p:txBody>
+          <a:bodyPr/>
+          <a:lstStyle/>
+          <a:p>
+            <a:fld id="{7562AFF7-31C9-CC44-A8FE-8E4305DAED23}" type="datetime1">
+              <a:rPr lang="en-CA" smtClean="0"/>
+              <a:t>2022-04-26</a:t>
+            </a:fld>
+            <a:endParaRPr lang="en-US"/>
+          </a:p>
+        </p:txBody>
+      </p:sp>
+      <p:sp>
+        <p:nvSpPr>
+          <p:cNvPr id="34" name="Title 1">
+            <a:extLst>
+              <a:ext uri="{FF2B5EF4-FFF2-40B4-BE49-F238E27FC236}">
+                <a16:creationId xmlns:a16="http://schemas.microsoft.com/office/drawing/2014/main" id="{3DFB2EBC-EE5D-1A40-8EA0-25AAD54506CD}"/>
+              </a:ext>
+            </a:extLst>
+          </p:cNvPr>
+          <p:cNvSpPr>
+            <a:spLocks noGrp="1"/>
+          </p:cNvSpPr>
+          <p:nvPr>
+            <p:ph type="title"/>
+          </p:nvPr>
+        </p:nvSpPr>
+        <p:spPr>
+          <a:xfrm>
+            <a:off x="838200" y="46037"/>
+            <a:ext cx="10515600" cy="1325563"/>
+          </a:xfrm>
+        </p:spPr>
+        <p:txBody>
+          <a:bodyPr>
+            <a:normAutofit/>
+          </a:bodyPr>
+          <a:lstStyle/>
+          <a:p>
+            <a:r>
+              <a:rPr lang="en-US" b="1" dirty="0">
+                <a:solidFill>
+                  <a:schemeClr val="accent2"/>
+                </a:solidFill>
+                <a:latin typeface="Calibri" panose="020F0502020204030204" pitchFamily="34" charset="0"/>
+                <a:cs typeface="Calibri" panose="020F0502020204030204" pitchFamily="34" charset="0"/>
+              </a:rPr>
+              <a:t>EDA - Profit Margin/Price Charged/Cost vs Km Travelled</a:t>
+            </a:r>
+          </a:p>
+        </p:txBody>
+      </p:sp>
+      <p:sp>
+        <p:nvSpPr>
+          <p:cNvPr id="9" name="TextBox 8">
+            <a:extLst>
+              <a:ext uri="{FF2B5EF4-FFF2-40B4-BE49-F238E27FC236}">
+                <a16:creationId xmlns:a16="http://schemas.microsoft.com/office/drawing/2014/main" id="{7B0E9934-C03E-F570-4326-D3DF310312FF}"/>
+              </a:ext>
+            </a:extLst>
+          </p:cNvPr>
+          <p:cNvSpPr txBox="1"/>
+          <p:nvPr/>
+        </p:nvSpPr>
+        <p:spPr>
+          <a:xfrm>
+            <a:off x="431800" y="1634930"/>
+            <a:ext cx="11309626" cy="923330"/>
+          </a:xfrm>
+          <a:prstGeom prst="rect">
+            <a:avLst/>
+          </a:prstGeom>
+          <a:noFill/>
+        </p:spPr>
+        <p:txBody>
+          <a:bodyPr wrap="square" rtlCol="0">
+            <a:spAutoFit/>
+          </a:bodyPr>
+          <a:lstStyle/>
+          <a:p>
+            <a:pPr marL="285750" indent="-285750">
+              <a:buFont typeface="Arial" panose="020B0604020202020204" pitchFamily="34" charset="0"/>
+              <a:buChar char="•"/>
+            </a:pPr>
+            <a:r>
+              <a:rPr lang="en-CA" dirty="0"/>
+              <a:t>Analyzing the line plots we can infer that there is variability in the prices charged that are reflected in profit. This is probably due to the different amounts charged in each city for both companies. The costs however do not vary much from city to city and so performs almost as a line, with higher costs per Km by </a:t>
+            </a:r>
+            <a:r>
+              <a:rPr lang="en-CA" b="1" dirty="0"/>
+              <a:t>Yellow Cab</a:t>
+            </a:r>
+            <a:r>
+              <a:rPr lang="en-CA" dirty="0"/>
+              <a:t>.</a:t>
+            </a:r>
+          </a:p>
+        </p:txBody>
+      </p:sp>
+      <p:pic>
+        <p:nvPicPr>
+          <p:cNvPr id="4" name="Picture 3" descr="A picture containing line chart&#10;&#10;Description automatically generated">
+            <a:extLst>
+              <a:ext uri="{FF2B5EF4-FFF2-40B4-BE49-F238E27FC236}">
+                <a16:creationId xmlns:a16="http://schemas.microsoft.com/office/drawing/2014/main" id="{FC0AB24C-E02C-EDE4-ABF5-147D647A3C35}"/>
+              </a:ext>
+            </a:extLst>
+          </p:cNvPr>
+          <p:cNvPicPr>
+            <a:picLocks noChangeAspect="1"/>
+          </p:cNvPicPr>
+          <p:nvPr/>
+        </p:nvPicPr>
+        <p:blipFill>
+          <a:blip r:embed="rId2"/>
+          <a:stretch>
+            <a:fillRect/>
+          </a:stretch>
+        </p:blipFill>
+        <p:spPr>
+          <a:xfrm>
+            <a:off x="1439517" y="2662381"/>
+            <a:ext cx="9312965" cy="3693969"/>
+          </a:xfrm>
+          <a:prstGeom prst="rect">
+            <a:avLst/>
+          </a:prstGeom>
+        </p:spPr>
+      </p:pic>
+    </p:spTree>
+    <p:extLst>
+      <p:ext uri="{BB962C8B-B14F-4D97-AF65-F5344CB8AC3E}">
+        <p14:creationId xmlns:p14="http://schemas.microsoft.com/office/powerpoint/2010/main" val="1137827389"/>
+      </p:ext>
+    </p:extLst>
+  </p:cSld>
+  <p:clrMapOvr>
+    <a:masterClrMapping/>
+  </p:clrMapOvr>
+</p:sld>
+</file>
+
+<file path=ppt/slides/slide35.xml><?xml version="1.0" encoding="utf-8"?>
+<p:sld xmlns:a="http://schemas.openxmlformats.org/drawingml/2006/main" xmlns:r="http://schemas.openxmlformats.org/officeDocument/2006/relationships" xmlns:p="http://schemas.openxmlformats.org/presentationml/2006/main">
+  <p:cSld>
+    <p:spTree>
+      <p:nvGrpSpPr>
+        <p:cNvPr id="1" name=""/>
+        <p:cNvGrpSpPr/>
+        <p:nvPr/>
+      </p:nvGrpSpPr>
+      <p:grpSpPr>
+        <a:xfrm>
+          <a:off x="0" y="0"/>
+          <a:ext cx="0" cy="0"/>
+          <a:chOff x="0" y="0"/>
+          <a:chExt cx="0" cy="0"/>
+        </a:xfrm>
+      </p:grpSpPr>
+      <p:sp>
+        <p:nvSpPr>
+          <p:cNvPr id="18" name="Rectangle 17">
+            <a:extLst>
+              <a:ext uri="{FF2B5EF4-FFF2-40B4-BE49-F238E27FC236}">
+                <a16:creationId xmlns:a16="http://schemas.microsoft.com/office/drawing/2014/main" id="{3FDECAE3-36C4-B048-BBC3-A0828AC8256E}"/>
+              </a:ext>
+            </a:extLst>
+          </p:cNvPr>
+          <p:cNvSpPr/>
+          <p:nvPr/>
+        </p:nvSpPr>
+        <p:spPr>
+          <a:xfrm>
+            <a:off x="0" y="0"/>
+            <a:ext cx="12192000" cy="1364465"/>
+          </a:xfrm>
+          <a:prstGeom prst="rect">
+            <a:avLst/>
+          </a:prstGeom>
+          <a:solidFill>
+            <a:schemeClr val="bg2">
+              <a:lumMod val="25000"/>
+            </a:schemeClr>
+          </a:solidFill>
+        </p:spPr>
+        <p:style>
+          <a:lnRef idx="2">
+            <a:schemeClr val="accent1">
+              <a:shade val="50000"/>
+            </a:schemeClr>
+          </a:lnRef>
+          <a:fillRef idx="1">
+            <a:schemeClr val="accent1"/>
+          </a:fillRef>
+          <a:effectRef idx="0">
+            <a:schemeClr val="accent1"/>
+          </a:effectRef>
+          <a:fontRef idx="minor">
+            <a:schemeClr val="lt1"/>
+          </a:fontRef>
+        </p:style>
+        <p:txBody>
+          <a:bodyPr rtlCol="0" anchor="ctr"/>
+          <a:lstStyle/>
+          <a:p>
+            <a:pPr algn="ctr"/>
+            <a:endParaRPr lang="en-US" dirty="0"/>
+          </a:p>
+        </p:txBody>
+      </p:sp>
+      <p:sp>
+        <p:nvSpPr>
+          <p:cNvPr id="17" name="Footer Placeholder 16">
+            <a:extLst>
+              <a:ext uri="{FF2B5EF4-FFF2-40B4-BE49-F238E27FC236}">
+                <a16:creationId xmlns:a16="http://schemas.microsoft.com/office/drawing/2014/main" id="{385B353A-0F0B-0243-B9EE-09311339478E}"/>
+              </a:ext>
+            </a:extLst>
+          </p:cNvPr>
+          <p:cNvSpPr>
+            <a:spLocks noGrp="1"/>
+          </p:cNvSpPr>
+          <p:nvPr>
+            <p:ph type="ftr" sz="quarter" idx="11"/>
+          </p:nvPr>
+        </p:nvSpPr>
+        <p:spPr/>
+        <p:txBody>
+          <a:bodyPr/>
+          <a:lstStyle/>
+          <a:p>
+            <a:r>
+              <a:rPr lang="en-US"/>
+              <a:t>G2M Insight for Cab Investment</a:t>
+            </a:r>
+          </a:p>
+        </p:txBody>
+      </p:sp>
+      <p:sp>
+        <p:nvSpPr>
+          <p:cNvPr id="19" name="Slide Number Placeholder 18">
+            <a:extLst>
+              <a:ext uri="{FF2B5EF4-FFF2-40B4-BE49-F238E27FC236}">
+                <a16:creationId xmlns:a16="http://schemas.microsoft.com/office/drawing/2014/main" id="{8695A452-BBE8-5C46-ACAB-75700B12BCE9}"/>
+              </a:ext>
+            </a:extLst>
+          </p:cNvPr>
+          <p:cNvSpPr>
+            <a:spLocks noGrp="1"/>
+          </p:cNvSpPr>
+          <p:nvPr>
+            <p:ph type="sldNum" sz="quarter" idx="12"/>
+          </p:nvPr>
+        </p:nvSpPr>
+        <p:spPr/>
+        <p:txBody>
+          <a:bodyPr/>
+          <a:lstStyle/>
+          <a:p>
+            <a:fld id="{F3281B17-8789-6B4C-B449-7FC9CCFFE3A3}" type="slidenum">
+              <a:rPr lang="en-US" smtClean="0"/>
+              <a:t>35</a:t>
+            </a:fld>
+            <a:endParaRPr lang="en-US"/>
+          </a:p>
+        </p:txBody>
+      </p:sp>
+      <p:sp>
+        <p:nvSpPr>
+          <p:cNvPr id="22" name="Date Placeholder 21">
+            <a:extLst>
+              <a:ext uri="{FF2B5EF4-FFF2-40B4-BE49-F238E27FC236}">
+                <a16:creationId xmlns:a16="http://schemas.microsoft.com/office/drawing/2014/main" id="{3B07B327-50D1-3D47-8A16-38A0058A70D1}"/>
+              </a:ext>
+            </a:extLst>
+          </p:cNvPr>
+          <p:cNvSpPr>
+            <a:spLocks noGrp="1"/>
+          </p:cNvSpPr>
+          <p:nvPr>
+            <p:ph type="dt" sz="half" idx="10"/>
+          </p:nvPr>
+        </p:nvSpPr>
+        <p:spPr/>
+        <p:txBody>
+          <a:bodyPr/>
+          <a:lstStyle/>
+          <a:p>
+            <a:fld id="{7562AFF7-31C9-CC44-A8FE-8E4305DAED23}" type="datetime1">
+              <a:rPr lang="en-CA" smtClean="0"/>
+              <a:t>2022-04-26</a:t>
+            </a:fld>
+            <a:endParaRPr lang="en-US"/>
+          </a:p>
+        </p:txBody>
+      </p:sp>
+      <p:sp>
+        <p:nvSpPr>
+          <p:cNvPr id="34" name="Title 1">
+            <a:extLst>
+              <a:ext uri="{FF2B5EF4-FFF2-40B4-BE49-F238E27FC236}">
+                <a16:creationId xmlns:a16="http://schemas.microsoft.com/office/drawing/2014/main" id="{3DFB2EBC-EE5D-1A40-8EA0-25AAD54506CD}"/>
+              </a:ext>
+            </a:extLst>
+          </p:cNvPr>
+          <p:cNvSpPr>
+            <a:spLocks noGrp="1"/>
+          </p:cNvSpPr>
+          <p:nvPr>
+            <p:ph type="title"/>
+          </p:nvPr>
+        </p:nvSpPr>
+        <p:spPr>
+          <a:xfrm>
+            <a:off x="838200" y="46037"/>
+            <a:ext cx="10515600" cy="1325563"/>
+          </a:xfrm>
+        </p:spPr>
+        <p:txBody>
+          <a:bodyPr>
+            <a:normAutofit/>
+          </a:bodyPr>
+          <a:lstStyle/>
+          <a:p>
+            <a:r>
+              <a:rPr lang="en-US" b="1" dirty="0">
+                <a:solidFill>
+                  <a:schemeClr val="accent2"/>
+                </a:solidFill>
+                <a:latin typeface="Calibri" panose="020F0502020204030204" pitchFamily="34" charset="0"/>
+                <a:cs typeface="Calibri" panose="020F0502020204030204" pitchFamily="34" charset="0"/>
+              </a:rPr>
+              <a:t>EDA - Profit Margin vs City</a:t>
+            </a:r>
+          </a:p>
+        </p:txBody>
+      </p:sp>
+      <p:pic>
+        <p:nvPicPr>
+          <p:cNvPr id="3" name="Picture 2" descr="Shape&#10;&#10;Description automatically generated">
+            <a:extLst>
+              <a:ext uri="{FF2B5EF4-FFF2-40B4-BE49-F238E27FC236}">
+                <a16:creationId xmlns:a16="http://schemas.microsoft.com/office/drawing/2014/main" id="{C0FC109F-D038-D1B2-952B-E235C4A2A5C6}"/>
+              </a:ext>
+            </a:extLst>
+          </p:cNvPr>
+          <p:cNvPicPr>
+            <a:picLocks noChangeAspect="1"/>
+          </p:cNvPicPr>
+          <p:nvPr/>
+        </p:nvPicPr>
+        <p:blipFill>
+          <a:blip r:embed="rId2"/>
+          <a:stretch>
+            <a:fillRect/>
+          </a:stretch>
+        </p:blipFill>
+        <p:spPr>
+          <a:xfrm>
+            <a:off x="5527273" y="1398616"/>
+            <a:ext cx="6179906" cy="5140296"/>
+          </a:xfrm>
+          <a:prstGeom prst="rect">
+            <a:avLst/>
+          </a:prstGeom>
+        </p:spPr>
+      </p:pic>
+      <p:pic>
+        <p:nvPicPr>
+          <p:cNvPr id="5" name="Picture 4" descr="Chart, pie chart&#10;&#10;Description automatically generated">
+            <a:extLst>
+              <a:ext uri="{FF2B5EF4-FFF2-40B4-BE49-F238E27FC236}">
+                <a16:creationId xmlns:a16="http://schemas.microsoft.com/office/drawing/2014/main" id="{A425966A-A8E5-134E-4056-8CD5AD115942}"/>
+              </a:ext>
+            </a:extLst>
+          </p:cNvPr>
+          <p:cNvPicPr>
+            <a:picLocks noChangeAspect="1"/>
+          </p:cNvPicPr>
+          <p:nvPr/>
+        </p:nvPicPr>
+        <p:blipFill>
+          <a:blip r:embed="rId3"/>
+          <a:stretch>
+            <a:fillRect/>
+          </a:stretch>
+        </p:blipFill>
+        <p:spPr>
+          <a:xfrm>
+            <a:off x="5999300" y="2254264"/>
+            <a:ext cx="6535631" cy="3919523"/>
+          </a:xfrm>
+          <a:prstGeom prst="rect">
+            <a:avLst/>
+          </a:prstGeom>
+        </p:spPr>
+      </p:pic>
+      <p:sp>
+        <p:nvSpPr>
+          <p:cNvPr id="11" name="TextBox 10">
+            <a:extLst>
+              <a:ext uri="{FF2B5EF4-FFF2-40B4-BE49-F238E27FC236}">
+                <a16:creationId xmlns:a16="http://schemas.microsoft.com/office/drawing/2014/main" id="{91AC8F02-B21D-547C-D4C6-8B33CA16E071}"/>
+              </a:ext>
+            </a:extLst>
+          </p:cNvPr>
+          <p:cNvSpPr txBox="1"/>
+          <p:nvPr/>
+        </p:nvSpPr>
+        <p:spPr>
+          <a:xfrm>
+            <a:off x="431800" y="1634930"/>
+            <a:ext cx="5129393" cy="923330"/>
+          </a:xfrm>
+          <a:prstGeom prst="rect">
+            <a:avLst/>
+          </a:prstGeom>
+          <a:noFill/>
+        </p:spPr>
+        <p:txBody>
+          <a:bodyPr wrap="square" rtlCol="0">
+            <a:spAutoFit/>
+          </a:bodyPr>
+          <a:lstStyle/>
+          <a:p>
+            <a:pPr marL="285750" indent="-285750">
+              <a:buFont typeface="Arial" panose="020B0604020202020204" pitchFamily="34" charset="0"/>
+              <a:buChar char="•"/>
+            </a:pPr>
+            <a:r>
+              <a:rPr lang="en-CA" dirty="0"/>
+              <a:t>NY represents about 57% of the total profit of the two cab companies combined. 86% of all cabs in NY are Yellow Cab.</a:t>
+            </a:r>
+          </a:p>
+        </p:txBody>
+      </p:sp>
+      <p:pic>
+        <p:nvPicPr>
+          <p:cNvPr id="7" name="Picture 6" descr="Chart, pie chart&#10;&#10;Description automatically generated">
+            <a:extLst>
+              <a:ext uri="{FF2B5EF4-FFF2-40B4-BE49-F238E27FC236}">
+                <a16:creationId xmlns:a16="http://schemas.microsoft.com/office/drawing/2014/main" id="{9AE3641A-7815-8BBC-348E-265BAD669EB1}"/>
+              </a:ext>
+            </a:extLst>
+          </p:cNvPr>
+          <p:cNvPicPr>
+            <a:picLocks noChangeAspect="1"/>
+          </p:cNvPicPr>
+          <p:nvPr/>
+        </p:nvPicPr>
+        <p:blipFill>
+          <a:blip r:embed="rId4"/>
+          <a:stretch>
+            <a:fillRect/>
+          </a:stretch>
+        </p:blipFill>
+        <p:spPr>
+          <a:xfrm>
+            <a:off x="-652663" y="2684857"/>
+            <a:ext cx="7264400" cy="3835400"/>
+          </a:xfrm>
+          <a:prstGeom prst="rect">
+            <a:avLst/>
+          </a:prstGeom>
+        </p:spPr>
+      </p:pic>
+    </p:spTree>
+    <p:extLst>
+      <p:ext uri="{BB962C8B-B14F-4D97-AF65-F5344CB8AC3E}">
+        <p14:creationId xmlns:p14="http://schemas.microsoft.com/office/powerpoint/2010/main" val="987257266"/>
+      </p:ext>
+    </p:extLst>
+  </p:cSld>
+  <p:clrMapOvr>
+    <a:masterClrMapping/>
+  </p:clrMapOvr>
+</p:sld>
+</file>
+
+<file path=ppt/slides/slide36.xml><?xml version="1.0" encoding="utf-8"?>
+<p:sld xmlns:a="http://schemas.openxmlformats.org/drawingml/2006/main" xmlns:r="http://schemas.openxmlformats.org/officeDocument/2006/relationships" xmlns:p="http://schemas.openxmlformats.org/presentationml/2006/main">
+  <p:cSld>
+    <p:spTree>
+      <p:nvGrpSpPr>
+        <p:cNvPr id="1" name=""/>
+        <p:cNvGrpSpPr/>
+        <p:nvPr/>
+      </p:nvGrpSpPr>
+      <p:grpSpPr>
+        <a:xfrm>
+          <a:off x="0" y="0"/>
+          <a:ext cx="0" cy="0"/>
+          <a:chOff x="0" y="0"/>
+          <a:chExt cx="0" cy="0"/>
+        </a:xfrm>
+      </p:grpSpPr>
+      <p:sp>
+        <p:nvSpPr>
+          <p:cNvPr id="18" name="Rectangle 17">
+            <a:extLst>
+              <a:ext uri="{FF2B5EF4-FFF2-40B4-BE49-F238E27FC236}">
+                <a16:creationId xmlns:a16="http://schemas.microsoft.com/office/drawing/2014/main" id="{3FDECAE3-36C4-B048-BBC3-A0828AC8256E}"/>
+              </a:ext>
+            </a:extLst>
+          </p:cNvPr>
+          <p:cNvSpPr/>
+          <p:nvPr/>
+        </p:nvSpPr>
+        <p:spPr>
+          <a:xfrm>
+            <a:off x="0" y="0"/>
+            <a:ext cx="12192000" cy="1364465"/>
+          </a:xfrm>
+          <a:prstGeom prst="rect">
+            <a:avLst/>
+          </a:prstGeom>
+          <a:solidFill>
+            <a:schemeClr val="bg2">
+              <a:lumMod val="25000"/>
+            </a:schemeClr>
+          </a:solidFill>
+        </p:spPr>
+        <p:style>
+          <a:lnRef idx="2">
+            <a:schemeClr val="accent1">
+              <a:shade val="50000"/>
+            </a:schemeClr>
+          </a:lnRef>
+          <a:fillRef idx="1">
+            <a:schemeClr val="accent1"/>
+          </a:fillRef>
+          <a:effectRef idx="0">
+            <a:schemeClr val="accent1"/>
+          </a:effectRef>
+          <a:fontRef idx="minor">
+            <a:schemeClr val="lt1"/>
+          </a:fontRef>
+        </p:style>
+        <p:txBody>
+          <a:bodyPr rtlCol="0" anchor="ctr"/>
+          <a:lstStyle/>
+          <a:p>
+            <a:pPr algn="ctr"/>
+            <a:endParaRPr lang="en-US" dirty="0"/>
+          </a:p>
+        </p:txBody>
+      </p:sp>
+      <p:sp>
+        <p:nvSpPr>
+          <p:cNvPr id="17" name="Footer Placeholder 16">
+            <a:extLst>
+              <a:ext uri="{FF2B5EF4-FFF2-40B4-BE49-F238E27FC236}">
+                <a16:creationId xmlns:a16="http://schemas.microsoft.com/office/drawing/2014/main" id="{385B353A-0F0B-0243-B9EE-09311339478E}"/>
+              </a:ext>
+            </a:extLst>
+          </p:cNvPr>
+          <p:cNvSpPr>
+            <a:spLocks noGrp="1"/>
+          </p:cNvSpPr>
+          <p:nvPr>
+            <p:ph type="ftr" sz="quarter" idx="11"/>
+          </p:nvPr>
+        </p:nvSpPr>
+        <p:spPr/>
+        <p:txBody>
+          <a:bodyPr/>
+          <a:lstStyle/>
+          <a:p>
+            <a:r>
+              <a:rPr lang="en-US"/>
+              <a:t>G2M Insight for Cab Investment</a:t>
+            </a:r>
+          </a:p>
+        </p:txBody>
+      </p:sp>
+      <p:sp>
+        <p:nvSpPr>
+          <p:cNvPr id="19" name="Slide Number Placeholder 18">
+            <a:extLst>
+              <a:ext uri="{FF2B5EF4-FFF2-40B4-BE49-F238E27FC236}">
+                <a16:creationId xmlns:a16="http://schemas.microsoft.com/office/drawing/2014/main" id="{8695A452-BBE8-5C46-ACAB-75700B12BCE9}"/>
+              </a:ext>
+            </a:extLst>
+          </p:cNvPr>
+          <p:cNvSpPr>
+            <a:spLocks noGrp="1"/>
+          </p:cNvSpPr>
+          <p:nvPr>
+            <p:ph type="sldNum" sz="quarter" idx="12"/>
+          </p:nvPr>
+        </p:nvSpPr>
+        <p:spPr/>
+        <p:txBody>
+          <a:bodyPr/>
+          <a:lstStyle/>
+          <a:p>
+            <a:fld id="{F3281B17-8789-6B4C-B449-7FC9CCFFE3A3}" type="slidenum">
+              <a:rPr lang="en-US" smtClean="0"/>
+              <a:t>36</a:t>
+            </a:fld>
+            <a:endParaRPr lang="en-US"/>
+          </a:p>
+        </p:txBody>
+      </p:sp>
+      <p:sp>
+        <p:nvSpPr>
+          <p:cNvPr id="22" name="Date Placeholder 21">
+            <a:extLst>
+              <a:ext uri="{FF2B5EF4-FFF2-40B4-BE49-F238E27FC236}">
+                <a16:creationId xmlns:a16="http://schemas.microsoft.com/office/drawing/2014/main" id="{3B07B327-50D1-3D47-8A16-38A0058A70D1}"/>
+              </a:ext>
+            </a:extLst>
+          </p:cNvPr>
+          <p:cNvSpPr>
+            <a:spLocks noGrp="1"/>
+          </p:cNvSpPr>
+          <p:nvPr>
+            <p:ph type="dt" sz="half" idx="10"/>
+          </p:nvPr>
+        </p:nvSpPr>
+        <p:spPr/>
+        <p:txBody>
+          <a:bodyPr/>
+          <a:lstStyle/>
+          <a:p>
+            <a:fld id="{7562AFF7-31C9-CC44-A8FE-8E4305DAED23}" type="datetime1">
+              <a:rPr lang="en-CA" smtClean="0"/>
+              <a:t>2022-04-26</a:t>
+            </a:fld>
+            <a:endParaRPr lang="en-US"/>
+          </a:p>
+        </p:txBody>
+      </p:sp>
+      <p:sp>
+        <p:nvSpPr>
+          <p:cNvPr id="34" name="Title 1">
+            <a:extLst>
+              <a:ext uri="{FF2B5EF4-FFF2-40B4-BE49-F238E27FC236}">
+                <a16:creationId xmlns:a16="http://schemas.microsoft.com/office/drawing/2014/main" id="{3DFB2EBC-EE5D-1A40-8EA0-25AAD54506CD}"/>
+              </a:ext>
+            </a:extLst>
+          </p:cNvPr>
+          <p:cNvSpPr>
+            <a:spLocks noGrp="1"/>
+          </p:cNvSpPr>
+          <p:nvPr>
+            <p:ph type="title"/>
+          </p:nvPr>
+        </p:nvSpPr>
+        <p:spPr>
+          <a:xfrm>
+            <a:off x="838200" y="46037"/>
+            <a:ext cx="10515600" cy="1325563"/>
+          </a:xfrm>
+        </p:spPr>
+        <p:txBody>
+          <a:bodyPr>
+            <a:normAutofit/>
+          </a:bodyPr>
+          <a:lstStyle/>
+          <a:p>
+            <a:r>
+              <a:rPr lang="en-US" b="1" dirty="0">
+                <a:solidFill>
+                  <a:schemeClr val="accent2"/>
+                </a:solidFill>
+                <a:latin typeface="Calibri" panose="020F0502020204030204" pitchFamily="34" charset="0"/>
+                <a:cs typeface="Calibri" panose="020F0502020204030204" pitchFamily="34" charset="0"/>
+              </a:rPr>
+              <a:t>EDA - Profit Margin vs Company</a:t>
+            </a:r>
+          </a:p>
+        </p:txBody>
+      </p:sp>
+      <p:sp>
+        <p:nvSpPr>
+          <p:cNvPr id="11" name="TextBox 10">
+            <a:extLst>
+              <a:ext uri="{FF2B5EF4-FFF2-40B4-BE49-F238E27FC236}">
+                <a16:creationId xmlns:a16="http://schemas.microsoft.com/office/drawing/2014/main" id="{91AC8F02-B21D-547C-D4C6-8B33CA16E071}"/>
+              </a:ext>
+            </a:extLst>
+          </p:cNvPr>
+          <p:cNvSpPr txBox="1"/>
+          <p:nvPr/>
+        </p:nvSpPr>
+        <p:spPr>
+          <a:xfrm>
+            <a:off x="431800" y="1634930"/>
+            <a:ext cx="5129393" cy="646331"/>
+          </a:xfrm>
+          <a:prstGeom prst="rect">
+            <a:avLst/>
+          </a:prstGeom>
+          <a:noFill/>
+        </p:spPr>
+        <p:txBody>
+          <a:bodyPr wrap="square" rtlCol="0">
+            <a:spAutoFit/>
+          </a:bodyPr>
+          <a:lstStyle/>
+          <a:p>
+            <a:pPr marL="285750" indent="-285750">
+              <a:buFont typeface="Arial" panose="020B0604020202020204" pitchFamily="34" charset="0"/>
+              <a:buChar char="•"/>
+            </a:pPr>
+            <a:r>
+              <a:rPr lang="en-CA" dirty="0"/>
+              <a:t>Yellow cab owns 89% of the total profit made by both cab companies </a:t>
+            </a:r>
+          </a:p>
+        </p:txBody>
+      </p:sp>
+      <p:pic>
+        <p:nvPicPr>
+          <p:cNvPr id="4" name="Picture 3" descr="Chart, pie chart&#10;&#10;Description automatically generated">
+            <a:extLst>
+              <a:ext uri="{FF2B5EF4-FFF2-40B4-BE49-F238E27FC236}">
+                <a16:creationId xmlns:a16="http://schemas.microsoft.com/office/drawing/2014/main" id="{82815CFE-1D0E-6A9A-02C8-A2697B7C3ADA}"/>
+              </a:ext>
+            </a:extLst>
+          </p:cNvPr>
+          <p:cNvPicPr>
+            <a:picLocks noChangeAspect="1"/>
+          </p:cNvPicPr>
+          <p:nvPr/>
+        </p:nvPicPr>
+        <p:blipFill>
+          <a:blip r:embed="rId2"/>
+          <a:stretch>
+            <a:fillRect/>
+          </a:stretch>
+        </p:blipFill>
+        <p:spPr>
+          <a:xfrm>
+            <a:off x="2463800" y="2401105"/>
+            <a:ext cx="7264400" cy="3835400"/>
+          </a:xfrm>
+          <a:prstGeom prst="rect">
+            <a:avLst/>
+          </a:prstGeom>
+        </p:spPr>
+      </p:pic>
+    </p:spTree>
+    <p:extLst>
+      <p:ext uri="{BB962C8B-B14F-4D97-AF65-F5344CB8AC3E}">
+        <p14:creationId xmlns:p14="http://schemas.microsoft.com/office/powerpoint/2010/main" val="781973867"/>
+      </p:ext>
+    </p:extLst>
+  </p:cSld>
+  <p:clrMapOvr>
+    <a:masterClrMapping/>
+  </p:clrMapOvr>
+</p:sld>
+</file>
+
+<file path=ppt/slides/slide37.xml><?xml version="1.0" encoding="utf-8"?>
+<p:sld xmlns:a="http://schemas.openxmlformats.org/drawingml/2006/main" xmlns:r="http://schemas.openxmlformats.org/officeDocument/2006/relationships" xmlns:p="http://schemas.openxmlformats.org/presentationml/2006/main">
+  <p:cSld>
+    <p:spTree>
+      <p:nvGrpSpPr>
+        <p:cNvPr id="1" name=""/>
+        <p:cNvGrpSpPr/>
+        <p:nvPr/>
+      </p:nvGrpSpPr>
+      <p:grpSpPr>
+        <a:xfrm>
+          <a:off x="0" y="0"/>
+          <a:ext cx="0" cy="0"/>
+          <a:chOff x="0" y="0"/>
+          <a:chExt cx="0" cy="0"/>
+        </a:xfrm>
+      </p:grpSpPr>
+      <p:sp>
+        <p:nvSpPr>
+          <p:cNvPr id="18" name="Rectangle 17">
+            <a:extLst>
+              <a:ext uri="{FF2B5EF4-FFF2-40B4-BE49-F238E27FC236}">
+                <a16:creationId xmlns:a16="http://schemas.microsoft.com/office/drawing/2014/main" id="{3FDECAE3-36C4-B048-BBC3-A0828AC8256E}"/>
+              </a:ext>
+            </a:extLst>
+          </p:cNvPr>
+          <p:cNvSpPr/>
+          <p:nvPr/>
+        </p:nvSpPr>
+        <p:spPr>
+          <a:xfrm>
+            <a:off x="0" y="0"/>
+            <a:ext cx="12192000" cy="1364465"/>
+          </a:xfrm>
+          <a:prstGeom prst="rect">
+            <a:avLst/>
+          </a:prstGeom>
+          <a:solidFill>
+            <a:schemeClr val="bg2">
+              <a:lumMod val="25000"/>
+            </a:schemeClr>
+          </a:solidFill>
+        </p:spPr>
+        <p:style>
+          <a:lnRef idx="2">
+            <a:schemeClr val="accent1">
+              <a:shade val="50000"/>
+            </a:schemeClr>
+          </a:lnRef>
+          <a:fillRef idx="1">
+            <a:schemeClr val="accent1"/>
+          </a:fillRef>
+          <a:effectRef idx="0">
+            <a:schemeClr val="accent1"/>
+          </a:effectRef>
+          <a:fontRef idx="minor">
+            <a:schemeClr val="lt1"/>
+          </a:fontRef>
+        </p:style>
+        <p:txBody>
+          <a:bodyPr rtlCol="0" anchor="ctr"/>
+          <a:lstStyle/>
+          <a:p>
+            <a:pPr algn="ctr"/>
+            <a:endParaRPr lang="en-US" dirty="0"/>
+          </a:p>
+        </p:txBody>
+      </p:sp>
+      <p:sp>
+        <p:nvSpPr>
+          <p:cNvPr id="17" name="Footer Placeholder 16">
+            <a:extLst>
+              <a:ext uri="{FF2B5EF4-FFF2-40B4-BE49-F238E27FC236}">
+                <a16:creationId xmlns:a16="http://schemas.microsoft.com/office/drawing/2014/main" id="{385B353A-0F0B-0243-B9EE-09311339478E}"/>
+              </a:ext>
+            </a:extLst>
+          </p:cNvPr>
+          <p:cNvSpPr>
+            <a:spLocks noGrp="1"/>
+          </p:cNvSpPr>
+          <p:nvPr>
+            <p:ph type="ftr" sz="quarter" idx="11"/>
+          </p:nvPr>
+        </p:nvSpPr>
+        <p:spPr/>
+        <p:txBody>
+          <a:bodyPr/>
+          <a:lstStyle/>
+          <a:p>
+            <a:r>
+              <a:rPr lang="en-US"/>
+              <a:t>G2M Insight for Cab Investment</a:t>
+            </a:r>
+          </a:p>
+        </p:txBody>
+      </p:sp>
+      <p:sp>
+        <p:nvSpPr>
+          <p:cNvPr id="19" name="Slide Number Placeholder 18">
+            <a:extLst>
+              <a:ext uri="{FF2B5EF4-FFF2-40B4-BE49-F238E27FC236}">
+                <a16:creationId xmlns:a16="http://schemas.microsoft.com/office/drawing/2014/main" id="{8695A452-BBE8-5C46-ACAB-75700B12BCE9}"/>
+              </a:ext>
+            </a:extLst>
+          </p:cNvPr>
+          <p:cNvSpPr>
+            <a:spLocks noGrp="1"/>
+          </p:cNvSpPr>
+          <p:nvPr>
+            <p:ph type="sldNum" sz="quarter" idx="12"/>
+          </p:nvPr>
+        </p:nvSpPr>
+        <p:spPr/>
+        <p:txBody>
+          <a:bodyPr/>
+          <a:lstStyle/>
+          <a:p>
+            <a:fld id="{F3281B17-8789-6B4C-B449-7FC9CCFFE3A3}" type="slidenum">
+              <a:rPr lang="en-US" smtClean="0"/>
+              <a:t>37</a:t>
+            </a:fld>
+            <a:endParaRPr lang="en-US"/>
+          </a:p>
+        </p:txBody>
+      </p:sp>
+      <p:sp>
+        <p:nvSpPr>
+          <p:cNvPr id="22" name="Date Placeholder 21">
+            <a:extLst>
+              <a:ext uri="{FF2B5EF4-FFF2-40B4-BE49-F238E27FC236}">
+                <a16:creationId xmlns:a16="http://schemas.microsoft.com/office/drawing/2014/main" id="{3B07B327-50D1-3D47-8A16-38A0058A70D1}"/>
+              </a:ext>
+            </a:extLst>
+          </p:cNvPr>
+          <p:cNvSpPr>
+            <a:spLocks noGrp="1"/>
+          </p:cNvSpPr>
+          <p:nvPr>
+            <p:ph type="dt" sz="half" idx="10"/>
+          </p:nvPr>
+        </p:nvSpPr>
+        <p:spPr/>
+        <p:txBody>
+          <a:bodyPr/>
+          <a:lstStyle/>
+          <a:p>
+            <a:fld id="{7562AFF7-31C9-CC44-A8FE-8E4305DAED23}" type="datetime1">
+              <a:rPr lang="en-CA" smtClean="0"/>
+              <a:t>2022-04-26</a:t>
+            </a:fld>
+            <a:endParaRPr lang="en-US"/>
+          </a:p>
+        </p:txBody>
+      </p:sp>
+      <p:sp>
+        <p:nvSpPr>
+          <p:cNvPr id="34" name="Title 1">
+            <a:extLst>
+              <a:ext uri="{FF2B5EF4-FFF2-40B4-BE49-F238E27FC236}">
+                <a16:creationId xmlns:a16="http://schemas.microsoft.com/office/drawing/2014/main" id="{3DFB2EBC-EE5D-1A40-8EA0-25AAD54506CD}"/>
+              </a:ext>
+            </a:extLst>
+          </p:cNvPr>
+          <p:cNvSpPr>
+            <a:spLocks noGrp="1"/>
+          </p:cNvSpPr>
+          <p:nvPr>
+            <p:ph type="title"/>
+          </p:nvPr>
+        </p:nvSpPr>
+        <p:spPr>
+          <a:xfrm>
+            <a:off x="838200" y="46037"/>
+            <a:ext cx="10515600" cy="1325563"/>
+          </a:xfrm>
+        </p:spPr>
+        <p:txBody>
+          <a:bodyPr>
+            <a:normAutofit/>
+          </a:bodyPr>
+          <a:lstStyle/>
+          <a:p>
+            <a:r>
+              <a:rPr lang="en-US" b="1" dirty="0">
+                <a:solidFill>
+                  <a:schemeClr val="accent2"/>
+                </a:solidFill>
+                <a:latin typeface="Calibri" panose="020F0502020204030204" pitchFamily="34" charset="0"/>
+                <a:cs typeface="Calibri" panose="020F0502020204030204" pitchFamily="34" charset="0"/>
+              </a:rPr>
+              <a:t>EDA - Profit Margin vs 20 most frequent users</a:t>
+            </a:r>
+          </a:p>
+        </p:txBody>
+      </p:sp>
+      <p:sp>
+        <p:nvSpPr>
+          <p:cNvPr id="11" name="TextBox 10">
+            <a:extLst>
+              <a:ext uri="{FF2B5EF4-FFF2-40B4-BE49-F238E27FC236}">
+                <a16:creationId xmlns:a16="http://schemas.microsoft.com/office/drawing/2014/main" id="{91AC8F02-B21D-547C-D4C6-8B33CA16E071}"/>
+              </a:ext>
+            </a:extLst>
+          </p:cNvPr>
+          <p:cNvSpPr txBox="1"/>
+          <p:nvPr/>
+        </p:nvSpPr>
+        <p:spPr>
+          <a:xfrm>
+            <a:off x="431800" y="1634930"/>
+            <a:ext cx="5129393" cy="646331"/>
+          </a:xfrm>
+          <a:prstGeom prst="rect">
+            <a:avLst/>
+          </a:prstGeom>
+          <a:noFill/>
+        </p:spPr>
+        <p:txBody>
+          <a:bodyPr wrap="square" rtlCol="0">
+            <a:spAutoFit/>
+          </a:bodyPr>
+          <a:lstStyle/>
+          <a:p>
+            <a:pPr marL="285750" indent="-285750">
+              <a:buFont typeface="Arial" panose="020B0604020202020204" pitchFamily="34" charset="0"/>
+              <a:buChar char="•"/>
+            </a:pPr>
+            <a:r>
+              <a:rPr lang="en-CA" dirty="0"/>
+              <a:t>Analyzing the 20 most frequent cab users, we can observe a preference for </a:t>
+            </a:r>
+            <a:r>
+              <a:rPr lang="en-CA" b="1" dirty="0"/>
+              <a:t>Yellow cab</a:t>
+            </a:r>
+            <a:r>
+              <a:rPr lang="en-CA" dirty="0"/>
+              <a:t>.</a:t>
+            </a:r>
+          </a:p>
+        </p:txBody>
+      </p:sp>
+      <p:pic>
+        <p:nvPicPr>
+          <p:cNvPr id="3" name="Picture 2" descr="Background pattern&#10;&#10;Description automatically generated">
+            <a:extLst>
+              <a:ext uri="{FF2B5EF4-FFF2-40B4-BE49-F238E27FC236}">
+                <a16:creationId xmlns:a16="http://schemas.microsoft.com/office/drawing/2014/main" id="{737414B3-7E96-8D93-98D4-8C4007C43912}"/>
+              </a:ext>
+            </a:extLst>
+          </p:cNvPr>
+          <p:cNvPicPr>
+            <a:picLocks noChangeAspect="1"/>
+          </p:cNvPicPr>
+          <p:nvPr/>
+        </p:nvPicPr>
+        <p:blipFill>
+          <a:blip r:embed="rId2"/>
+          <a:stretch>
+            <a:fillRect/>
+          </a:stretch>
+        </p:blipFill>
+        <p:spPr>
+          <a:xfrm>
+            <a:off x="4384057" y="1774588"/>
+            <a:ext cx="7376143" cy="4383026"/>
+          </a:xfrm>
+          <a:prstGeom prst="rect">
+            <a:avLst/>
+          </a:prstGeom>
+        </p:spPr>
+      </p:pic>
+    </p:spTree>
+    <p:extLst>
+      <p:ext uri="{BB962C8B-B14F-4D97-AF65-F5344CB8AC3E}">
+        <p14:creationId xmlns:p14="http://schemas.microsoft.com/office/powerpoint/2010/main" val="994170214"/>
+      </p:ext>
+    </p:extLst>
+  </p:cSld>
+  <p:clrMapOvr>
+    <a:masterClrMapping/>
+  </p:clrMapOvr>
+</p:sld>
+</file>
+
+<file path=ppt/slides/slide38.xml><?xml version="1.0" encoding="utf-8"?>
+<p:sld xmlns:a="http://schemas.openxmlformats.org/drawingml/2006/main" xmlns:r="http://schemas.openxmlformats.org/officeDocument/2006/relationships" xmlns:p="http://schemas.openxmlformats.org/presentationml/2006/main">
+  <p:cSld>
+    <p:spTree>
+      <p:nvGrpSpPr>
+        <p:cNvPr id="1" name=""/>
+        <p:cNvGrpSpPr/>
+        <p:nvPr/>
+      </p:nvGrpSpPr>
+      <p:grpSpPr>
+        <a:xfrm>
+          <a:off x="0" y="0"/>
+          <a:ext cx="0" cy="0"/>
+          <a:chOff x="0" y="0"/>
+          <a:chExt cx="0" cy="0"/>
+        </a:xfrm>
+      </p:grpSpPr>
+      <p:sp>
+        <p:nvSpPr>
+          <p:cNvPr id="17" name="Title 1">
+            <a:extLst>
+              <a:ext uri="{FF2B5EF4-FFF2-40B4-BE49-F238E27FC236}">
+                <a16:creationId xmlns:a16="http://schemas.microsoft.com/office/drawing/2014/main" id="{DF258E9D-9119-1149-9B49-FE0FF5A3EE5F}"/>
+              </a:ext>
+            </a:extLst>
+          </p:cNvPr>
+          <p:cNvSpPr>
+            <a:spLocks noGrp="1"/>
+          </p:cNvSpPr>
+          <p:nvPr>
+            <p:ph type="title"/>
+          </p:nvPr>
+        </p:nvSpPr>
+        <p:spPr>
+          <a:xfrm>
+            <a:off x="762000" y="7107"/>
+            <a:ext cx="10498930" cy="1359380"/>
+          </a:xfrm>
+        </p:spPr>
+        <p:txBody>
+          <a:bodyPr>
+            <a:normAutofit/>
+          </a:bodyPr>
+          <a:lstStyle/>
+          <a:p>
+            <a:r>
+              <a:rPr lang="en-US" sz="3500" b="1" dirty="0">
+                <a:solidFill>
+                  <a:schemeClr val="accent2"/>
+                </a:solidFill>
+              </a:rPr>
+              <a:t>Profit </a:t>
+            </a:r>
+            <a:r>
+              <a:rPr lang="en-US" sz="3500" b="1" dirty="0" err="1">
+                <a:solidFill>
+                  <a:schemeClr val="accent2"/>
+                </a:solidFill>
+              </a:rPr>
+              <a:t>Analysisz</a:t>
+            </a:r>
+            <a:endParaRPr lang="en-US" sz="3500" b="1" dirty="0">
+              <a:solidFill>
+                <a:schemeClr val="accent2"/>
+              </a:solidFill>
+            </a:endParaRPr>
+          </a:p>
+        </p:txBody>
+      </p:sp>
+      <p:sp>
+        <p:nvSpPr>
+          <p:cNvPr id="3" name="Rectangle 2">
+            <a:extLst>
+              <a:ext uri="{FF2B5EF4-FFF2-40B4-BE49-F238E27FC236}">
+                <a16:creationId xmlns:a16="http://schemas.microsoft.com/office/drawing/2014/main" id="{5379C949-80B5-CA4E-B810-B4F62F4B63E7}"/>
+              </a:ext>
+            </a:extLst>
+          </p:cNvPr>
+          <p:cNvSpPr/>
+          <p:nvPr/>
+        </p:nvSpPr>
+        <p:spPr>
+          <a:xfrm>
+            <a:off x="0" y="0"/>
+            <a:ext cx="12192000" cy="1383912"/>
+          </a:xfrm>
+          <a:prstGeom prst="rect">
+            <a:avLst/>
+          </a:prstGeom>
+          <a:solidFill>
+            <a:schemeClr val="bg2">
+              <a:lumMod val="25000"/>
+            </a:schemeClr>
+          </a:solidFill>
+        </p:spPr>
+        <p:style>
+          <a:lnRef idx="2">
+            <a:schemeClr val="accent1">
+              <a:shade val="50000"/>
+            </a:schemeClr>
+          </a:lnRef>
+          <a:fillRef idx="1">
+            <a:schemeClr val="accent1"/>
+          </a:fillRef>
+          <a:effectRef idx="0">
+            <a:schemeClr val="accent1"/>
+          </a:effectRef>
+          <a:fontRef idx="minor">
+            <a:schemeClr val="lt1"/>
+          </a:fontRef>
+        </p:style>
+        <p:txBody>
+          <a:bodyPr rtlCol="0" anchor="ctr"/>
+          <a:lstStyle/>
+          <a:p>
+            <a:endParaRPr lang="en-US" sz="4400" b="1" dirty="0">
+              <a:solidFill>
+                <a:schemeClr val="bg2">
+                  <a:lumMod val="25000"/>
+                </a:schemeClr>
+              </a:solidFill>
+              <a:latin typeface="Calibri" panose="020F0502020204030204" pitchFamily="34" charset="0"/>
+              <a:cs typeface="Calibri" panose="020F0502020204030204" pitchFamily="34" charset="0"/>
+            </a:endParaRPr>
+          </a:p>
+        </p:txBody>
+      </p:sp>
+      <p:sp>
+        <p:nvSpPr>
+          <p:cNvPr id="10" name="Footer Placeholder 9">
+            <a:extLst>
+              <a:ext uri="{FF2B5EF4-FFF2-40B4-BE49-F238E27FC236}">
+                <a16:creationId xmlns:a16="http://schemas.microsoft.com/office/drawing/2014/main" id="{561127C0-5A56-7F49-BF00-FA73BB10B307}"/>
+              </a:ext>
+            </a:extLst>
+          </p:cNvPr>
+          <p:cNvSpPr>
+            <a:spLocks noGrp="1"/>
+          </p:cNvSpPr>
+          <p:nvPr>
+            <p:ph type="ftr" sz="quarter" idx="11"/>
+          </p:nvPr>
+        </p:nvSpPr>
+        <p:spPr/>
+        <p:txBody>
+          <a:bodyPr/>
+          <a:lstStyle/>
+          <a:p>
+            <a:r>
+              <a:rPr lang="en-US"/>
+              <a:t>G2M Insight for Cab Investment</a:t>
+            </a:r>
+          </a:p>
+        </p:txBody>
+      </p:sp>
+      <p:sp>
+        <p:nvSpPr>
+          <p:cNvPr id="11" name="Slide Number Placeholder 10">
+            <a:extLst>
+              <a:ext uri="{FF2B5EF4-FFF2-40B4-BE49-F238E27FC236}">
+                <a16:creationId xmlns:a16="http://schemas.microsoft.com/office/drawing/2014/main" id="{948C9FE8-F0E4-A94B-9D74-695B027DF9F2}"/>
+              </a:ext>
+            </a:extLst>
+          </p:cNvPr>
+          <p:cNvSpPr>
+            <a:spLocks noGrp="1"/>
+          </p:cNvSpPr>
+          <p:nvPr>
+            <p:ph type="sldNum" sz="quarter" idx="12"/>
+          </p:nvPr>
+        </p:nvSpPr>
+        <p:spPr/>
+        <p:txBody>
+          <a:bodyPr/>
+          <a:lstStyle/>
+          <a:p>
+            <a:fld id="{F3281B17-8789-6B4C-B449-7FC9CCFFE3A3}" type="slidenum">
+              <a:rPr lang="en-US" smtClean="0"/>
+              <a:t>38</a:t>
+            </a:fld>
+            <a:endParaRPr lang="en-US"/>
+          </a:p>
+        </p:txBody>
+      </p:sp>
+      <p:sp>
+        <p:nvSpPr>
+          <p:cNvPr id="18" name="Date Placeholder 17">
+            <a:extLst>
+              <a:ext uri="{FF2B5EF4-FFF2-40B4-BE49-F238E27FC236}">
+                <a16:creationId xmlns:a16="http://schemas.microsoft.com/office/drawing/2014/main" id="{CF44F1BE-F959-954D-A3C9-A3118657260E}"/>
+              </a:ext>
+            </a:extLst>
+          </p:cNvPr>
+          <p:cNvSpPr>
+            <a:spLocks noGrp="1"/>
+          </p:cNvSpPr>
+          <p:nvPr>
+            <p:ph type="dt" sz="half" idx="10"/>
+          </p:nvPr>
+        </p:nvSpPr>
+        <p:spPr/>
+        <p:txBody>
+          <a:bodyPr/>
+          <a:lstStyle/>
+          <a:p>
+            <a:fld id="{21541C24-3BF6-194F-8030-81F46A112F1E}" type="datetime1">
+              <a:rPr lang="en-CA" smtClean="0"/>
+              <a:t>2022-04-26</a:t>
+            </a:fld>
+            <a:endParaRPr lang="en-US"/>
+          </a:p>
+        </p:txBody>
+      </p:sp>
+      <p:sp>
+        <p:nvSpPr>
+          <p:cNvPr id="21" name="Title 1">
+            <a:extLst>
+              <a:ext uri="{FF2B5EF4-FFF2-40B4-BE49-F238E27FC236}">
+                <a16:creationId xmlns:a16="http://schemas.microsoft.com/office/drawing/2014/main" id="{08C2AEF5-5E61-9647-9AF9-338224AB51BF}"/>
+              </a:ext>
+            </a:extLst>
+          </p:cNvPr>
+          <p:cNvSpPr txBox="1">
+            <a:spLocks/>
+          </p:cNvSpPr>
+          <p:nvPr/>
+        </p:nvSpPr>
+        <p:spPr>
+          <a:xfrm>
+            <a:off x="838200" y="46037"/>
+            <a:ext cx="10515600" cy="1325563"/>
+          </a:xfrm>
+          <a:prstGeom prst="rect">
+            <a:avLst/>
+          </a:prstGeom>
+        </p:spPr>
+        <p:txBody>
+          <a:bodyPr vert="horz" lIns="91440" tIns="45720" rIns="91440" bIns="45720" rtlCol="0" anchor="ctr">
+            <a:normAutofit/>
+          </a:bodyPr>
+          <a:lstStyle>
+            <a:lvl1pPr algn="l" defTabSz="914400" rtl="0" eaLnBrk="1" latinLnBrk="0" hangingPunct="1">
+              <a:lnSpc>
+                <a:spcPct val="90000"/>
+              </a:lnSpc>
+              <a:spcBef>
+                <a:spcPct val="0"/>
+              </a:spcBef>
+              <a:buNone/>
+              <a:defRPr sz="4400" kern="1200">
+                <a:solidFill>
+                  <a:schemeClr val="tx1"/>
+                </a:solidFill>
+                <a:latin typeface="+mj-lt"/>
+                <a:ea typeface="+mj-ea"/>
+                <a:cs typeface="+mj-cs"/>
+              </a:defRPr>
+            </a:lvl1pPr>
+          </a:lstStyle>
+          <a:p>
+            <a:r>
+              <a:rPr lang="en-US" b="1" dirty="0">
+                <a:solidFill>
+                  <a:schemeClr val="accent2"/>
+                </a:solidFill>
+                <a:latin typeface="Calibri" panose="020F0502020204030204" pitchFamily="34" charset="0"/>
+                <a:cs typeface="Calibri" panose="020F0502020204030204" pitchFamily="34" charset="0"/>
+              </a:rPr>
+              <a:t>EDA - Profit Margin vs User income</a:t>
+            </a:r>
+          </a:p>
+        </p:txBody>
+      </p:sp>
+      <p:sp>
+        <p:nvSpPr>
+          <p:cNvPr id="12" name="TextBox 11">
+            <a:extLst>
+              <a:ext uri="{FF2B5EF4-FFF2-40B4-BE49-F238E27FC236}">
+                <a16:creationId xmlns:a16="http://schemas.microsoft.com/office/drawing/2014/main" id="{68C5EDBD-2F9F-D2A9-E3EB-B8351881B5DB}"/>
+              </a:ext>
+            </a:extLst>
+          </p:cNvPr>
+          <p:cNvSpPr txBox="1"/>
+          <p:nvPr/>
+        </p:nvSpPr>
+        <p:spPr>
+          <a:xfrm>
+            <a:off x="431800" y="1634930"/>
+            <a:ext cx="5129393" cy="923330"/>
+          </a:xfrm>
+          <a:prstGeom prst="rect">
+            <a:avLst/>
+          </a:prstGeom>
+          <a:noFill/>
+        </p:spPr>
+        <p:txBody>
+          <a:bodyPr wrap="square" rtlCol="0">
+            <a:spAutoFit/>
+          </a:bodyPr>
+          <a:lstStyle/>
+          <a:p>
+            <a:pPr marL="285750" indent="-285750">
+              <a:buFont typeface="Arial" panose="020B0604020202020204" pitchFamily="34" charset="0"/>
+              <a:buChar char="•"/>
+            </a:pPr>
+            <a:r>
+              <a:rPr lang="en-CA" dirty="0"/>
+              <a:t>The profit margins of the Yellow Cab and Pink Cab come from users with incomes/month ranging from $5,000 to $25,000. Most use a Yellow cab.</a:t>
+            </a:r>
+          </a:p>
+        </p:txBody>
+      </p:sp>
+      <p:pic>
+        <p:nvPicPr>
+          <p:cNvPr id="7" name="Picture 6" descr="Chart, bar chart&#10;&#10;Description automatically generated">
+            <a:extLst>
+              <a:ext uri="{FF2B5EF4-FFF2-40B4-BE49-F238E27FC236}">
+                <a16:creationId xmlns:a16="http://schemas.microsoft.com/office/drawing/2014/main" id="{57EFE3B4-553E-6B28-ED97-C445B2B8BD48}"/>
+              </a:ext>
+            </a:extLst>
+          </p:cNvPr>
+          <p:cNvPicPr>
+            <a:picLocks noChangeAspect="1"/>
+          </p:cNvPicPr>
+          <p:nvPr/>
+        </p:nvPicPr>
+        <p:blipFill>
+          <a:blip r:embed="rId2"/>
+          <a:stretch>
+            <a:fillRect/>
+          </a:stretch>
+        </p:blipFill>
+        <p:spPr>
+          <a:xfrm>
+            <a:off x="2841597" y="2526708"/>
+            <a:ext cx="6339736" cy="3970130"/>
+          </a:xfrm>
+          <a:prstGeom prst="rect">
+            <a:avLst/>
+          </a:prstGeom>
+        </p:spPr>
+      </p:pic>
+    </p:spTree>
+    <p:extLst>
+      <p:ext uri="{BB962C8B-B14F-4D97-AF65-F5344CB8AC3E}">
+        <p14:creationId xmlns:p14="http://schemas.microsoft.com/office/powerpoint/2010/main" val="626477728"/>
+      </p:ext>
+    </p:extLst>
+  </p:cSld>
+  <p:clrMapOvr>
+    <a:masterClrMapping/>
+  </p:clrMapOvr>
+</p:sld>
+</file>
+
+<file path=ppt/slides/slide39.xml><?xml version="1.0" encoding="utf-8"?>
+<p:sld xmlns:a="http://schemas.openxmlformats.org/drawingml/2006/main" xmlns:r="http://schemas.openxmlformats.org/officeDocument/2006/relationships" xmlns:p="http://schemas.openxmlformats.org/presentationml/2006/main">
+  <p:cSld>
+    <p:spTree>
+      <p:nvGrpSpPr>
+        <p:cNvPr id="1" name=""/>
+        <p:cNvGrpSpPr/>
+        <p:nvPr/>
+      </p:nvGrpSpPr>
+      <p:grpSpPr>
+        <a:xfrm>
+          <a:off x="0" y="0"/>
+          <a:ext cx="0" cy="0"/>
+          <a:chOff x="0" y="0"/>
+          <a:chExt cx="0" cy="0"/>
+        </a:xfrm>
+      </p:grpSpPr>
+      <p:sp>
+        <p:nvSpPr>
+          <p:cNvPr id="9" name="TextBox 8">
+            <a:extLst>
+              <a:ext uri="{FF2B5EF4-FFF2-40B4-BE49-F238E27FC236}">
+                <a16:creationId xmlns:a16="http://schemas.microsoft.com/office/drawing/2014/main" id="{0087AA53-A2BE-554B-AAE4-C6D527006499}"/>
+              </a:ext>
+            </a:extLst>
+          </p:cNvPr>
+          <p:cNvSpPr txBox="1"/>
+          <p:nvPr/>
+        </p:nvSpPr>
+        <p:spPr>
+          <a:xfrm>
+            <a:off x="762000" y="1595021"/>
+            <a:ext cx="11430000" cy="4247317"/>
+          </a:xfrm>
+          <a:prstGeom prst="rect">
+            <a:avLst/>
+          </a:prstGeom>
+          <a:noFill/>
+        </p:spPr>
+        <p:txBody>
+          <a:bodyPr wrap="square" rtlCol="0">
+            <a:spAutoFit/>
+          </a:bodyPr>
+          <a:lstStyle/>
+          <a:p>
+            <a:r>
+              <a:rPr lang="en-CA" b="1" dirty="0"/>
+              <a:t>Conclusions from the Analysis</a:t>
+            </a:r>
+          </a:p>
+          <a:p>
+            <a:endParaRPr lang="en-CA" b="1" dirty="0"/>
+          </a:p>
+          <a:p>
+            <a:pPr marL="342900" indent="-342900">
+              <a:buFont typeface="+mj-lt"/>
+              <a:buAutoNum type="arabicPeriod"/>
+            </a:pPr>
+            <a:r>
+              <a:rPr lang="en-CA" dirty="0"/>
+              <a:t>Evaluating all time period scenarios (Day, Weekday, Month and Year) in average, Yellow Cab always presents more cab users and so a better profit margin. </a:t>
+            </a:r>
+          </a:p>
+          <a:p>
+            <a:pPr marL="342900" indent="-342900">
+              <a:buFont typeface="+mj-lt"/>
+              <a:buAutoNum type="arabicPeriod"/>
+            </a:pPr>
+            <a:r>
+              <a:rPr lang="en-CA" dirty="0"/>
+              <a:t>The profit margin increases with the increase in the number of customers. However, this increase is not proportional, as it varies according to each city and the cities charges differently.</a:t>
+            </a:r>
+          </a:p>
+          <a:p>
+            <a:pPr marL="342900" indent="-342900">
+              <a:buFont typeface="+mj-lt"/>
+              <a:buAutoNum type="arabicPeriod"/>
+            </a:pPr>
+            <a:r>
+              <a:rPr lang="en-CA" dirty="0"/>
+              <a:t>NY represents about 57% of the total profit of the two cab companies combined. 86% of all cabs in NY are Yellow Cab.</a:t>
+            </a:r>
+          </a:p>
+          <a:p>
+            <a:pPr marL="342900" indent="-342900">
+              <a:buFont typeface="+mj-lt"/>
+              <a:buAutoNum type="arabicPeriod"/>
+            </a:pPr>
+            <a:r>
+              <a:rPr lang="en-CA" dirty="0"/>
+              <a:t>Yellow cab owns 89% of the total profit margin made by both cab companies </a:t>
+            </a:r>
+          </a:p>
+          <a:p>
+            <a:pPr marL="342900" indent="-342900">
+              <a:buFont typeface="+mj-lt"/>
+              <a:buAutoNum type="arabicPeriod"/>
+            </a:pPr>
+            <a:r>
+              <a:rPr lang="en-CA" dirty="0"/>
+              <a:t>Analyzing the 20 most frequent cab users, we observe a preference for Yellow cab.</a:t>
+            </a:r>
+          </a:p>
+          <a:p>
+            <a:pPr marL="342900" indent="-342900">
+              <a:buFont typeface="+mj-lt"/>
+              <a:buAutoNum type="arabicPeriod"/>
+            </a:pPr>
+            <a:r>
+              <a:rPr lang="en-CA" dirty="0"/>
+              <a:t>Based on the contingency tables we can infer that Yellow Cab company has ~76.5% of the all available cabs (when compared with Pink Cab).</a:t>
+            </a:r>
+          </a:p>
+          <a:p>
+            <a:br>
+              <a:rPr lang="en-CA" b="1" dirty="0"/>
+            </a:br>
+            <a:r>
+              <a:rPr lang="en-CA" dirty="0">
+                <a:solidFill>
+                  <a:srgbClr val="FF0000"/>
+                </a:solidFill>
+              </a:rPr>
+              <a:t>The </a:t>
+            </a:r>
+            <a:r>
+              <a:rPr lang="en-CA" b="1" dirty="0">
+                <a:solidFill>
+                  <a:srgbClr val="FF0000"/>
+                </a:solidFill>
+              </a:rPr>
+              <a:t>Yellow cab</a:t>
+            </a:r>
+            <a:r>
+              <a:rPr lang="en-CA" dirty="0">
+                <a:solidFill>
+                  <a:srgbClr val="FF0000"/>
+                </a:solidFill>
+              </a:rPr>
+              <a:t> is an older company on the market, with a higher profit margin, probably more cars on the streets and has also a greater user fidelity. For that reason we recommend Yellow Cab as the company to invest in.</a:t>
+            </a:r>
+          </a:p>
+        </p:txBody>
+      </p:sp>
+      <p:sp>
+        <p:nvSpPr>
+          <p:cNvPr id="4" name="Rectangle 3">
+            <a:extLst>
+              <a:ext uri="{FF2B5EF4-FFF2-40B4-BE49-F238E27FC236}">
+                <a16:creationId xmlns:a16="http://schemas.microsoft.com/office/drawing/2014/main" id="{B2BD046D-D4D3-5C48-9D68-AE42423390A9}"/>
+              </a:ext>
+            </a:extLst>
+          </p:cNvPr>
+          <p:cNvSpPr/>
+          <p:nvPr/>
+        </p:nvSpPr>
+        <p:spPr>
+          <a:xfrm>
+            <a:off x="0" y="0"/>
+            <a:ext cx="12192000" cy="1383912"/>
+          </a:xfrm>
+          <a:prstGeom prst="rect">
+            <a:avLst/>
+          </a:prstGeom>
+          <a:solidFill>
+            <a:schemeClr val="bg2">
+              <a:lumMod val="25000"/>
+            </a:schemeClr>
+          </a:solidFill>
+        </p:spPr>
+        <p:style>
+          <a:lnRef idx="2">
+            <a:schemeClr val="accent1">
+              <a:shade val="50000"/>
+            </a:schemeClr>
+          </a:lnRef>
+          <a:fillRef idx="1">
+            <a:schemeClr val="accent1"/>
+          </a:fillRef>
+          <a:effectRef idx="0">
+            <a:schemeClr val="accent1"/>
+          </a:effectRef>
+          <a:fontRef idx="minor">
+            <a:schemeClr val="lt1"/>
+          </a:fontRef>
+        </p:style>
+        <p:txBody>
+          <a:bodyPr rtlCol="0" anchor="ctr"/>
+          <a:lstStyle/>
+          <a:p>
+            <a:endParaRPr lang="en-US" sz="4400" dirty="0">
+              <a:solidFill>
+                <a:schemeClr val="accent2"/>
+              </a:solidFill>
+              <a:latin typeface="+mj-lt"/>
+            </a:endParaRPr>
+          </a:p>
+        </p:txBody>
+      </p:sp>
+      <p:sp>
+        <p:nvSpPr>
+          <p:cNvPr id="6" name="Footer Placeholder 5">
+            <a:extLst>
+              <a:ext uri="{FF2B5EF4-FFF2-40B4-BE49-F238E27FC236}">
+                <a16:creationId xmlns:a16="http://schemas.microsoft.com/office/drawing/2014/main" id="{420E9FCD-1693-7346-9175-71C4CBDA0535}"/>
+              </a:ext>
+            </a:extLst>
+          </p:cNvPr>
+          <p:cNvSpPr>
+            <a:spLocks noGrp="1"/>
+          </p:cNvSpPr>
+          <p:nvPr>
+            <p:ph type="ftr" sz="quarter" idx="11"/>
+          </p:nvPr>
+        </p:nvSpPr>
+        <p:spPr/>
+        <p:txBody>
+          <a:bodyPr/>
+          <a:lstStyle/>
+          <a:p>
+            <a:r>
+              <a:rPr lang="en-US"/>
+              <a:t>G2M Insight for Cab Investment</a:t>
+            </a:r>
+          </a:p>
+        </p:txBody>
+      </p:sp>
+      <p:sp>
+        <p:nvSpPr>
+          <p:cNvPr id="7" name="Slide Number Placeholder 6">
+            <a:extLst>
+              <a:ext uri="{FF2B5EF4-FFF2-40B4-BE49-F238E27FC236}">
+                <a16:creationId xmlns:a16="http://schemas.microsoft.com/office/drawing/2014/main" id="{E671CA2D-18D7-424E-8908-0DE5B0AC3485}"/>
+              </a:ext>
+            </a:extLst>
+          </p:cNvPr>
+          <p:cNvSpPr>
+            <a:spLocks noGrp="1"/>
+          </p:cNvSpPr>
+          <p:nvPr>
+            <p:ph type="sldNum" sz="quarter" idx="12"/>
+          </p:nvPr>
+        </p:nvSpPr>
+        <p:spPr/>
+        <p:txBody>
+          <a:bodyPr/>
+          <a:lstStyle/>
+          <a:p>
+            <a:fld id="{F3281B17-8789-6B4C-B449-7FC9CCFFE3A3}" type="slidenum">
+              <a:rPr lang="en-US" smtClean="0"/>
+              <a:t>39</a:t>
+            </a:fld>
+            <a:endParaRPr lang="en-US"/>
+          </a:p>
+        </p:txBody>
+      </p:sp>
+      <p:sp>
+        <p:nvSpPr>
+          <p:cNvPr id="8" name="Date Placeholder 7">
+            <a:extLst>
+              <a:ext uri="{FF2B5EF4-FFF2-40B4-BE49-F238E27FC236}">
+                <a16:creationId xmlns:a16="http://schemas.microsoft.com/office/drawing/2014/main" id="{1B32E065-E83F-B641-BB14-4E5600492B6C}"/>
+              </a:ext>
+            </a:extLst>
+          </p:cNvPr>
+          <p:cNvSpPr>
+            <a:spLocks noGrp="1"/>
+          </p:cNvSpPr>
+          <p:nvPr>
+            <p:ph type="dt" sz="half" idx="10"/>
+          </p:nvPr>
+        </p:nvSpPr>
+        <p:spPr/>
+        <p:txBody>
+          <a:bodyPr/>
+          <a:lstStyle/>
+          <a:p>
+            <a:fld id="{6EDA7DBE-3659-4245-B8A5-72421ED83F28}" type="datetime1">
+              <a:rPr lang="en-CA" smtClean="0"/>
+              <a:t>2022-04-26</a:t>
+            </a:fld>
+            <a:endParaRPr lang="en-US"/>
+          </a:p>
+        </p:txBody>
+      </p:sp>
+      <p:sp>
+        <p:nvSpPr>
+          <p:cNvPr id="10" name="Title 1">
+            <a:extLst>
+              <a:ext uri="{FF2B5EF4-FFF2-40B4-BE49-F238E27FC236}">
+                <a16:creationId xmlns:a16="http://schemas.microsoft.com/office/drawing/2014/main" id="{8E7CB50E-1713-0042-B283-D5DD4CF77834}"/>
+              </a:ext>
+            </a:extLst>
+          </p:cNvPr>
+          <p:cNvSpPr>
+            <a:spLocks noGrp="1"/>
+          </p:cNvSpPr>
+          <p:nvPr>
+            <p:ph type="title"/>
+          </p:nvPr>
+        </p:nvSpPr>
+        <p:spPr>
+          <a:xfrm>
+            <a:off x="838200" y="46037"/>
+            <a:ext cx="10515600" cy="1325563"/>
+          </a:xfrm>
+        </p:spPr>
+        <p:txBody>
+          <a:bodyPr>
+            <a:normAutofit/>
+          </a:bodyPr>
+          <a:lstStyle/>
+          <a:p>
+            <a:r>
+              <a:rPr lang="en-US" b="1" dirty="0">
+                <a:solidFill>
+                  <a:schemeClr val="accent2"/>
+                </a:solidFill>
+                <a:latin typeface="Calibri" panose="020F0502020204030204" pitchFamily="34" charset="0"/>
+                <a:cs typeface="Calibri" panose="020F0502020204030204" pitchFamily="34" charset="0"/>
+              </a:rPr>
+              <a:t>Recommendations</a:t>
+            </a:r>
+          </a:p>
+        </p:txBody>
+      </p:sp>
+    </p:spTree>
+    <p:extLst>
+      <p:ext uri="{BB962C8B-B14F-4D97-AF65-F5344CB8AC3E}">
+        <p14:creationId xmlns:p14="http://schemas.microsoft.com/office/powerpoint/2010/main" val="3544474714"/>
+      </p:ext>
+    </p:extLst>
+  </p:cSld>
+  <p:clrMapOvr>
+    <a:masterClrMapping/>
+  </p:clrMapOvr>
+</p:sld>
+</file>
+
+<file path=ppt/slides/slide4.xml><?xml version="1.0" encoding="utf-8"?>
+<p:sld xmlns:a="http://schemas.openxmlformats.org/drawingml/2006/main" xmlns:r="http://schemas.openxmlformats.org/officeDocument/2006/relationships" xmlns:p="http://schemas.openxmlformats.org/presentationml/2006/main">
+  <p:cSld>
+    <p:spTree>
+      <p:nvGrpSpPr>
+        <p:cNvPr id="1" name=""/>
+        <p:cNvGrpSpPr/>
+        <p:nvPr/>
+      </p:nvGrpSpPr>
+      <p:grpSpPr>
+        <a:xfrm>
+          <a:off x="0" y="0"/>
+          <a:ext cx="0" cy="0"/>
+          <a:chOff x="0" y="0"/>
+          <a:chExt cx="0" cy="0"/>
+        </a:xfrm>
+      </p:grpSpPr>
+      <p:sp>
+        <p:nvSpPr>
+          <p:cNvPr id="3" name="Content Placeholder 2">
+            <a:extLst>
+              <a:ext uri="{FF2B5EF4-FFF2-40B4-BE49-F238E27FC236}">
+                <a16:creationId xmlns:a16="http://schemas.microsoft.com/office/drawing/2014/main" id="{82C5C5A3-2E84-0849-82EA-36D2326D3784}"/>
+              </a:ext>
+            </a:extLst>
+          </p:cNvPr>
+          <p:cNvSpPr>
+            <a:spLocks noGrp="1"/>
+          </p:cNvSpPr>
+          <p:nvPr>
+            <p:ph idx="1"/>
+          </p:nvPr>
+        </p:nvSpPr>
+        <p:spPr>
+          <a:xfrm>
+            <a:off x="762000" y="1812608"/>
+            <a:ext cx="10515600" cy="4351338"/>
+          </a:xfrm>
+        </p:spPr>
+        <p:txBody>
+          <a:bodyPr>
+            <a:normAutofit/>
+          </a:bodyPr>
+          <a:lstStyle/>
+          <a:p>
+            <a:r>
+              <a:rPr lang="en-US" sz="1800" dirty="0"/>
+              <a:t>Client: XYZ is a private firm in US planning an investment in the cab industry.</a:t>
+            </a:r>
+          </a:p>
+          <a:p>
+            <a:pPr marL="0" indent="0">
+              <a:buNone/>
+            </a:pPr>
+            <a:endParaRPr lang="en-US" sz="1800" dirty="0"/>
+          </a:p>
+          <a:p>
+            <a:r>
+              <a:rPr lang="en-US" sz="1800" dirty="0"/>
+              <a:t>Objective: Provide insights to identify the best Cab company between Pink Cab and Yellow Cab for investments.</a:t>
+            </a:r>
+          </a:p>
+          <a:p>
+            <a:endParaRPr lang="en-US" sz="1800" dirty="0"/>
+          </a:p>
+          <a:p>
+            <a:pPr marL="0" indent="0">
+              <a:buNone/>
+            </a:pPr>
+            <a:r>
+              <a:rPr lang="en-US" sz="1800" dirty="0"/>
+              <a:t>The analysis has been divided into two parts: </a:t>
+            </a:r>
+          </a:p>
+          <a:p>
+            <a:r>
+              <a:rPr lang="en-US" sz="1800" dirty="0"/>
+              <a:t>Exploratory Data Analysis (EDA) </a:t>
+            </a:r>
+          </a:p>
+          <a:p>
+            <a:r>
+              <a:rPr lang="en-US" sz="1800" dirty="0"/>
+              <a:t>Recommendations for investment</a:t>
+            </a:r>
+          </a:p>
+        </p:txBody>
+      </p:sp>
+      <p:sp>
+        <p:nvSpPr>
+          <p:cNvPr id="4" name="Rectangle 3">
+            <a:extLst>
+              <a:ext uri="{FF2B5EF4-FFF2-40B4-BE49-F238E27FC236}">
+                <a16:creationId xmlns:a16="http://schemas.microsoft.com/office/drawing/2014/main" id="{DD7B960C-F6E1-AE45-98A6-122DB2A97B5B}"/>
+              </a:ext>
+            </a:extLst>
+          </p:cNvPr>
+          <p:cNvSpPr/>
+          <p:nvPr/>
+        </p:nvSpPr>
+        <p:spPr>
+          <a:xfrm>
+            <a:off x="0" y="0"/>
+            <a:ext cx="12192000" cy="1371600"/>
+          </a:xfrm>
+          <a:prstGeom prst="rect">
+            <a:avLst/>
+          </a:prstGeom>
+          <a:solidFill>
+            <a:schemeClr val="bg2">
+              <a:lumMod val="25000"/>
+            </a:schemeClr>
+          </a:solidFill>
+        </p:spPr>
+        <p:style>
+          <a:lnRef idx="2">
+            <a:schemeClr val="accent1">
+              <a:shade val="50000"/>
+            </a:schemeClr>
+          </a:lnRef>
+          <a:fillRef idx="1">
+            <a:schemeClr val="accent1"/>
+          </a:fillRef>
+          <a:effectRef idx="0">
+            <a:schemeClr val="accent1"/>
+          </a:effectRef>
+          <a:fontRef idx="minor">
+            <a:schemeClr val="lt1"/>
+          </a:fontRef>
+        </p:style>
+        <p:txBody>
+          <a:bodyPr rtlCol="0" anchor="ctr"/>
+          <a:lstStyle/>
+          <a:p>
+            <a:pPr algn="ctr"/>
+            <a:endParaRPr lang="en-US"/>
+          </a:p>
+        </p:txBody>
+      </p:sp>
+      <p:sp>
+        <p:nvSpPr>
+          <p:cNvPr id="6" name="Title 1">
+            <a:extLst>
+              <a:ext uri="{FF2B5EF4-FFF2-40B4-BE49-F238E27FC236}">
+                <a16:creationId xmlns:a16="http://schemas.microsoft.com/office/drawing/2014/main" id="{C526CBCB-8ADA-0E48-96D7-11EEE40222DD}"/>
+              </a:ext>
+            </a:extLst>
+          </p:cNvPr>
+          <p:cNvSpPr>
+            <a:spLocks noGrp="1"/>
+          </p:cNvSpPr>
+          <p:nvPr>
+            <p:ph type="title"/>
+          </p:nvPr>
+        </p:nvSpPr>
+        <p:spPr>
+          <a:xfrm>
+            <a:off x="838200" y="46037"/>
+            <a:ext cx="10515600" cy="1325563"/>
+          </a:xfrm>
+        </p:spPr>
+        <p:txBody>
+          <a:bodyPr>
+            <a:normAutofit/>
+          </a:bodyPr>
+          <a:lstStyle/>
+          <a:p>
+            <a:r>
+              <a:rPr lang="en-US" b="1" dirty="0">
+                <a:solidFill>
+                  <a:schemeClr val="accent2"/>
+                </a:solidFill>
+                <a:latin typeface="Calibri" panose="020F0502020204030204" pitchFamily="34" charset="0"/>
+                <a:cs typeface="Calibri" panose="020F0502020204030204" pitchFamily="34" charset="0"/>
+              </a:rPr>
+              <a:t>Problem Statement</a:t>
+            </a:r>
+          </a:p>
+        </p:txBody>
+      </p:sp>
+      <p:sp>
+        <p:nvSpPr>
+          <p:cNvPr id="8" name="Footer Placeholder 7">
+            <a:extLst>
+              <a:ext uri="{FF2B5EF4-FFF2-40B4-BE49-F238E27FC236}">
+                <a16:creationId xmlns:a16="http://schemas.microsoft.com/office/drawing/2014/main" id="{B4D5DAE1-DFF0-A246-BD4A-466395A583AE}"/>
+              </a:ext>
+            </a:extLst>
+          </p:cNvPr>
+          <p:cNvSpPr>
+            <a:spLocks noGrp="1"/>
+          </p:cNvSpPr>
+          <p:nvPr>
+            <p:ph type="ftr" sz="quarter" idx="11"/>
+          </p:nvPr>
+        </p:nvSpPr>
+        <p:spPr/>
+        <p:txBody>
+          <a:bodyPr/>
+          <a:lstStyle/>
+          <a:p>
+            <a:r>
+              <a:rPr lang="en-US"/>
+              <a:t>G2M Insight for Cab Investment</a:t>
+            </a:r>
+          </a:p>
+        </p:txBody>
+      </p:sp>
+      <p:sp>
+        <p:nvSpPr>
+          <p:cNvPr id="9" name="Slide Number Placeholder 8">
+            <a:extLst>
+              <a:ext uri="{FF2B5EF4-FFF2-40B4-BE49-F238E27FC236}">
+                <a16:creationId xmlns:a16="http://schemas.microsoft.com/office/drawing/2014/main" id="{D0D49C96-DAFC-6249-87F5-27BBCF5395A4}"/>
+              </a:ext>
+            </a:extLst>
+          </p:cNvPr>
+          <p:cNvSpPr>
+            <a:spLocks noGrp="1"/>
+          </p:cNvSpPr>
+          <p:nvPr>
+            <p:ph type="sldNum" sz="quarter" idx="12"/>
+          </p:nvPr>
+        </p:nvSpPr>
+        <p:spPr/>
+        <p:txBody>
+          <a:bodyPr/>
+          <a:lstStyle/>
+          <a:p>
+            <a:fld id="{F3281B17-8789-6B4C-B449-7FC9CCFFE3A3}" type="slidenum">
+              <a:rPr lang="en-US" smtClean="0"/>
+              <a:t>4</a:t>
+            </a:fld>
+            <a:endParaRPr lang="en-US"/>
+          </a:p>
+        </p:txBody>
+      </p:sp>
+      <p:sp>
+        <p:nvSpPr>
+          <p:cNvPr id="10" name="Date Placeholder 9">
+            <a:extLst>
+              <a:ext uri="{FF2B5EF4-FFF2-40B4-BE49-F238E27FC236}">
+                <a16:creationId xmlns:a16="http://schemas.microsoft.com/office/drawing/2014/main" id="{56244276-3713-DB47-9584-B385754C8DB2}"/>
+              </a:ext>
+            </a:extLst>
+          </p:cNvPr>
+          <p:cNvSpPr>
+            <a:spLocks noGrp="1"/>
+          </p:cNvSpPr>
+          <p:nvPr>
+            <p:ph type="dt" sz="half" idx="10"/>
+          </p:nvPr>
+        </p:nvSpPr>
+        <p:spPr/>
+        <p:txBody>
+          <a:bodyPr/>
+          <a:lstStyle/>
+          <a:p>
+            <a:fld id="{203C582D-0D12-454B-B181-E3433C2D7028}" type="datetime1">
+              <a:rPr lang="en-CA" smtClean="0"/>
+              <a:t>2022-04-26</a:t>
+            </a:fld>
+            <a:endParaRPr lang="en-US" dirty="0"/>
+          </a:p>
+        </p:txBody>
+      </p:sp>
+    </p:spTree>
+    <p:extLst>
+      <p:ext uri="{BB962C8B-B14F-4D97-AF65-F5344CB8AC3E}">
+        <p14:creationId xmlns:p14="http://schemas.microsoft.com/office/powerpoint/2010/main" val="1440040495"/>
+      </p:ext>
+    </p:extLst>
+  </p:cSld>
+  <p:clrMapOvr>
+    <a:masterClrMapping/>
+  </p:clrMapOvr>
+</p:sld>
+</file>
+
+<file path=ppt/slides/slide40.xml><?xml version="1.0" encoding="utf-8"?>
+<p:sld xmlns:a="http://schemas.openxmlformats.org/drawingml/2006/main" xmlns:r="http://schemas.openxmlformats.org/officeDocument/2006/relationships" xmlns:p="http://schemas.openxmlformats.org/presentationml/2006/main">
+  <p:cSld>
+    <p:spTree>
+      <p:nvGrpSpPr>
+        <p:cNvPr id="1" name=""/>
+        <p:cNvGrpSpPr/>
+        <p:nvPr/>
+      </p:nvGrpSpPr>
+      <p:grpSpPr>
+        <a:xfrm>
+          <a:off x="0" y="0"/>
+          <a:ext cx="0" cy="0"/>
+          <a:chOff x="0" y="0"/>
+          <a:chExt cx="0" cy="0"/>
+        </a:xfrm>
+      </p:grpSpPr>
+      <p:sp>
+        <p:nvSpPr>
+          <p:cNvPr id="6" name="Subtitle 5">
+            <a:extLst>
+              <a:ext uri="{FF2B5EF4-FFF2-40B4-BE49-F238E27FC236}">
+                <a16:creationId xmlns:a16="http://schemas.microsoft.com/office/drawing/2014/main" id="{2D4BA697-580E-5544-8F2F-194AD99B859F}"/>
+              </a:ext>
+            </a:extLst>
+          </p:cNvPr>
+          <p:cNvSpPr>
+            <a:spLocks noGrp="1"/>
+          </p:cNvSpPr>
+          <p:nvPr>
+            <p:ph type="subTitle" idx="1"/>
+          </p:nvPr>
+        </p:nvSpPr>
+        <p:spPr>
+          <a:xfrm>
+            <a:off x="6319522" y="2601119"/>
+            <a:ext cx="5558973" cy="1655762"/>
+          </a:xfrm>
+        </p:spPr>
+        <p:txBody>
+          <a:bodyPr anchor="t">
+            <a:normAutofit/>
+          </a:bodyPr>
+          <a:lstStyle/>
+          <a:p>
+            <a:r>
+              <a:rPr lang="en-US" sz="7200" b="1" dirty="0">
+                <a:solidFill>
+                  <a:srgbClr val="FF6600"/>
+                </a:solidFill>
+                <a:latin typeface="Calibri" panose="020F0502020204030204" pitchFamily="34" charset="0"/>
+                <a:cs typeface="Calibri" panose="020F0502020204030204" pitchFamily="34" charset="0"/>
+              </a:rPr>
+              <a:t>Thank You</a:t>
+            </a:r>
+          </a:p>
+          <a:p>
+            <a:endParaRPr lang="en-US" sz="6600" dirty="0">
+              <a:solidFill>
+                <a:srgbClr val="FF6600"/>
+              </a:solidFill>
+            </a:endParaRPr>
+          </a:p>
+        </p:txBody>
+      </p:sp>
+      <p:sp>
+        <p:nvSpPr>
+          <p:cNvPr id="3" name="Rectangle 2">
+            <a:extLst>
+              <a:ext uri="{FF2B5EF4-FFF2-40B4-BE49-F238E27FC236}">
+                <a16:creationId xmlns:a16="http://schemas.microsoft.com/office/drawing/2014/main" id="{49C08CB0-2E68-164C-9080-887E2D20B522}"/>
+              </a:ext>
+            </a:extLst>
+          </p:cNvPr>
+          <p:cNvSpPr/>
+          <p:nvPr/>
+        </p:nvSpPr>
+        <p:spPr>
+          <a:xfrm>
+            <a:off x="0" y="0"/>
+            <a:ext cx="5872480" cy="6858000"/>
+          </a:xfrm>
+          <a:prstGeom prst="rect">
+            <a:avLst/>
+          </a:prstGeom>
+          <a:solidFill>
+            <a:schemeClr val="bg2">
+              <a:lumMod val="25000"/>
+            </a:schemeClr>
+          </a:solidFill>
+        </p:spPr>
+        <p:style>
+          <a:lnRef idx="2">
+            <a:schemeClr val="accent1">
+              <a:shade val="50000"/>
+            </a:schemeClr>
+          </a:lnRef>
+          <a:fillRef idx="1">
+            <a:schemeClr val="accent1"/>
+          </a:fillRef>
+          <a:effectRef idx="0">
+            <a:schemeClr val="accent1"/>
+          </a:effectRef>
+          <a:fontRef idx="minor">
+            <a:schemeClr val="lt1"/>
+          </a:fontRef>
+        </p:style>
+        <p:txBody>
+          <a:bodyPr rtlCol="0" anchor="ctr"/>
+          <a:lstStyle/>
+          <a:p>
+            <a:pPr algn="ctr"/>
+            <a:endParaRPr lang="en-US"/>
+          </a:p>
+        </p:txBody>
+      </p:sp>
+      <p:pic>
+        <p:nvPicPr>
+          <p:cNvPr id="7" name="Picture 6">
+            <a:extLst>
+              <a:ext uri="{FF2B5EF4-FFF2-40B4-BE49-F238E27FC236}">
+                <a16:creationId xmlns:a16="http://schemas.microsoft.com/office/drawing/2014/main" id="{B067532E-7508-4245-8E91-38CA363A61A7}"/>
+              </a:ext>
+            </a:extLst>
+          </p:cNvPr>
+          <p:cNvPicPr>
+            <a:picLocks noChangeAspect="1"/>
+          </p:cNvPicPr>
+          <p:nvPr/>
+        </p:nvPicPr>
+        <p:blipFill>
+          <a:blip r:embed="rId2">
+            <a:extLst>
+              <a:ext uri="{28A0092B-C50C-407E-A947-70E740481C1C}">
+                <a14:useLocalDpi xmlns:a14="http://schemas.microsoft.com/office/drawing/2010/main" val="0"/>
+              </a:ext>
+            </a:extLst>
+          </a:blip>
+          <a:stretch>
+            <a:fillRect/>
+          </a:stretch>
+        </p:blipFill>
+        <p:spPr>
+          <a:xfrm>
+            <a:off x="169818" y="6109624"/>
+            <a:ext cx="1654627" cy="994232"/>
+          </a:xfrm>
+          <a:prstGeom prst="rect">
+            <a:avLst/>
+          </a:prstGeom>
+        </p:spPr>
+      </p:pic>
+      <p:sp>
+        <p:nvSpPr>
+          <p:cNvPr id="5" name="Date Placeholder 4">
+            <a:extLst>
+              <a:ext uri="{FF2B5EF4-FFF2-40B4-BE49-F238E27FC236}">
+                <a16:creationId xmlns:a16="http://schemas.microsoft.com/office/drawing/2014/main" id="{A3EEAD58-75A4-8A4A-A354-0DC3A8FDD1A1}"/>
+              </a:ext>
+            </a:extLst>
+          </p:cNvPr>
+          <p:cNvSpPr>
+            <a:spLocks noGrp="1"/>
+          </p:cNvSpPr>
+          <p:nvPr>
+            <p:ph type="dt" sz="half" idx="10"/>
+          </p:nvPr>
+        </p:nvSpPr>
+        <p:spPr/>
+        <p:txBody>
+          <a:bodyPr/>
+          <a:lstStyle/>
+          <a:p>
+            <a:fld id="{54CC66AA-25C8-BF4C-9E58-9CF0A5550330}" type="datetime1">
+              <a:rPr lang="en-CA" smtClean="0"/>
+              <a:t>2022-04-26</a:t>
+            </a:fld>
+            <a:endParaRPr lang="en-US"/>
+          </a:p>
+        </p:txBody>
+      </p:sp>
+      <p:sp>
+        <p:nvSpPr>
+          <p:cNvPr id="8" name="Footer Placeholder 7">
+            <a:extLst>
+              <a:ext uri="{FF2B5EF4-FFF2-40B4-BE49-F238E27FC236}">
+                <a16:creationId xmlns:a16="http://schemas.microsoft.com/office/drawing/2014/main" id="{37CBC71C-4845-7A49-BB8F-E66807CD9CFB}"/>
+              </a:ext>
+            </a:extLst>
+          </p:cNvPr>
+          <p:cNvSpPr>
+            <a:spLocks noGrp="1"/>
+          </p:cNvSpPr>
+          <p:nvPr>
+            <p:ph type="ftr" sz="quarter" idx="11"/>
+          </p:nvPr>
+        </p:nvSpPr>
+        <p:spPr/>
+        <p:txBody>
+          <a:bodyPr/>
+          <a:lstStyle/>
+          <a:p>
+            <a:r>
+              <a:rPr lang="en-US"/>
+              <a:t>G2M Insight for Cab Investment</a:t>
+            </a:r>
+          </a:p>
+        </p:txBody>
+      </p:sp>
+      <p:sp>
+        <p:nvSpPr>
+          <p:cNvPr id="9" name="Slide Number Placeholder 8">
+            <a:extLst>
+              <a:ext uri="{FF2B5EF4-FFF2-40B4-BE49-F238E27FC236}">
+                <a16:creationId xmlns:a16="http://schemas.microsoft.com/office/drawing/2014/main" id="{F1470747-DCF8-A440-81B0-F6BA0BC569CE}"/>
+              </a:ext>
+            </a:extLst>
+          </p:cNvPr>
+          <p:cNvSpPr>
+            <a:spLocks noGrp="1"/>
+          </p:cNvSpPr>
+          <p:nvPr>
+            <p:ph type="sldNum" sz="quarter" idx="12"/>
+          </p:nvPr>
+        </p:nvSpPr>
+        <p:spPr/>
+        <p:txBody>
+          <a:bodyPr/>
+          <a:lstStyle/>
+          <a:p>
+            <a:fld id="{F3281B17-8789-6B4C-B449-7FC9CCFFE3A3}" type="slidenum">
+              <a:rPr lang="en-US" smtClean="0"/>
+              <a:t>40</a:t>
+            </a:fld>
+            <a:endParaRPr lang="en-US"/>
+          </a:p>
+        </p:txBody>
+      </p:sp>
+    </p:spTree>
+    <p:extLst>
+      <p:ext uri="{BB962C8B-B14F-4D97-AF65-F5344CB8AC3E}">
+        <p14:creationId xmlns:p14="http://schemas.microsoft.com/office/powerpoint/2010/main" val="1067902553"/>
+      </p:ext>
+    </p:extLst>
+  </p:cSld>
+  <p:clrMapOvr>
+    <a:masterClrMapping/>
+  </p:clrMapOvr>
+</p:sld>
+</file>
+
+<file path=ppt/slides/slide5.xml><?xml version="1.0" encoding="utf-8"?>
 <p:sld xmlns:a="http://schemas.openxmlformats.org/drawingml/2006/main" xmlns:r="http://schemas.openxmlformats.org/officeDocument/2006/relationships" xmlns:p="http://schemas.openxmlformats.org/presentationml/2006/main">
   <p:cSld>
     <p:spTree>
@@ -15243,7 +19176,7 @@
           <a:p>
             <a:fld id="{F3281B17-8789-6B4C-B449-7FC9CCFFE3A3}" type="slidenum">
               <a:rPr lang="en-US" smtClean="0"/>
-              <a:t>3</a:t>
+              <a:t>5</a:t>
             </a:fld>
             <a:endParaRPr lang="en-US"/>
           </a:p>
@@ -15272,7 +19205,7 @@
           <a:p>
             <a:fld id="{7562AFF7-31C9-CC44-A8FE-8E4305DAED23}" type="datetime1">
               <a:rPr lang="en-CA" smtClean="0"/>
-              <a:t>2022-04-25</a:t>
+              <a:t>2022-04-26</a:t>
             </a:fld>
             <a:endParaRPr lang="en-US"/>
           </a:p>
@@ -15314,7 +19247,7 @@
                 <a:latin typeface="Calibri" panose="020F0502020204030204" pitchFamily="34" charset="0"/>
                 <a:cs typeface="Calibri" panose="020F0502020204030204" pitchFamily="34" charset="0"/>
               </a:rPr>
-              <a:t>Dataset Statistics</a:t>
+              <a:t>EDA - Dataset Statistics</a:t>
             </a:r>
           </a:p>
         </p:txBody>
@@ -15332,7 +19265,7 @@
 </p:sld>
 </file>
 
-<file path=ppt/slides/slide30.xml><?xml version="1.0" encoding="utf-8"?>
+<file path=ppt/slides/slide6.xml><?xml version="1.0" encoding="utf-8"?>
 <p:sld xmlns:a="http://schemas.openxmlformats.org/drawingml/2006/main" xmlns:r="http://schemas.openxmlformats.org/officeDocument/2006/relationships" xmlns:p="http://schemas.openxmlformats.org/presentationml/2006/main">
   <p:cSld>
     <p:spTree>
@@ -15451,7 +19384,7 @@
           <a:p>
             <a:fld id="{F3281B17-8789-6B4C-B449-7FC9CCFFE3A3}" type="slidenum">
               <a:rPr lang="en-US" smtClean="0"/>
-              <a:t>30</a:t>
+              <a:t>6</a:t>
             </a:fld>
             <a:endParaRPr lang="en-US"/>
           </a:p>
@@ -15522,79 +19455,17 @@
                 <a:latin typeface="Calibri" panose="020F0502020204030204" pitchFamily="34" charset="0"/>
                 <a:cs typeface="Calibri" panose="020F0502020204030204" pitchFamily="34" charset="0"/>
               </a:rPr>
-              <a:t>Profit Margin vs Month (Yearly)</a:t>
-            </a:r>
-          </a:p>
-        </p:txBody>
-      </p:sp>
-      <p:sp>
-        <p:nvSpPr>
-          <p:cNvPr id="9" name="TextBox 8">
-            <a:extLst>
-              <a:ext uri="{FF2B5EF4-FFF2-40B4-BE49-F238E27FC236}">
-                <a16:creationId xmlns:a16="http://schemas.microsoft.com/office/drawing/2014/main" id="{7B0E9934-C03E-F570-4326-D3DF310312FF}"/>
-              </a:ext>
-            </a:extLst>
-          </p:cNvPr>
-          <p:cNvSpPr txBox="1"/>
-          <p:nvPr/>
-        </p:nvSpPr>
-        <p:spPr>
-          <a:xfrm>
-            <a:off x="431800" y="1634930"/>
-            <a:ext cx="11400139" cy="1200329"/>
-          </a:xfrm>
-          <a:prstGeom prst="rect">
-            <a:avLst/>
-          </a:prstGeom>
-          <a:noFill/>
-        </p:spPr>
-        <p:txBody>
-          <a:bodyPr wrap="square" rtlCol="0">
-            <a:spAutoFit/>
-          </a:bodyPr>
-          <a:lstStyle/>
-          <a:p>
-            <a:pPr marL="342900" indent="-342900">
-              <a:buFont typeface="Arial" panose="020B0604020202020204" pitchFamily="34" charset="0"/>
-              <a:buChar char="•"/>
-            </a:pPr>
-            <a:r>
-              <a:rPr lang="en-CA" dirty="0"/>
-              <a:t>The profit in each month analyzing each year separately shows that the Yellow Cab always performs better than the </a:t>
-            </a:r>
-            <a:r>
-              <a:rPr lang="en-CA" b="1" dirty="0"/>
-              <a:t>Pink Cab</a:t>
-            </a:r>
-            <a:r>
-              <a:rPr lang="en-CA" dirty="0"/>
-              <a:t>. However when analysing individually, we see </a:t>
-            </a:r>
-            <a:r>
-              <a:rPr lang="en-CA" b="1" dirty="0"/>
-              <a:t>Yellow Cab</a:t>
-            </a:r>
-            <a:r>
-              <a:rPr lang="en-CA" dirty="0"/>
-              <a:t> being worse in December than January while Pink Cab is being better. </a:t>
-            </a:r>
-          </a:p>
-          <a:p>
-            <a:pPr marL="342900" indent="-342900">
-              <a:buFont typeface="Arial" panose="020B0604020202020204" pitchFamily="34" charset="0"/>
-              <a:buChar char="•"/>
-            </a:pPr>
-            <a:endParaRPr lang="en-CA" dirty="0"/>
+              <a:t>EDA - Dataset Statistics</a:t>
+            </a:r>
           </a:p>
         </p:txBody>
       </p:sp>
       <p:pic>
         <p:nvPicPr>
-          <p:cNvPr id="5" name="Picture 4" descr="Line chart&#10;&#10;Description automatically generated with medium confidence">
-            <a:extLst>
-              <a:ext uri="{FF2B5EF4-FFF2-40B4-BE49-F238E27FC236}">
-                <a16:creationId xmlns:a16="http://schemas.microsoft.com/office/drawing/2014/main" id="{8B3AF48C-2473-40E9-068A-7534252DA5D4}"/>
+          <p:cNvPr id="26" name="Picture 25" descr="Table&#10;&#10;Description automatically generated with medium confidence">
+            <a:extLst>
+              <a:ext uri="{FF2B5EF4-FFF2-40B4-BE49-F238E27FC236}">
+                <a16:creationId xmlns:a16="http://schemas.microsoft.com/office/drawing/2014/main" id="{93DA2251-601F-17D0-40C0-C074A3617A4F}"/>
               </a:ext>
             </a:extLst>
           </p:cNvPr>
@@ -15611,18 +19482,70 @@
         </p:blipFill>
         <p:spPr>
           <a:xfrm>
-            <a:off x="360061" y="2796207"/>
-            <a:ext cx="11471878" cy="3460241"/>
+            <a:off x="5867400" y="1417637"/>
+            <a:ext cx="5029200" cy="4965405"/>
           </a:xfrm>
           <a:prstGeom prst="rect">
             <a:avLst/>
           </a:prstGeom>
         </p:spPr>
       </p:pic>
+      <p:sp>
+        <p:nvSpPr>
+          <p:cNvPr id="36" name="TextBox 35">
+            <a:extLst>
+              <a:ext uri="{FF2B5EF4-FFF2-40B4-BE49-F238E27FC236}">
+                <a16:creationId xmlns:a16="http://schemas.microsoft.com/office/drawing/2014/main" id="{4F55B6F4-BEB9-8D96-1A30-B0FAE76F1C85}"/>
+              </a:ext>
+            </a:extLst>
+          </p:cNvPr>
+          <p:cNvSpPr txBox="1"/>
+          <p:nvPr/>
+        </p:nvSpPr>
+        <p:spPr>
+          <a:xfrm>
+            <a:off x="431800" y="1634931"/>
+            <a:ext cx="4727713" cy="1477328"/>
+          </a:xfrm>
+          <a:prstGeom prst="rect">
+            <a:avLst/>
+          </a:prstGeom>
+          <a:noFill/>
+        </p:spPr>
+        <p:txBody>
+          <a:bodyPr wrap="square" rtlCol="0">
+            <a:spAutoFit/>
+          </a:bodyPr>
+          <a:lstStyle/>
+          <a:p>
+            <a:r>
+              <a:rPr lang="en-US" dirty="0"/>
+              <a:t>Dataset: </a:t>
+            </a:r>
+            <a:r>
+              <a:rPr lang="en-US" b="1" dirty="0"/>
+              <a:t>all_data:</a:t>
+            </a:r>
+          </a:p>
+          <a:p>
+            <a:endParaRPr lang="en-US" b="1" dirty="0"/>
+          </a:p>
+          <a:p>
+            <a:pPr marL="285750" indent="-285750">
+              <a:buFont typeface="Arial" panose="020B0604020202020204" pitchFamily="34" charset="0"/>
+              <a:buChar char="•"/>
+            </a:pPr>
+            <a:r>
+              <a:rPr lang="en-CA" dirty="0"/>
+              <a:t>After the merging there're no missing values and the data types are according to the attributes. </a:t>
+            </a:r>
+          </a:p>
+        </p:txBody>
+      </p:sp>
     </p:spTree>
     <p:extLst>
       <p:ext uri="{BB962C8B-B14F-4D97-AF65-F5344CB8AC3E}">
-        <p14:creationId xmlns:p14="http://schemas.microsoft.com/office/powerpoint/2010/main" val="1007741271"/>
+        <p14:creationId xmlns:p14="http://schemas.microsoft.com/office/powerpoint/2010/main" val="212051354"/>
       </p:ext>
     </p:extLst>
   </p:cSld>
@@ -15632,7 +19555,7 @@
 </p:sld>
 </file>
 
-<file path=ppt/slides/slide31.xml><?xml version="1.0" encoding="utf-8"?>
+<file path=ppt/slides/slide7.xml><?xml version="1.0" encoding="utf-8"?>
 <p:sld xmlns:a="http://schemas.openxmlformats.org/drawingml/2006/main" xmlns:r="http://schemas.openxmlformats.org/officeDocument/2006/relationships" xmlns:p="http://schemas.openxmlformats.org/presentationml/2006/main">
   <p:cSld>
     <p:spTree>
@@ -15649,6 +19572,76 @@
           <a:chExt cx="0" cy="0"/>
         </a:xfrm>
       </p:grpSpPr>
+      <p:sp>
+        <p:nvSpPr>
+          <p:cNvPr id="4" name="TextBox 3">
+            <a:extLst>
+              <a:ext uri="{FF2B5EF4-FFF2-40B4-BE49-F238E27FC236}">
+                <a16:creationId xmlns:a16="http://schemas.microsoft.com/office/drawing/2014/main" id="{09BEE7A3-F2C2-8145-B852-24B96B83A958}"/>
+              </a:ext>
+            </a:extLst>
+          </p:cNvPr>
+          <p:cNvSpPr txBox="1"/>
+          <p:nvPr/>
+        </p:nvSpPr>
+        <p:spPr>
+          <a:xfrm>
+            <a:off x="838199" y="3327965"/>
+            <a:ext cx="4727713" cy="2862322"/>
+          </a:xfrm>
+          <a:prstGeom prst="rect">
+            <a:avLst/>
+          </a:prstGeom>
+          <a:noFill/>
+        </p:spPr>
+        <p:txBody>
+          <a:bodyPr wrap="square" rtlCol="0">
+            <a:spAutoFit/>
+          </a:bodyPr>
+          <a:lstStyle/>
+          <a:p>
+            <a:pPr marL="285750" indent="-285750">
+              <a:buFont typeface="Arial" panose="020B0604020202020204" pitchFamily="34" charset="0"/>
+              <a:buChar char="•"/>
+            </a:pPr>
+            <a:endParaRPr lang="en-US" dirty="0"/>
+          </a:p>
+          <a:p>
+            <a:r>
+              <a:rPr lang="en-US" b="1" dirty="0"/>
+              <a:t>Assumptions:</a:t>
+            </a:r>
+          </a:p>
+          <a:p>
+            <a:endParaRPr lang="en-US" b="1" dirty="0"/>
+          </a:p>
+          <a:p>
+            <a:pPr marL="285750" indent="-285750">
+              <a:buFont typeface="Arial" panose="020B0604020202020204" pitchFamily="34" charset="0"/>
+              <a:buChar char="•"/>
+            </a:pPr>
+            <a:r>
+              <a:rPr lang="en-US" dirty="0"/>
+              <a:t>The extreme values in Price_Charged attribute will not be treated as outliers. </a:t>
+            </a:r>
+            <a:r>
+              <a:rPr lang="en-CA" dirty="0"/>
+              <a:t>It shows that there are fewer trips with high prices charged (and so high mileage).</a:t>
+            </a:r>
+            <a:endParaRPr lang="en-US" dirty="0"/>
+          </a:p>
+          <a:p>
+            <a:pPr marL="285750" indent="-285750">
+              <a:buFont typeface="Arial" panose="020B0604020202020204" pitchFamily="34" charset="0"/>
+              <a:buChar char="•"/>
+            </a:pPr>
+            <a:r>
+              <a:rPr lang="en-US" dirty="0"/>
+              <a:t>“Users” attribute is treated as number of cab users (Yellow Cab, Pink Cab and others) per city.</a:t>
+            </a:r>
+          </a:p>
+        </p:txBody>
+      </p:sp>
       <p:sp>
         <p:nvSpPr>
           <p:cNvPr id="18" name="Rectangle 17">
@@ -15751,7 +19744,7 @@
           <a:p>
             <a:fld id="{F3281B17-8789-6B4C-B449-7FC9CCFFE3A3}" type="slidenum">
               <a:rPr lang="en-US" smtClean="0"/>
-              <a:t>31</a:t>
+              <a:t>7</a:t>
             </a:fld>
             <a:endParaRPr lang="en-US"/>
           </a:p>
@@ -15822,2818 +19815,7 @@
                 <a:latin typeface="Calibri" panose="020F0502020204030204" pitchFamily="34" charset="0"/>
                 <a:cs typeface="Calibri" panose="020F0502020204030204" pitchFamily="34" charset="0"/>
               </a:rPr>
-              <a:t>Profit Margin vs Month (average)/Year</a:t>
-            </a:r>
-          </a:p>
-        </p:txBody>
-      </p:sp>
-      <p:sp>
-        <p:nvSpPr>
-          <p:cNvPr id="9" name="TextBox 8">
-            <a:extLst>
-              <a:ext uri="{FF2B5EF4-FFF2-40B4-BE49-F238E27FC236}">
-                <a16:creationId xmlns:a16="http://schemas.microsoft.com/office/drawing/2014/main" id="{7B0E9934-C03E-F570-4326-D3DF310312FF}"/>
-              </a:ext>
-            </a:extLst>
-          </p:cNvPr>
-          <p:cNvSpPr txBox="1"/>
-          <p:nvPr/>
-        </p:nvSpPr>
-        <p:spPr>
-          <a:xfrm>
-            <a:off x="431800" y="1634930"/>
-            <a:ext cx="5129393" cy="1200329"/>
-          </a:xfrm>
-          <a:prstGeom prst="rect">
-            <a:avLst/>
-          </a:prstGeom>
-          <a:noFill/>
-        </p:spPr>
-        <p:txBody>
-          <a:bodyPr wrap="square" rtlCol="0">
-            <a:spAutoFit/>
-          </a:bodyPr>
-          <a:lstStyle/>
-          <a:p>
-            <a:pPr marL="342900" indent="-342900">
-              <a:buFont typeface="Arial" panose="020B0604020202020204" pitchFamily="34" charset="0"/>
-              <a:buChar char="•"/>
-            </a:pPr>
-            <a:r>
-              <a:rPr lang="en-CA" dirty="0"/>
-              <a:t>The profit in each month in average or each year shows that the </a:t>
-            </a:r>
-            <a:r>
-              <a:rPr lang="en-CA" b="1" dirty="0"/>
-              <a:t>Yellow Cab</a:t>
-            </a:r>
-            <a:r>
-              <a:rPr lang="en-CA" dirty="0"/>
-              <a:t> always performs better than the Pink Cab.</a:t>
-            </a:r>
-          </a:p>
-          <a:p>
-            <a:pPr marL="342900" indent="-342900">
-              <a:buFont typeface="Arial" panose="020B0604020202020204" pitchFamily="34" charset="0"/>
-              <a:buChar char="•"/>
-            </a:pPr>
-            <a:endParaRPr lang="en-CA" dirty="0"/>
-          </a:p>
-        </p:txBody>
-      </p:sp>
-      <p:pic>
-        <p:nvPicPr>
-          <p:cNvPr id="3" name="Picture 2" descr="Chart, line chart&#10;&#10;Description automatically generated">
-            <a:extLst>
-              <a:ext uri="{FF2B5EF4-FFF2-40B4-BE49-F238E27FC236}">
-                <a16:creationId xmlns:a16="http://schemas.microsoft.com/office/drawing/2014/main" id="{2678024A-22C7-F9B8-033C-D760D557A3D4}"/>
-              </a:ext>
-            </a:extLst>
-          </p:cNvPr>
-          <p:cNvPicPr>
-            <a:picLocks noChangeAspect="1"/>
-          </p:cNvPicPr>
-          <p:nvPr/>
-        </p:nvPicPr>
-        <p:blipFill>
-          <a:blip r:embed="rId2"/>
-          <a:stretch>
-            <a:fillRect/>
-          </a:stretch>
-        </p:blipFill>
-        <p:spPr>
-          <a:xfrm>
-            <a:off x="6697617" y="2103285"/>
-            <a:ext cx="4995779" cy="3985397"/>
-          </a:xfrm>
-          <a:prstGeom prst="rect">
-            <a:avLst/>
-          </a:prstGeom>
-        </p:spPr>
-      </p:pic>
-      <p:pic>
-        <p:nvPicPr>
-          <p:cNvPr id="8" name="Picture 7" descr="Chart, line chart&#10;&#10;Description automatically generated">
-            <a:extLst>
-              <a:ext uri="{FF2B5EF4-FFF2-40B4-BE49-F238E27FC236}">
-                <a16:creationId xmlns:a16="http://schemas.microsoft.com/office/drawing/2014/main" id="{0AB3C489-9662-EA49-94D9-F584848B1610}"/>
-              </a:ext>
-            </a:extLst>
-          </p:cNvPr>
-          <p:cNvPicPr>
-            <a:picLocks noChangeAspect="1"/>
-          </p:cNvPicPr>
-          <p:nvPr/>
-        </p:nvPicPr>
-        <p:blipFill>
-          <a:blip r:embed="rId3"/>
-          <a:stretch>
-            <a:fillRect/>
-          </a:stretch>
-        </p:blipFill>
-        <p:spPr>
-          <a:xfrm>
-            <a:off x="498606" y="2513759"/>
-            <a:ext cx="4995779" cy="3985397"/>
-          </a:xfrm>
-          <a:prstGeom prst="rect">
-            <a:avLst/>
-          </a:prstGeom>
-        </p:spPr>
-      </p:pic>
-    </p:spTree>
-    <p:extLst>
-      <p:ext uri="{BB962C8B-B14F-4D97-AF65-F5344CB8AC3E}">
-        <p14:creationId xmlns:p14="http://schemas.microsoft.com/office/powerpoint/2010/main" val="1359942623"/>
-      </p:ext>
-    </p:extLst>
-  </p:cSld>
-  <p:clrMapOvr>
-    <a:masterClrMapping/>
-  </p:clrMapOvr>
-</p:sld>
-</file>
-
-<file path=ppt/slides/slide32.xml><?xml version="1.0" encoding="utf-8"?>
-<p:sld xmlns:a="http://schemas.openxmlformats.org/drawingml/2006/main" xmlns:r="http://schemas.openxmlformats.org/officeDocument/2006/relationships" xmlns:p="http://schemas.openxmlformats.org/presentationml/2006/main">
-  <p:cSld>
-    <p:spTree>
-      <p:nvGrpSpPr>
-        <p:cNvPr id="1" name=""/>
-        <p:cNvGrpSpPr/>
-        <p:nvPr/>
-      </p:nvGrpSpPr>
-      <p:grpSpPr>
-        <a:xfrm>
-          <a:off x="0" y="0"/>
-          <a:ext cx="0" cy="0"/>
-          <a:chOff x="0" y="0"/>
-          <a:chExt cx="0" cy="0"/>
-        </a:xfrm>
-      </p:grpSpPr>
-      <p:sp>
-        <p:nvSpPr>
-          <p:cNvPr id="18" name="Rectangle 17">
-            <a:extLst>
-              <a:ext uri="{FF2B5EF4-FFF2-40B4-BE49-F238E27FC236}">
-                <a16:creationId xmlns:a16="http://schemas.microsoft.com/office/drawing/2014/main" id="{3FDECAE3-36C4-B048-BBC3-A0828AC8256E}"/>
-              </a:ext>
-            </a:extLst>
-          </p:cNvPr>
-          <p:cNvSpPr/>
-          <p:nvPr/>
-        </p:nvSpPr>
-        <p:spPr>
-          <a:xfrm>
-            <a:off x="0" y="0"/>
-            <a:ext cx="12192000" cy="1364465"/>
-          </a:xfrm>
-          <a:prstGeom prst="rect">
-            <a:avLst/>
-          </a:prstGeom>
-          <a:solidFill>
-            <a:schemeClr val="bg2">
-              <a:lumMod val="25000"/>
-            </a:schemeClr>
-          </a:solidFill>
-        </p:spPr>
-        <p:style>
-          <a:lnRef idx="2">
-            <a:schemeClr val="accent1">
-              <a:shade val="50000"/>
-            </a:schemeClr>
-          </a:lnRef>
-          <a:fillRef idx="1">
-            <a:schemeClr val="accent1"/>
-          </a:fillRef>
-          <a:effectRef idx="0">
-            <a:schemeClr val="accent1"/>
-          </a:effectRef>
-          <a:fontRef idx="minor">
-            <a:schemeClr val="lt1"/>
-          </a:fontRef>
-        </p:style>
-        <p:txBody>
-          <a:bodyPr rtlCol="0" anchor="ctr"/>
-          <a:lstStyle/>
-          <a:p>
-            <a:pPr algn="ctr"/>
-            <a:endParaRPr lang="en-US" dirty="0"/>
-          </a:p>
-        </p:txBody>
-      </p:sp>
-      <p:sp>
-        <p:nvSpPr>
-          <p:cNvPr id="17" name="Footer Placeholder 16">
-            <a:extLst>
-              <a:ext uri="{FF2B5EF4-FFF2-40B4-BE49-F238E27FC236}">
-                <a16:creationId xmlns:a16="http://schemas.microsoft.com/office/drawing/2014/main" id="{385B353A-0F0B-0243-B9EE-09311339478E}"/>
-              </a:ext>
-            </a:extLst>
-          </p:cNvPr>
-          <p:cNvSpPr>
-            <a:spLocks noGrp="1"/>
-          </p:cNvSpPr>
-          <p:nvPr>
-            <p:ph type="ftr" sz="quarter" idx="11"/>
-          </p:nvPr>
-        </p:nvSpPr>
-        <p:spPr/>
-        <p:txBody>
-          <a:bodyPr/>
-          <a:lstStyle/>
-          <a:p>
-            <a:r>
-              <a:rPr lang="en-US"/>
-              <a:t>G2M Insight for Cab Investment</a:t>
-            </a:r>
-          </a:p>
-        </p:txBody>
-      </p:sp>
-      <p:sp>
-        <p:nvSpPr>
-          <p:cNvPr id="19" name="Slide Number Placeholder 18">
-            <a:extLst>
-              <a:ext uri="{FF2B5EF4-FFF2-40B4-BE49-F238E27FC236}">
-                <a16:creationId xmlns:a16="http://schemas.microsoft.com/office/drawing/2014/main" id="{8695A452-BBE8-5C46-ACAB-75700B12BCE9}"/>
-              </a:ext>
-            </a:extLst>
-          </p:cNvPr>
-          <p:cNvSpPr>
-            <a:spLocks noGrp="1"/>
-          </p:cNvSpPr>
-          <p:nvPr>
-            <p:ph type="sldNum" sz="quarter" idx="12"/>
-          </p:nvPr>
-        </p:nvSpPr>
-        <p:spPr/>
-        <p:txBody>
-          <a:bodyPr/>
-          <a:lstStyle/>
-          <a:p>
-            <a:fld id="{F3281B17-8789-6B4C-B449-7FC9CCFFE3A3}" type="slidenum">
-              <a:rPr lang="en-US" smtClean="0"/>
-              <a:t>32</a:t>
-            </a:fld>
-            <a:endParaRPr lang="en-US"/>
-          </a:p>
-        </p:txBody>
-      </p:sp>
-      <p:sp>
-        <p:nvSpPr>
-          <p:cNvPr id="22" name="Date Placeholder 21">
-            <a:extLst>
-              <a:ext uri="{FF2B5EF4-FFF2-40B4-BE49-F238E27FC236}">
-                <a16:creationId xmlns:a16="http://schemas.microsoft.com/office/drawing/2014/main" id="{3B07B327-50D1-3D47-8A16-38A0058A70D1}"/>
-              </a:ext>
-            </a:extLst>
-          </p:cNvPr>
-          <p:cNvSpPr>
-            <a:spLocks noGrp="1"/>
-          </p:cNvSpPr>
-          <p:nvPr>
-            <p:ph type="dt" sz="half" idx="10"/>
-          </p:nvPr>
-        </p:nvSpPr>
-        <p:spPr/>
-        <p:txBody>
-          <a:bodyPr/>
-          <a:lstStyle/>
-          <a:p>
-            <a:fld id="{7562AFF7-31C9-CC44-A8FE-8E4305DAED23}" type="datetime1">
-              <a:rPr lang="en-CA" smtClean="0"/>
-              <a:t>2022-04-26</a:t>
-            </a:fld>
-            <a:endParaRPr lang="en-US"/>
-          </a:p>
-        </p:txBody>
-      </p:sp>
-      <p:sp>
-        <p:nvSpPr>
-          <p:cNvPr id="34" name="Title 1">
-            <a:extLst>
-              <a:ext uri="{FF2B5EF4-FFF2-40B4-BE49-F238E27FC236}">
-                <a16:creationId xmlns:a16="http://schemas.microsoft.com/office/drawing/2014/main" id="{3DFB2EBC-EE5D-1A40-8EA0-25AAD54506CD}"/>
-              </a:ext>
-            </a:extLst>
-          </p:cNvPr>
-          <p:cNvSpPr>
-            <a:spLocks noGrp="1"/>
-          </p:cNvSpPr>
-          <p:nvPr>
-            <p:ph type="title"/>
-          </p:nvPr>
-        </p:nvSpPr>
-        <p:spPr>
-          <a:xfrm>
-            <a:off x="838200" y="46037"/>
-            <a:ext cx="10515600" cy="1325563"/>
-          </a:xfrm>
-        </p:spPr>
-        <p:txBody>
-          <a:bodyPr>
-            <a:normAutofit/>
-          </a:bodyPr>
-          <a:lstStyle/>
-          <a:p>
-            <a:r>
-              <a:rPr lang="en-US" b="1" dirty="0">
-                <a:solidFill>
-                  <a:schemeClr val="accent2"/>
-                </a:solidFill>
-                <a:latin typeface="Calibri" panose="020F0502020204030204" pitchFamily="34" charset="0"/>
-                <a:cs typeface="Calibri" panose="020F0502020204030204" pitchFamily="34" charset="0"/>
-              </a:rPr>
-              <a:t>Profit Margin/Price Charged/Cost vs Km Travelled</a:t>
-            </a:r>
-          </a:p>
-        </p:txBody>
-      </p:sp>
-      <p:sp>
-        <p:nvSpPr>
-          <p:cNvPr id="9" name="TextBox 8">
-            <a:extLst>
-              <a:ext uri="{FF2B5EF4-FFF2-40B4-BE49-F238E27FC236}">
-                <a16:creationId xmlns:a16="http://schemas.microsoft.com/office/drawing/2014/main" id="{7B0E9934-C03E-F570-4326-D3DF310312FF}"/>
-              </a:ext>
-            </a:extLst>
-          </p:cNvPr>
-          <p:cNvSpPr txBox="1"/>
-          <p:nvPr/>
-        </p:nvSpPr>
-        <p:spPr>
-          <a:xfrm>
-            <a:off x="431800" y="1634930"/>
-            <a:ext cx="11309626" cy="923330"/>
-          </a:xfrm>
-          <a:prstGeom prst="rect">
-            <a:avLst/>
-          </a:prstGeom>
-          <a:noFill/>
-        </p:spPr>
-        <p:txBody>
-          <a:bodyPr wrap="square" rtlCol="0">
-            <a:spAutoFit/>
-          </a:bodyPr>
-          <a:lstStyle/>
-          <a:p>
-            <a:pPr marL="285750" indent="-285750">
-              <a:buFont typeface="Arial" panose="020B0604020202020204" pitchFamily="34" charset="0"/>
-              <a:buChar char="•"/>
-            </a:pPr>
-            <a:r>
-              <a:rPr lang="en-CA" dirty="0"/>
-              <a:t>Analyzing the line plots we can infer that there is variability in the prices charged that are reflected in profit. This is probably due to the different amounts charged in each city for both companies. The costs however do not vary much from city to city and so performs almost as a line, with higher costs per Km by </a:t>
-            </a:r>
-            <a:r>
-              <a:rPr lang="en-CA" b="1" dirty="0"/>
-              <a:t>Yellow Cab</a:t>
-            </a:r>
-            <a:r>
-              <a:rPr lang="en-CA" dirty="0"/>
-              <a:t>.</a:t>
-            </a:r>
-          </a:p>
-        </p:txBody>
-      </p:sp>
-      <p:pic>
-        <p:nvPicPr>
-          <p:cNvPr id="4" name="Picture 3" descr="A picture containing line chart&#10;&#10;Description automatically generated">
-            <a:extLst>
-              <a:ext uri="{FF2B5EF4-FFF2-40B4-BE49-F238E27FC236}">
-                <a16:creationId xmlns:a16="http://schemas.microsoft.com/office/drawing/2014/main" id="{FC0AB24C-E02C-EDE4-ABF5-147D647A3C35}"/>
-              </a:ext>
-            </a:extLst>
-          </p:cNvPr>
-          <p:cNvPicPr>
-            <a:picLocks noChangeAspect="1"/>
-          </p:cNvPicPr>
-          <p:nvPr/>
-        </p:nvPicPr>
-        <p:blipFill>
-          <a:blip r:embed="rId2"/>
-          <a:stretch>
-            <a:fillRect/>
-          </a:stretch>
-        </p:blipFill>
-        <p:spPr>
-          <a:xfrm>
-            <a:off x="1439517" y="2662381"/>
-            <a:ext cx="9312965" cy="3693969"/>
-          </a:xfrm>
-          <a:prstGeom prst="rect">
-            <a:avLst/>
-          </a:prstGeom>
-        </p:spPr>
-      </p:pic>
-    </p:spTree>
-    <p:extLst>
-      <p:ext uri="{BB962C8B-B14F-4D97-AF65-F5344CB8AC3E}">
-        <p14:creationId xmlns:p14="http://schemas.microsoft.com/office/powerpoint/2010/main" val="1137827389"/>
-      </p:ext>
-    </p:extLst>
-  </p:cSld>
-  <p:clrMapOvr>
-    <a:masterClrMapping/>
-  </p:clrMapOvr>
-</p:sld>
-</file>
-
-<file path=ppt/slides/slide33.xml><?xml version="1.0" encoding="utf-8"?>
-<p:sld xmlns:a="http://schemas.openxmlformats.org/drawingml/2006/main" xmlns:r="http://schemas.openxmlformats.org/officeDocument/2006/relationships" xmlns:p="http://schemas.openxmlformats.org/presentationml/2006/main">
-  <p:cSld>
-    <p:spTree>
-      <p:nvGrpSpPr>
-        <p:cNvPr id="1" name=""/>
-        <p:cNvGrpSpPr/>
-        <p:nvPr/>
-      </p:nvGrpSpPr>
-      <p:grpSpPr>
-        <a:xfrm>
-          <a:off x="0" y="0"/>
-          <a:ext cx="0" cy="0"/>
-          <a:chOff x="0" y="0"/>
-          <a:chExt cx="0" cy="0"/>
-        </a:xfrm>
-      </p:grpSpPr>
-      <p:sp>
-        <p:nvSpPr>
-          <p:cNvPr id="18" name="Rectangle 17">
-            <a:extLst>
-              <a:ext uri="{FF2B5EF4-FFF2-40B4-BE49-F238E27FC236}">
-                <a16:creationId xmlns:a16="http://schemas.microsoft.com/office/drawing/2014/main" id="{3FDECAE3-36C4-B048-BBC3-A0828AC8256E}"/>
-              </a:ext>
-            </a:extLst>
-          </p:cNvPr>
-          <p:cNvSpPr/>
-          <p:nvPr/>
-        </p:nvSpPr>
-        <p:spPr>
-          <a:xfrm>
-            <a:off x="0" y="0"/>
-            <a:ext cx="12192000" cy="1364465"/>
-          </a:xfrm>
-          <a:prstGeom prst="rect">
-            <a:avLst/>
-          </a:prstGeom>
-          <a:solidFill>
-            <a:schemeClr val="bg2">
-              <a:lumMod val="25000"/>
-            </a:schemeClr>
-          </a:solidFill>
-        </p:spPr>
-        <p:style>
-          <a:lnRef idx="2">
-            <a:schemeClr val="accent1">
-              <a:shade val="50000"/>
-            </a:schemeClr>
-          </a:lnRef>
-          <a:fillRef idx="1">
-            <a:schemeClr val="accent1"/>
-          </a:fillRef>
-          <a:effectRef idx="0">
-            <a:schemeClr val="accent1"/>
-          </a:effectRef>
-          <a:fontRef idx="minor">
-            <a:schemeClr val="lt1"/>
-          </a:fontRef>
-        </p:style>
-        <p:txBody>
-          <a:bodyPr rtlCol="0" anchor="ctr"/>
-          <a:lstStyle/>
-          <a:p>
-            <a:pPr algn="ctr"/>
-            <a:endParaRPr lang="en-US" dirty="0"/>
-          </a:p>
-        </p:txBody>
-      </p:sp>
-      <p:sp>
-        <p:nvSpPr>
-          <p:cNvPr id="17" name="Footer Placeholder 16">
-            <a:extLst>
-              <a:ext uri="{FF2B5EF4-FFF2-40B4-BE49-F238E27FC236}">
-                <a16:creationId xmlns:a16="http://schemas.microsoft.com/office/drawing/2014/main" id="{385B353A-0F0B-0243-B9EE-09311339478E}"/>
-              </a:ext>
-            </a:extLst>
-          </p:cNvPr>
-          <p:cNvSpPr>
-            <a:spLocks noGrp="1"/>
-          </p:cNvSpPr>
-          <p:nvPr>
-            <p:ph type="ftr" sz="quarter" idx="11"/>
-          </p:nvPr>
-        </p:nvSpPr>
-        <p:spPr/>
-        <p:txBody>
-          <a:bodyPr/>
-          <a:lstStyle/>
-          <a:p>
-            <a:r>
-              <a:rPr lang="en-US"/>
-              <a:t>G2M Insight for Cab Investment</a:t>
-            </a:r>
-          </a:p>
-        </p:txBody>
-      </p:sp>
-      <p:sp>
-        <p:nvSpPr>
-          <p:cNvPr id="19" name="Slide Number Placeholder 18">
-            <a:extLst>
-              <a:ext uri="{FF2B5EF4-FFF2-40B4-BE49-F238E27FC236}">
-                <a16:creationId xmlns:a16="http://schemas.microsoft.com/office/drawing/2014/main" id="{8695A452-BBE8-5C46-ACAB-75700B12BCE9}"/>
-              </a:ext>
-            </a:extLst>
-          </p:cNvPr>
-          <p:cNvSpPr>
-            <a:spLocks noGrp="1"/>
-          </p:cNvSpPr>
-          <p:nvPr>
-            <p:ph type="sldNum" sz="quarter" idx="12"/>
-          </p:nvPr>
-        </p:nvSpPr>
-        <p:spPr/>
-        <p:txBody>
-          <a:bodyPr/>
-          <a:lstStyle/>
-          <a:p>
-            <a:fld id="{F3281B17-8789-6B4C-B449-7FC9CCFFE3A3}" type="slidenum">
-              <a:rPr lang="en-US" smtClean="0"/>
-              <a:t>33</a:t>
-            </a:fld>
-            <a:endParaRPr lang="en-US"/>
-          </a:p>
-        </p:txBody>
-      </p:sp>
-      <p:sp>
-        <p:nvSpPr>
-          <p:cNvPr id="22" name="Date Placeholder 21">
-            <a:extLst>
-              <a:ext uri="{FF2B5EF4-FFF2-40B4-BE49-F238E27FC236}">
-                <a16:creationId xmlns:a16="http://schemas.microsoft.com/office/drawing/2014/main" id="{3B07B327-50D1-3D47-8A16-38A0058A70D1}"/>
-              </a:ext>
-            </a:extLst>
-          </p:cNvPr>
-          <p:cNvSpPr>
-            <a:spLocks noGrp="1"/>
-          </p:cNvSpPr>
-          <p:nvPr>
-            <p:ph type="dt" sz="half" idx="10"/>
-          </p:nvPr>
-        </p:nvSpPr>
-        <p:spPr/>
-        <p:txBody>
-          <a:bodyPr/>
-          <a:lstStyle/>
-          <a:p>
-            <a:fld id="{7562AFF7-31C9-CC44-A8FE-8E4305DAED23}" type="datetime1">
-              <a:rPr lang="en-CA" smtClean="0"/>
-              <a:t>2022-04-26</a:t>
-            </a:fld>
-            <a:endParaRPr lang="en-US"/>
-          </a:p>
-        </p:txBody>
-      </p:sp>
-      <p:sp>
-        <p:nvSpPr>
-          <p:cNvPr id="34" name="Title 1">
-            <a:extLst>
-              <a:ext uri="{FF2B5EF4-FFF2-40B4-BE49-F238E27FC236}">
-                <a16:creationId xmlns:a16="http://schemas.microsoft.com/office/drawing/2014/main" id="{3DFB2EBC-EE5D-1A40-8EA0-25AAD54506CD}"/>
-              </a:ext>
-            </a:extLst>
-          </p:cNvPr>
-          <p:cNvSpPr>
-            <a:spLocks noGrp="1"/>
-          </p:cNvSpPr>
-          <p:nvPr>
-            <p:ph type="title"/>
-          </p:nvPr>
-        </p:nvSpPr>
-        <p:spPr>
-          <a:xfrm>
-            <a:off x="838200" y="46037"/>
-            <a:ext cx="10515600" cy="1325563"/>
-          </a:xfrm>
-        </p:spPr>
-        <p:txBody>
-          <a:bodyPr>
-            <a:normAutofit/>
-          </a:bodyPr>
-          <a:lstStyle/>
-          <a:p>
-            <a:r>
-              <a:rPr lang="en-US" b="1" dirty="0">
-                <a:solidFill>
-                  <a:schemeClr val="accent2"/>
-                </a:solidFill>
-                <a:latin typeface="Calibri" panose="020F0502020204030204" pitchFamily="34" charset="0"/>
-                <a:cs typeface="Calibri" panose="020F0502020204030204" pitchFamily="34" charset="0"/>
-              </a:rPr>
-              <a:t>Profit Margin vs City</a:t>
-            </a:r>
-          </a:p>
-        </p:txBody>
-      </p:sp>
-      <p:pic>
-        <p:nvPicPr>
-          <p:cNvPr id="3" name="Picture 2" descr="Shape&#10;&#10;Description automatically generated">
-            <a:extLst>
-              <a:ext uri="{FF2B5EF4-FFF2-40B4-BE49-F238E27FC236}">
-                <a16:creationId xmlns:a16="http://schemas.microsoft.com/office/drawing/2014/main" id="{C0FC109F-D038-D1B2-952B-E235C4A2A5C6}"/>
-              </a:ext>
-            </a:extLst>
-          </p:cNvPr>
-          <p:cNvPicPr>
-            <a:picLocks noChangeAspect="1"/>
-          </p:cNvPicPr>
-          <p:nvPr/>
-        </p:nvPicPr>
-        <p:blipFill>
-          <a:blip r:embed="rId2"/>
-          <a:stretch>
-            <a:fillRect/>
-          </a:stretch>
-        </p:blipFill>
-        <p:spPr>
-          <a:xfrm>
-            <a:off x="5527273" y="1398616"/>
-            <a:ext cx="6179906" cy="5140296"/>
-          </a:xfrm>
-          <a:prstGeom prst="rect">
-            <a:avLst/>
-          </a:prstGeom>
-        </p:spPr>
-      </p:pic>
-      <p:pic>
-        <p:nvPicPr>
-          <p:cNvPr id="5" name="Picture 4" descr="Chart, pie chart&#10;&#10;Description automatically generated">
-            <a:extLst>
-              <a:ext uri="{FF2B5EF4-FFF2-40B4-BE49-F238E27FC236}">
-                <a16:creationId xmlns:a16="http://schemas.microsoft.com/office/drawing/2014/main" id="{A425966A-A8E5-134E-4056-8CD5AD115942}"/>
-              </a:ext>
-            </a:extLst>
-          </p:cNvPr>
-          <p:cNvPicPr>
-            <a:picLocks noChangeAspect="1"/>
-          </p:cNvPicPr>
-          <p:nvPr/>
-        </p:nvPicPr>
-        <p:blipFill>
-          <a:blip r:embed="rId3"/>
-          <a:stretch>
-            <a:fillRect/>
-          </a:stretch>
-        </p:blipFill>
-        <p:spPr>
-          <a:xfrm>
-            <a:off x="5999300" y="2254264"/>
-            <a:ext cx="6535631" cy="3919523"/>
-          </a:xfrm>
-          <a:prstGeom prst="rect">
-            <a:avLst/>
-          </a:prstGeom>
-        </p:spPr>
-      </p:pic>
-      <p:sp>
-        <p:nvSpPr>
-          <p:cNvPr id="11" name="TextBox 10">
-            <a:extLst>
-              <a:ext uri="{FF2B5EF4-FFF2-40B4-BE49-F238E27FC236}">
-                <a16:creationId xmlns:a16="http://schemas.microsoft.com/office/drawing/2014/main" id="{91AC8F02-B21D-547C-D4C6-8B33CA16E071}"/>
-              </a:ext>
-            </a:extLst>
-          </p:cNvPr>
-          <p:cNvSpPr txBox="1"/>
-          <p:nvPr/>
-        </p:nvSpPr>
-        <p:spPr>
-          <a:xfrm>
-            <a:off x="431800" y="1634930"/>
-            <a:ext cx="5129393" cy="923330"/>
-          </a:xfrm>
-          <a:prstGeom prst="rect">
-            <a:avLst/>
-          </a:prstGeom>
-          <a:noFill/>
-        </p:spPr>
-        <p:txBody>
-          <a:bodyPr wrap="square" rtlCol="0">
-            <a:spAutoFit/>
-          </a:bodyPr>
-          <a:lstStyle/>
-          <a:p>
-            <a:pPr marL="285750" indent="-285750">
-              <a:buFont typeface="Arial" panose="020B0604020202020204" pitchFamily="34" charset="0"/>
-              <a:buChar char="•"/>
-            </a:pPr>
-            <a:r>
-              <a:rPr lang="en-CA" dirty="0"/>
-              <a:t>NY represents about 57% of the total profit of the two cab companies combined. 86% of all cabs in NY are Yellow Cab.</a:t>
-            </a:r>
-          </a:p>
-        </p:txBody>
-      </p:sp>
-      <p:pic>
-        <p:nvPicPr>
-          <p:cNvPr id="7" name="Picture 6" descr="Chart, pie chart&#10;&#10;Description automatically generated">
-            <a:extLst>
-              <a:ext uri="{FF2B5EF4-FFF2-40B4-BE49-F238E27FC236}">
-                <a16:creationId xmlns:a16="http://schemas.microsoft.com/office/drawing/2014/main" id="{9AE3641A-7815-8BBC-348E-265BAD669EB1}"/>
-              </a:ext>
-            </a:extLst>
-          </p:cNvPr>
-          <p:cNvPicPr>
-            <a:picLocks noChangeAspect="1"/>
-          </p:cNvPicPr>
-          <p:nvPr/>
-        </p:nvPicPr>
-        <p:blipFill>
-          <a:blip r:embed="rId4"/>
-          <a:stretch>
-            <a:fillRect/>
-          </a:stretch>
-        </p:blipFill>
-        <p:spPr>
-          <a:xfrm>
-            <a:off x="-652663" y="2684857"/>
-            <a:ext cx="7264400" cy="3835400"/>
-          </a:xfrm>
-          <a:prstGeom prst="rect">
-            <a:avLst/>
-          </a:prstGeom>
-        </p:spPr>
-      </p:pic>
-    </p:spTree>
-    <p:extLst>
-      <p:ext uri="{BB962C8B-B14F-4D97-AF65-F5344CB8AC3E}">
-        <p14:creationId xmlns:p14="http://schemas.microsoft.com/office/powerpoint/2010/main" val="987257266"/>
-      </p:ext>
-    </p:extLst>
-  </p:cSld>
-  <p:clrMapOvr>
-    <a:masterClrMapping/>
-  </p:clrMapOvr>
-</p:sld>
-</file>
-
-<file path=ppt/slides/slide34.xml><?xml version="1.0" encoding="utf-8"?>
-<p:sld xmlns:a="http://schemas.openxmlformats.org/drawingml/2006/main" xmlns:r="http://schemas.openxmlformats.org/officeDocument/2006/relationships" xmlns:p="http://schemas.openxmlformats.org/presentationml/2006/main">
-  <p:cSld>
-    <p:spTree>
-      <p:nvGrpSpPr>
-        <p:cNvPr id="1" name=""/>
-        <p:cNvGrpSpPr/>
-        <p:nvPr/>
-      </p:nvGrpSpPr>
-      <p:grpSpPr>
-        <a:xfrm>
-          <a:off x="0" y="0"/>
-          <a:ext cx="0" cy="0"/>
-          <a:chOff x="0" y="0"/>
-          <a:chExt cx="0" cy="0"/>
-        </a:xfrm>
-      </p:grpSpPr>
-      <p:sp>
-        <p:nvSpPr>
-          <p:cNvPr id="18" name="Rectangle 17">
-            <a:extLst>
-              <a:ext uri="{FF2B5EF4-FFF2-40B4-BE49-F238E27FC236}">
-                <a16:creationId xmlns:a16="http://schemas.microsoft.com/office/drawing/2014/main" id="{3FDECAE3-36C4-B048-BBC3-A0828AC8256E}"/>
-              </a:ext>
-            </a:extLst>
-          </p:cNvPr>
-          <p:cNvSpPr/>
-          <p:nvPr/>
-        </p:nvSpPr>
-        <p:spPr>
-          <a:xfrm>
-            <a:off x="0" y="0"/>
-            <a:ext cx="12192000" cy="1364465"/>
-          </a:xfrm>
-          <a:prstGeom prst="rect">
-            <a:avLst/>
-          </a:prstGeom>
-          <a:solidFill>
-            <a:schemeClr val="bg2">
-              <a:lumMod val="25000"/>
-            </a:schemeClr>
-          </a:solidFill>
-        </p:spPr>
-        <p:style>
-          <a:lnRef idx="2">
-            <a:schemeClr val="accent1">
-              <a:shade val="50000"/>
-            </a:schemeClr>
-          </a:lnRef>
-          <a:fillRef idx="1">
-            <a:schemeClr val="accent1"/>
-          </a:fillRef>
-          <a:effectRef idx="0">
-            <a:schemeClr val="accent1"/>
-          </a:effectRef>
-          <a:fontRef idx="minor">
-            <a:schemeClr val="lt1"/>
-          </a:fontRef>
-        </p:style>
-        <p:txBody>
-          <a:bodyPr rtlCol="0" anchor="ctr"/>
-          <a:lstStyle/>
-          <a:p>
-            <a:pPr algn="ctr"/>
-            <a:endParaRPr lang="en-US" dirty="0"/>
-          </a:p>
-        </p:txBody>
-      </p:sp>
-      <p:sp>
-        <p:nvSpPr>
-          <p:cNvPr id="17" name="Footer Placeholder 16">
-            <a:extLst>
-              <a:ext uri="{FF2B5EF4-FFF2-40B4-BE49-F238E27FC236}">
-                <a16:creationId xmlns:a16="http://schemas.microsoft.com/office/drawing/2014/main" id="{385B353A-0F0B-0243-B9EE-09311339478E}"/>
-              </a:ext>
-            </a:extLst>
-          </p:cNvPr>
-          <p:cNvSpPr>
-            <a:spLocks noGrp="1"/>
-          </p:cNvSpPr>
-          <p:nvPr>
-            <p:ph type="ftr" sz="quarter" idx="11"/>
-          </p:nvPr>
-        </p:nvSpPr>
-        <p:spPr/>
-        <p:txBody>
-          <a:bodyPr/>
-          <a:lstStyle/>
-          <a:p>
-            <a:r>
-              <a:rPr lang="en-US"/>
-              <a:t>G2M Insight for Cab Investment</a:t>
-            </a:r>
-          </a:p>
-        </p:txBody>
-      </p:sp>
-      <p:sp>
-        <p:nvSpPr>
-          <p:cNvPr id="19" name="Slide Number Placeholder 18">
-            <a:extLst>
-              <a:ext uri="{FF2B5EF4-FFF2-40B4-BE49-F238E27FC236}">
-                <a16:creationId xmlns:a16="http://schemas.microsoft.com/office/drawing/2014/main" id="{8695A452-BBE8-5C46-ACAB-75700B12BCE9}"/>
-              </a:ext>
-            </a:extLst>
-          </p:cNvPr>
-          <p:cNvSpPr>
-            <a:spLocks noGrp="1"/>
-          </p:cNvSpPr>
-          <p:nvPr>
-            <p:ph type="sldNum" sz="quarter" idx="12"/>
-          </p:nvPr>
-        </p:nvSpPr>
-        <p:spPr/>
-        <p:txBody>
-          <a:bodyPr/>
-          <a:lstStyle/>
-          <a:p>
-            <a:fld id="{F3281B17-8789-6B4C-B449-7FC9CCFFE3A3}" type="slidenum">
-              <a:rPr lang="en-US" smtClean="0"/>
-              <a:t>34</a:t>
-            </a:fld>
-            <a:endParaRPr lang="en-US"/>
-          </a:p>
-        </p:txBody>
-      </p:sp>
-      <p:sp>
-        <p:nvSpPr>
-          <p:cNvPr id="22" name="Date Placeholder 21">
-            <a:extLst>
-              <a:ext uri="{FF2B5EF4-FFF2-40B4-BE49-F238E27FC236}">
-                <a16:creationId xmlns:a16="http://schemas.microsoft.com/office/drawing/2014/main" id="{3B07B327-50D1-3D47-8A16-38A0058A70D1}"/>
-              </a:ext>
-            </a:extLst>
-          </p:cNvPr>
-          <p:cNvSpPr>
-            <a:spLocks noGrp="1"/>
-          </p:cNvSpPr>
-          <p:nvPr>
-            <p:ph type="dt" sz="half" idx="10"/>
-          </p:nvPr>
-        </p:nvSpPr>
-        <p:spPr/>
-        <p:txBody>
-          <a:bodyPr/>
-          <a:lstStyle/>
-          <a:p>
-            <a:fld id="{7562AFF7-31C9-CC44-A8FE-8E4305DAED23}" type="datetime1">
-              <a:rPr lang="en-CA" smtClean="0"/>
-              <a:t>2022-04-26</a:t>
-            </a:fld>
-            <a:endParaRPr lang="en-US"/>
-          </a:p>
-        </p:txBody>
-      </p:sp>
-      <p:sp>
-        <p:nvSpPr>
-          <p:cNvPr id="34" name="Title 1">
-            <a:extLst>
-              <a:ext uri="{FF2B5EF4-FFF2-40B4-BE49-F238E27FC236}">
-                <a16:creationId xmlns:a16="http://schemas.microsoft.com/office/drawing/2014/main" id="{3DFB2EBC-EE5D-1A40-8EA0-25AAD54506CD}"/>
-              </a:ext>
-            </a:extLst>
-          </p:cNvPr>
-          <p:cNvSpPr>
-            <a:spLocks noGrp="1"/>
-          </p:cNvSpPr>
-          <p:nvPr>
-            <p:ph type="title"/>
-          </p:nvPr>
-        </p:nvSpPr>
-        <p:spPr>
-          <a:xfrm>
-            <a:off x="838200" y="46037"/>
-            <a:ext cx="10515600" cy="1325563"/>
-          </a:xfrm>
-        </p:spPr>
-        <p:txBody>
-          <a:bodyPr>
-            <a:normAutofit/>
-          </a:bodyPr>
-          <a:lstStyle/>
-          <a:p>
-            <a:r>
-              <a:rPr lang="en-US" b="1" dirty="0">
-                <a:solidFill>
-                  <a:schemeClr val="accent2"/>
-                </a:solidFill>
-                <a:latin typeface="Calibri" panose="020F0502020204030204" pitchFamily="34" charset="0"/>
-                <a:cs typeface="Calibri" panose="020F0502020204030204" pitchFamily="34" charset="0"/>
-              </a:rPr>
-              <a:t>Profit Margin vs Company</a:t>
-            </a:r>
-          </a:p>
-        </p:txBody>
-      </p:sp>
-      <p:sp>
-        <p:nvSpPr>
-          <p:cNvPr id="11" name="TextBox 10">
-            <a:extLst>
-              <a:ext uri="{FF2B5EF4-FFF2-40B4-BE49-F238E27FC236}">
-                <a16:creationId xmlns:a16="http://schemas.microsoft.com/office/drawing/2014/main" id="{91AC8F02-B21D-547C-D4C6-8B33CA16E071}"/>
-              </a:ext>
-            </a:extLst>
-          </p:cNvPr>
-          <p:cNvSpPr txBox="1"/>
-          <p:nvPr/>
-        </p:nvSpPr>
-        <p:spPr>
-          <a:xfrm>
-            <a:off x="431800" y="1634930"/>
-            <a:ext cx="5129393" cy="646331"/>
-          </a:xfrm>
-          <a:prstGeom prst="rect">
-            <a:avLst/>
-          </a:prstGeom>
-          <a:noFill/>
-        </p:spPr>
-        <p:txBody>
-          <a:bodyPr wrap="square" rtlCol="0">
-            <a:spAutoFit/>
-          </a:bodyPr>
-          <a:lstStyle/>
-          <a:p>
-            <a:pPr marL="285750" indent="-285750">
-              <a:buFont typeface="Arial" panose="020B0604020202020204" pitchFamily="34" charset="0"/>
-              <a:buChar char="•"/>
-            </a:pPr>
-            <a:r>
-              <a:rPr lang="en-CA" dirty="0"/>
-              <a:t>Yellow cab owns 89% of the total profit made by both cab companies </a:t>
-            </a:r>
-          </a:p>
-        </p:txBody>
-      </p:sp>
-      <p:pic>
-        <p:nvPicPr>
-          <p:cNvPr id="4" name="Picture 3" descr="Chart, pie chart&#10;&#10;Description automatically generated">
-            <a:extLst>
-              <a:ext uri="{FF2B5EF4-FFF2-40B4-BE49-F238E27FC236}">
-                <a16:creationId xmlns:a16="http://schemas.microsoft.com/office/drawing/2014/main" id="{82815CFE-1D0E-6A9A-02C8-A2697B7C3ADA}"/>
-              </a:ext>
-            </a:extLst>
-          </p:cNvPr>
-          <p:cNvPicPr>
-            <a:picLocks noChangeAspect="1"/>
-          </p:cNvPicPr>
-          <p:nvPr/>
-        </p:nvPicPr>
-        <p:blipFill>
-          <a:blip r:embed="rId2"/>
-          <a:stretch>
-            <a:fillRect/>
-          </a:stretch>
-        </p:blipFill>
-        <p:spPr>
-          <a:xfrm>
-            <a:off x="2463800" y="2401105"/>
-            <a:ext cx="7264400" cy="3835400"/>
-          </a:xfrm>
-          <a:prstGeom prst="rect">
-            <a:avLst/>
-          </a:prstGeom>
-        </p:spPr>
-      </p:pic>
-    </p:spTree>
-    <p:extLst>
-      <p:ext uri="{BB962C8B-B14F-4D97-AF65-F5344CB8AC3E}">
-        <p14:creationId xmlns:p14="http://schemas.microsoft.com/office/powerpoint/2010/main" val="781973867"/>
-      </p:ext>
-    </p:extLst>
-  </p:cSld>
-  <p:clrMapOvr>
-    <a:masterClrMapping/>
-  </p:clrMapOvr>
-</p:sld>
-</file>
-
-<file path=ppt/slides/slide35.xml><?xml version="1.0" encoding="utf-8"?>
-<p:sld xmlns:a="http://schemas.openxmlformats.org/drawingml/2006/main" xmlns:r="http://schemas.openxmlformats.org/officeDocument/2006/relationships" xmlns:p="http://schemas.openxmlformats.org/presentationml/2006/main">
-  <p:cSld>
-    <p:spTree>
-      <p:nvGrpSpPr>
-        <p:cNvPr id="1" name=""/>
-        <p:cNvGrpSpPr/>
-        <p:nvPr/>
-      </p:nvGrpSpPr>
-      <p:grpSpPr>
-        <a:xfrm>
-          <a:off x="0" y="0"/>
-          <a:ext cx="0" cy="0"/>
-          <a:chOff x="0" y="0"/>
-          <a:chExt cx="0" cy="0"/>
-        </a:xfrm>
-      </p:grpSpPr>
-      <p:sp>
-        <p:nvSpPr>
-          <p:cNvPr id="18" name="Rectangle 17">
-            <a:extLst>
-              <a:ext uri="{FF2B5EF4-FFF2-40B4-BE49-F238E27FC236}">
-                <a16:creationId xmlns:a16="http://schemas.microsoft.com/office/drawing/2014/main" id="{3FDECAE3-36C4-B048-BBC3-A0828AC8256E}"/>
-              </a:ext>
-            </a:extLst>
-          </p:cNvPr>
-          <p:cNvSpPr/>
-          <p:nvPr/>
-        </p:nvSpPr>
-        <p:spPr>
-          <a:xfrm>
-            <a:off x="0" y="0"/>
-            <a:ext cx="12192000" cy="1364465"/>
-          </a:xfrm>
-          <a:prstGeom prst="rect">
-            <a:avLst/>
-          </a:prstGeom>
-          <a:solidFill>
-            <a:schemeClr val="bg2">
-              <a:lumMod val="25000"/>
-            </a:schemeClr>
-          </a:solidFill>
-        </p:spPr>
-        <p:style>
-          <a:lnRef idx="2">
-            <a:schemeClr val="accent1">
-              <a:shade val="50000"/>
-            </a:schemeClr>
-          </a:lnRef>
-          <a:fillRef idx="1">
-            <a:schemeClr val="accent1"/>
-          </a:fillRef>
-          <a:effectRef idx="0">
-            <a:schemeClr val="accent1"/>
-          </a:effectRef>
-          <a:fontRef idx="minor">
-            <a:schemeClr val="lt1"/>
-          </a:fontRef>
-        </p:style>
-        <p:txBody>
-          <a:bodyPr rtlCol="0" anchor="ctr"/>
-          <a:lstStyle/>
-          <a:p>
-            <a:pPr algn="ctr"/>
-            <a:endParaRPr lang="en-US" dirty="0"/>
-          </a:p>
-        </p:txBody>
-      </p:sp>
-      <p:sp>
-        <p:nvSpPr>
-          <p:cNvPr id="17" name="Footer Placeholder 16">
-            <a:extLst>
-              <a:ext uri="{FF2B5EF4-FFF2-40B4-BE49-F238E27FC236}">
-                <a16:creationId xmlns:a16="http://schemas.microsoft.com/office/drawing/2014/main" id="{385B353A-0F0B-0243-B9EE-09311339478E}"/>
-              </a:ext>
-            </a:extLst>
-          </p:cNvPr>
-          <p:cNvSpPr>
-            <a:spLocks noGrp="1"/>
-          </p:cNvSpPr>
-          <p:nvPr>
-            <p:ph type="ftr" sz="quarter" idx="11"/>
-          </p:nvPr>
-        </p:nvSpPr>
-        <p:spPr/>
-        <p:txBody>
-          <a:bodyPr/>
-          <a:lstStyle/>
-          <a:p>
-            <a:r>
-              <a:rPr lang="en-US"/>
-              <a:t>G2M Insight for Cab Investment</a:t>
-            </a:r>
-          </a:p>
-        </p:txBody>
-      </p:sp>
-      <p:sp>
-        <p:nvSpPr>
-          <p:cNvPr id="19" name="Slide Number Placeholder 18">
-            <a:extLst>
-              <a:ext uri="{FF2B5EF4-FFF2-40B4-BE49-F238E27FC236}">
-                <a16:creationId xmlns:a16="http://schemas.microsoft.com/office/drawing/2014/main" id="{8695A452-BBE8-5C46-ACAB-75700B12BCE9}"/>
-              </a:ext>
-            </a:extLst>
-          </p:cNvPr>
-          <p:cNvSpPr>
-            <a:spLocks noGrp="1"/>
-          </p:cNvSpPr>
-          <p:nvPr>
-            <p:ph type="sldNum" sz="quarter" idx="12"/>
-          </p:nvPr>
-        </p:nvSpPr>
-        <p:spPr/>
-        <p:txBody>
-          <a:bodyPr/>
-          <a:lstStyle/>
-          <a:p>
-            <a:fld id="{F3281B17-8789-6B4C-B449-7FC9CCFFE3A3}" type="slidenum">
-              <a:rPr lang="en-US" smtClean="0"/>
-              <a:t>35</a:t>
-            </a:fld>
-            <a:endParaRPr lang="en-US"/>
-          </a:p>
-        </p:txBody>
-      </p:sp>
-      <p:sp>
-        <p:nvSpPr>
-          <p:cNvPr id="22" name="Date Placeholder 21">
-            <a:extLst>
-              <a:ext uri="{FF2B5EF4-FFF2-40B4-BE49-F238E27FC236}">
-                <a16:creationId xmlns:a16="http://schemas.microsoft.com/office/drawing/2014/main" id="{3B07B327-50D1-3D47-8A16-38A0058A70D1}"/>
-              </a:ext>
-            </a:extLst>
-          </p:cNvPr>
-          <p:cNvSpPr>
-            <a:spLocks noGrp="1"/>
-          </p:cNvSpPr>
-          <p:nvPr>
-            <p:ph type="dt" sz="half" idx="10"/>
-          </p:nvPr>
-        </p:nvSpPr>
-        <p:spPr/>
-        <p:txBody>
-          <a:bodyPr/>
-          <a:lstStyle/>
-          <a:p>
-            <a:fld id="{7562AFF7-31C9-CC44-A8FE-8E4305DAED23}" type="datetime1">
-              <a:rPr lang="en-CA" smtClean="0"/>
-              <a:t>2022-04-26</a:t>
-            </a:fld>
-            <a:endParaRPr lang="en-US"/>
-          </a:p>
-        </p:txBody>
-      </p:sp>
-      <p:sp>
-        <p:nvSpPr>
-          <p:cNvPr id="34" name="Title 1">
-            <a:extLst>
-              <a:ext uri="{FF2B5EF4-FFF2-40B4-BE49-F238E27FC236}">
-                <a16:creationId xmlns:a16="http://schemas.microsoft.com/office/drawing/2014/main" id="{3DFB2EBC-EE5D-1A40-8EA0-25AAD54506CD}"/>
-              </a:ext>
-            </a:extLst>
-          </p:cNvPr>
-          <p:cNvSpPr>
-            <a:spLocks noGrp="1"/>
-          </p:cNvSpPr>
-          <p:nvPr>
-            <p:ph type="title"/>
-          </p:nvPr>
-        </p:nvSpPr>
-        <p:spPr>
-          <a:xfrm>
-            <a:off x="838200" y="46037"/>
-            <a:ext cx="10515600" cy="1325563"/>
-          </a:xfrm>
-        </p:spPr>
-        <p:txBody>
-          <a:bodyPr>
-            <a:normAutofit/>
-          </a:bodyPr>
-          <a:lstStyle/>
-          <a:p>
-            <a:r>
-              <a:rPr lang="en-US" b="1" dirty="0">
-                <a:solidFill>
-                  <a:schemeClr val="accent2"/>
-                </a:solidFill>
-                <a:latin typeface="Calibri" panose="020F0502020204030204" pitchFamily="34" charset="0"/>
-                <a:cs typeface="Calibri" panose="020F0502020204030204" pitchFamily="34" charset="0"/>
-              </a:rPr>
-              <a:t>Profit Margin vs 20 most frequent users</a:t>
-            </a:r>
-          </a:p>
-        </p:txBody>
-      </p:sp>
-      <p:sp>
-        <p:nvSpPr>
-          <p:cNvPr id="11" name="TextBox 10">
-            <a:extLst>
-              <a:ext uri="{FF2B5EF4-FFF2-40B4-BE49-F238E27FC236}">
-                <a16:creationId xmlns:a16="http://schemas.microsoft.com/office/drawing/2014/main" id="{91AC8F02-B21D-547C-D4C6-8B33CA16E071}"/>
-              </a:ext>
-            </a:extLst>
-          </p:cNvPr>
-          <p:cNvSpPr txBox="1"/>
-          <p:nvPr/>
-        </p:nvSpPr>
-        <p:spPr>
-          <a:xfrm>
-            <a:off x="431800" y="1634930"/>
-            <a:ext cx="5129393" cy="646331"/>
-          </a:xfrm>
-          <a:prstGeom prst="rect">
-            <a:avLst/>
-          </a:prstGeom>
-          <a:noFill/>
-        </p:spPr>
-        <p:txBody>
-          <a:bodyPr wrap="square" rtlCol="0">
-            <a:spAutoFit/>
-          </a:bodyPr>
-          <a:lstStyle/>
-          <a:p>
-            <a:pPr marL="285750" indent="-285750">
-              <a:buFont typeface="Arial" panose="020B0604020202020204" pitchFamily="34" charset="0"/>
-              <a:buChar char="•"/>
-            </a:pPr>
-            <a:r>
-              <a:rPr lang="en-CA" dirty="0"/>
-              <a:t>Analyzing the 20 most frequent cab users, we can observe a preference for </a:t>
-            </a:r>
-            <a:r>
-              <a:rPr lang="en-CA" b="1" dirty="0"/>
-              <a:t>Yellow cab</a:t>
-            </a:r>
-            <a:r>
-              <a:rPr lang="en-CA" dirty="0"/>
-              <a:t>.</a:t>
-            </a:r>
-          </a:p>
-        </p:txBody>
-      </p:sp>
-      <p:pic>
-        <p:nvPicPr>
-          <p:cNvPr id="3" name="Picture 2" descr="Background pattern&#10;&#10;Description automatically generated">
-            <a:extLst>
-              <a:ext uri="{FF2B5EF4-FFF2-40B4-BE49-F238E27FC236}">
-                <a16:creationId xmlns:a16="http://schemas.microsoft.com/office/drawing/2014/main" id="{737414B3-7E96-8D93-98D4-8C4007C43912}"/>
-              </a:ext>
-            </a:extLst>
-          </p:cNvPr>
-          <p:cNvPicPr>
-            <a:picLocks noChangeAspect="1"/>
-          </p:cNvPicPr>
-          <p:nvPr/>
-        </p:nvPicPr>
-        <p:blipFill>
-          <a:blip r:embed="rId2"/>
-          <a:stretch>
-            <a:fillRect/>
-          </a:stretch>
-        </p:blipFill>
-        <p:spPr>
-          <a:xfrm>
-            <a:off x="4384057" y="1774588"/>
-            <a:ext cx="7376143" cy="4383026"/>
-          </a:xfrm>
-          <a:prstGeom prst="rect">
-            <a:avLst/>
-          </a:prstGeom>
-        </p:spPr>
-      </p:pic>
-    </p:spTree>
-    <p:extLst>
-      <p:ext uri="{BB962C8B-B14F-4D97-AF65-F5344CB8AC3E}">
-        <p14:creationId xmlns:p14="http://schemas.microsoft.com/office/powerpoint/2010/main" val="994170214"/>
-      </p:ext>
-    </p:extLst>
-  </p:cSld>
-  <p:clrMapOvr>
-    <a:masterClrMapping/>
-  </p:clrMapOvr>
-</p:sld>
-</file>
-
-<file path=ppt/slides/slide36.xml><?xml version="1.0" encoding="utf-8"?>
-<p:sld xmlns:a="http://schemas.openxmlformats.org/drawingml/2006/main" xmlns:r="http://schemas.openxmlformats.org/officeDocument/2006/relationships" xmlns:p="http://schemas.openxmlformats.org/presentationml/2006/main">
-  <p:cSld>
-    <p:spTree>
-      <p:nvGrpSpPr>
-        <p:cNvPr id="1" name=""/>
-        <p:cNvGrpSpPr/>
-        <p:nvPr/>
-      </p:nvGrpSpPr>
-      <p:grpSpPr>
-        <a:xfrm>
-          <a:off x="0" y="0"/>
-          <a:ext cx="0" cy="0"/>
-          <a:chOff x="0" y="0"/>
-          <a:chExt cx="0" cy="0"/>
-        </a:xfrm>
-      </p:grpSpPr>
-      <p:sp>
-        <p:nvSpPr>
-          <p:cNvPr id="17" name="Title 1">
-            <a:extLst>
-              <a:ext uri="{FF2B5EF4-FFF2-40B4-BE49-F238E27FC236}">
-                <a16:creationId xmlns:a16="http://schemas.microsoft.com/office/drawing/2014/main" id="{DF258E9D-9119-1149-9B49-FE0FF5A3EE5F}"/>
-              </a:ext>
-            </a:extLst>
-          </p:cNvPr>
-          <p:cNvSpPr>
-            <a:spLocks noGrp="1"/>
-          </p:cNvSpPr>
-          <p:nvPr>
-            <p:ph type="title"/>
-          </p:nvPr>
-        </p:nvSpPr>
-        <p:spPr>
-          <a:xfrm>
-            <a:off x="762000" y="7107"/>
-            <a:ext cx="10498930" cy="1359380"/>
-          </a:xfrm>
-        </p:spPr>
-        <p:txBody>
-          <a:bodyPr>
-            <a:normAutofit/>
-          </a:bodyPr>
-          <a:lstStyle/>
-          <a:p>
-            <a:r>
-              <a:rPr lang="en-US" sz="3500" b="1" dirty="0">
-                <a:solidFill>
-                  <a:schemeClr val="accent2"/>
-                </a:solidFill>
-              </a:rPr>
-              <a:t>Profit </a:t>
-            </a:r>
-            <a:r>
-              <a:rPr lang="en-US" sz="3500" b="1" dirty="0" err="1">
-                <a:solidFill>
-                  <a:schemeClr val="accent2"/>
-                </a:solidFill>
-              </a:rPr>
-              <a:t>Analysisz</a:t>
-            </a:r>
-            <a:endParaRPr lang="en-US" sz="3500" b="1" dirty="0">
-              <a:solidFill>
-                <a:schemeClr val="accent2"/>
-              </a:solidFill>
-            </a:endParaRPr>
-          </a:p>
-        </p:txBody>
-      </p:sp>
-      <p:sp>
-        <p:nvSpPr>
-          <p:cNvPr id="3" name="Rectangle 2">
-            <a:extLst>
-              <a:ext uri="{FF2B5EF4-FFF2-40B4-BE49-F238E27FC236}">
-                <a16:creationId xmlns:a16="http://schemas.microsoft.com/office/drawing/2014/main" id="{5379C949-80B5-CA4E-B810-B4F62F4B63E7}"/>
-              </a:ext>
-            </a:extLst>
-          </p:cNvPr>
-          <p:cNvSpPr/>
-          <p:nvPr/>
-        </p:nvSpPr>
-        <p:spPr>
-          <a:xfrm>
-            <a:off x="0" y="0"/>
-            <a:ext cx="12192000" cy="1383912"/>
-          </a:xfrm>
-          <a:prstGeom prst="rect">
-            <a:avLst/>
-          </a:prstGeom>
-          <a:solidFill>
-            <a:schemeClr val="bg2">
-              <a:lumMod val="25000"/>
-            </a:schemeClr>
-          </a:solidFill>
-        </p:spPr>
-        <p:style>
-          <a:lnRef idx="2">
-            <a:schemeClr val="accent1">
-              <a:shade val="50000"/>
-            </a:schemeClr>
-          </a:lnRef>
-          <a:fillRef idx="1">
-            <a:schemeClr val="accent1"/>
-          </a:fillRef>
-          <a:effectRef idx="0">
-            <a:schemeClr val="accent1"/>
-          </a:effectRef>
-          <a:fontRef idx="minor">
-            <a:schemeClr val="lt1"/>
-          </a:fontRef>
-        </p:style>
-        <p:txBody>
-          <a:bodyPr rtlCol="0" anchor="ctr"/>
-          <a:lstStyle/>
-          <a:p>
-            <a:endParaRPr lang="en-US" sz="4400" b="1" dirty="0">
-              <a:solidFill>
-                <a:schemeClr val="bg2">
-                  <a:lumMod val="25000"/>
-                </a:schemeClr>
-              </a:solidFill>
-              <a:latin typeface="Calibri" panose="020F0502020204030204" pitchFamily="34" charset="0"/>
-              <a:cs typeface="Calibri" panose="020F0502020204030204" pitchFamily="34" charset="0"/>
-            </a:endParaRPr>
-          </a:p>
-        </p:txBody>
-      </p:sp>
-      <p:sp>
-        <p:nvSpPr>
-          <p:cNvPr id="10" name="Footer Placeholder 9">
-            <a:extLst>
-              <a:ext uri="{FF2B5EF4-FFF2-40B4-BE49-F238E27FC236}">
-                <a16:creationId xmlns:a16="http://schemas.microsoft.com/office/drawing/2014/main" id="{561127C0-5A56-7F49-BF00-FA73BB10B307}"/>
-              </a:ext>
-            </a:extLst>
-          </p:cNvPr>
-          <p:cNvSpPr>
-            <a:spLocks noGrp="1"/>
-          </p:cNvSpPr>
-          <p:nvPr>
-            <p:ph type="ftr" sz="quarter" idx="11"/>
-          </p:nvPr>
-        </p:nvSpPr>
-        <p:spPr/>
-        <p:txBody>
-          <a:bodyPr/>
-          <a:lstStyle/>
-          <a:p>
-            <a:r>
-              <a:rPr lang="en-US"/>
-              <a:t>G2M Insight for Cab Investment</a:t>
-            </a:r>
-          </a:p>
-        </p:txBody>
-      </p:sp>
-      <p:sp>
-        <p:nvSpPr>
-          <p:cNvPr id="11" name="Slide Number Placeholder 10">
-            <a:extLst>
-              <a:ext uri="{FF2B5EF4-FFF2-40B4-BE49-F238E27FC236}">
-                <a16:creationId xmlns:a16="http://schemas.microsoft.com/office/drawing/2014/main" id="{948C9FE8-F0E4-A94B-9D74-695B027DF9F2}"/>
-              </a:ext>
-            </a:extLst>
-          </p:cNvPr>
-          <p:cNvSpPr>
-            <a:spLocks noGrp="1"/>
-          </p:cNvSpPr>
-          <p:nvPr>
-            <p:ph type="sldNum" sz="quarter" idx="12"/>
-          </p:nvPr>
-        </p:nvSpPr>
-        <p:spPr/>
-        <p:txBody>
-          <a:bodyPr/>
-          <a:lstStyle/>
-          <a:p>
-            <a:fld id="{F3281B17-8789-6B4C-B449-7FC9CCFFE3A3}" type="slidenum">
-              <a:rPr lang="en-US" smtClean="0"/>
-              <a:t>36</a:t>
-            </a:fld>
-            <a:endParaRPr lang="en-US"/>
-          </a:p>
-        </p:txBody>
-      </p:sp>
-      <p:sp>
-        <p:nvSpPr>
-          <p:cNvPr id="18" name="Date Placeholder 17">
-            <a:extLst>
-              <a:ext uri="{FF2B5EF4-FFF2-40B4-BE49-F238E27FC236}">
-                <a16:creationId xmlns:a16="http://schemas.microsoft.com/office/drawing/2014/main" id="{CF44F1BE-F959-954D-A3C9-A3118657260E}"/>
-              </a:ext>
-            </a:extLst>
-          </p:cNvPr>
-          <p:cNvSpPr>
-            <a:spLocks noGrp="1"/>
-          </p:cNvSpPr>
-          <p:nvPr>
-            <p:ph type="dt" sz="half" idx="10"/>
-          </p:nvPr>
-        </p:nvSpPr>
-        <p:spPr/>
-        <p:txBody>
-          <a:bodyPr/>
-          <a:lstStyle/>
-          <a:p>
-            <a:fld id="{21541C24-3BF6-194F-8030-81F46A112F1E}" type="datetime1">
-              <a:rPr lang="en-CA" smtClean="0"/>
-              <a:t>2022-04-26</a:t>
-            </a:fld>
-            <a:endParaRPr lang="en-US"/>
-          </a:p>
-        </p:txBody>
-      </p:sp>
-      <p:sp>
-        <p:nvSpPr>
-          <p:cNvPr id="21" name="Title 1">
-            <a:extLst>
-              <a:ext uri="{FF2B5EF4-FFF2-40B4-BE49-F238E27FC236}">
-                <a16:creationId xmlns:a16="http://schemas.microsoft.com/office/drawing/2014/main" id="{08C2AEF5-5E61-9647-9AF9-338224AB51BF}"/>
-              </a:ext>
-            </a:extLst>
-          </p:cNvPr>
-          <p:cNvSpPr txBox="1">
-            <a:spLocks/>
-          </p:cNvSpPr>
-          <p:nvPr/>
-        </p:nvSpPr>
-        <p:spPr>
-          <a:xfrm>
-            <a:off x="838200" y="46037"/>
-            <a:ext cx="10515600" cy="1325563"/>
-          </a:xfrm>
-          <a:prstGeom prst="rect">
-            <a:avLst/>
-          </a:prstGeom>
-        </p:spPr>
-        <p:txBody>
-          <a:bodyPr vert="horz" lIns="91440" tIns="45720" rIns="91440" bIns="45720" rtlCol="0" anchor="ctr">
-            <a:normAutofit/>
-          </a:bodyPr>
-          <a:lstStyle>
-            <a:lvl1pPr algn="l" defTabSz="914400" rtl="0" eaLnBrk="1" latinLnBrk="0" hangingPunct="1">
-              <a:lnSpc>
-                <a:spcPct val="90000"/>
-              </a:lnSpc>
-              <a:spcBef>
-                <a:spcPct val="0"/>
-              </a:spcBef>
-              <a:buNone/>
-              <a:defRPr sz="4400" kern="1200">
-                <a:solidFill>
-                  <a:schemeClr val="tx1"/>
-                </a:solidFill>
-                <a:latin typeface="+mj-lt"/>
-                <a:ea typeface="+mj-ea"/>
-                <a:cs typeface="+mj-cs"/>
-              </a:defRPr>
-            </a:lvl1pPr>
-          </a:lstStyle>
-          <a:p>
-            <a:r>
-              <a:rPr lang="en-US" b="1" dirty="0">
-                <a:solidFill>
-                  <a:schemeClr val="accent2"/>
-                </a:solidFill>
-                <a:latin typeface="Calibri" panose="020F0502020204030204" pitchFamily="34" charset="0"/>
-                <a:cs typeface="Calibri" panose="020F0502020204030204" pitchFamily="34" charset="0"/>
-              </a:rPr>
-              <a:t>Profit Margin vs User income</a:t>
-            </a:r>
-          </a:p>
-        </p:txBody>
-      </p:sp>
-      <p:sp>
-        <p:nvSpPr>
-          <p:cNvPr id="12" name="TextBox 11">
-            <a:extLst>
-              <a:ext uri="{FF2B5EF4-FFF2-40B4-BE49-F238E27FC236}">
-                <a16:creationId xmlns:a16="http://schemas.microsoft.com/office/drawing/2014/main" id="{68C5EDBD-2F9F-D2A9-E3EB-B8351881B5DB}"/>
-              </a:ext>
-            </a:extLst>
-          </p:cNvPr>
-          <p:cNvSpPr txBox="1"/>
-          <p:nvPr/>
-        </p:nvSpPr>
-        <p:spPr>
-          <a:xfrm>
-            <a:off x="431800" y="1634930"/>
-            <a:ext cx="5129393" cy="923330"/>
-          </a:xfrm>
-          <a:prstGeom prst="rect">
-            <a:avLst/>
-          </a:prstGeom>
-          <a:noFill/>
-        </p:spPr>
-        <p:txBody>
-          <a:bodyPr wrap="square" rtlCol="0">
-            <a:spAutoFit/>
-          </a:bodyPr>
-          <a:lstStyle/>
-          <a:p>
-            <a:pPr marL="285750" indent="-285750">
-              <a:buFont typeface="Arial" panose="020B0604020202020204" pitchFamily="34" charset="0"/>
-              <a:buChar char="•"/>
-            </a:pPr>
-            <a:r>
-              <a:rPr lang="en-CA" dirty="0"/>
-              <a:t>The profit margins of the Yellow Cab and Pink Cab come from users with incomes/month ranging from $5,000 to $25,000. Most use a Yellow cab.</a:t>
-            </a:r>
-          </a:p>
-        </p:txBody>
-      </p:sp>
-      <p:pic>
-        <p:nvPicPr>
-          <p:cNvPr id="7" name="Picture 6" descr="Chart, bar chart&#10;&#10;Description automatically generated">
-            <a:extLst>
-              <a:ext uri="{FF2B5EF4-FFF2-40B4-BE49-F238E27FC236}">
-                <a16:creationId xmlns:a16="http://schemas.microsoft.com/office/drawing/2014/main" id="{57EFE3B4-553E-6B28-ED97-C445B2B8BD48}"/>
-              </a:ext>
-            </a:extLst>
-          </p:cNvPr>
-          <p:cNvPicPr>
-            <a:picLocks noChangeAspect="1"/>
-          </p:cNvPicPr>
-          <p:nvPr/>
-        </p:nvPicPr>
-        <p:blipFill>
-          <a:blip r:embed="rId2"/>
-          <a:stretch>
-            <a:fillRect/>
-          </a:stretch>
-        </p:blipFill>
-        <p:spPr>
-          <a:xfrm>
-            <a:off x="2841597" y="2526708"/>
-            <a:ext cx="6339736" cy="3970130"/>
-          </a:xfrm>
-          <a:prstGeom prst="rect">
-            <a:avLst/>
-          </a:prstGeom>
-        </p:spPr>
-      </p:pic>
-    </p:spTree>
-    <p:extLst>
-      <p:ext uri="{BB962C8B-B14F-4D97-AF65-F5344CB8AC3E}">
-        <p14:creationId xmlns:p14="http://schemas.microsoft.com/office/powerpoint/2010/main" val="626477728"/>
-      </p:ext>
-    </p:extLst>
-  </p:cSld>
-  <p:clrMapOvr>
-    <a:masterClrMapping/>
-  </p:clrMapOvr>
-</p:sld>
-</file>
-
-<file path=ppt/slides/slide37.xml><?xml version="1.0" encoding="utf-8"?>
-<p:sld xmlns:a="http://schemas.openxmlformats.org/drawingml/2006/main" xmlns:r="http://schemas.openxmlformats.org/officeDocument/2006/relationships" xmlns:p="http://schemas.openxmlformats.org/presentationml/2006/main">
-  <p:cSld>
-    <p:spTree>
-      <p:nvGrpSpPr>
-        <p:cNvPr id="1" name=""/>
-        <p:cNvGrpSpPr/>
-        <p:nvPr/>
-      </p:nvGrpSpPr>
-      <p:grpSpPr>
-        <a:xfrm>
-          <a:off x="0" y="0"/>
-          <a:ext cx="0" cy="0"/>
-          <a:chOff x="0" y="0"/>
-          <a:chExt cx="0" cy="0"/>
-        </a:xfrm>
-      </p:grpSpPr>
-      <p:sp>
-        <p:nvSpPr>
-          <p:cNvPr id="9" name="TextBox 8">
-            <a:extLst>
-              <a:ext uri="{FF2B5EF4-FFF2-40B4-BE49-F238E27FC236}">
-                <a16:creationId xmlns:a16="http://schemas.microsoft.com/office/drawing/2014/main" id="{0087AA53-A2BE-554B-AAE4-C6D527006499}"/>
-              </a:ext>
-            </a:extLst>
-          </p:cNvPr>
-          <p:cNvSpPr txBox="1"/>
-          <p:nvPr/>
-        </p:nvSpPr>
-        <p:spPr>
-          <a:xfrm>
-            <a:off x="762000" y="1595021"/>
-            <a:ext cx="11430000" cy="4247317"/>
-          </a:xfrm>
-          <a:prstGeom prst="rect">
-            <a:avLst/>
-          </a:prstGeom>
-          <a:noFill/>
-        </p:spPr>
-        <p:txBody>
-          <a:bodyPr wrap="square" rtlCol="0">
-            <a:spAutoFit/>
-          </a:bodyPr>
-          <a:lstStyle/>
-          <a:p>
-            <a:r>
-              <a:rPr lang="en-CA" b="1" dirty="0"/>
-              <a:t>Conclusions from the Analysis</a:t>
-            </a:r>
-          </a:p>
-          <a:p>
-            <a:endParaRPr lang="en-CA" b="1" dirty="0"/>
-          </a:p>
-          <a:p>
-            <a:pPr marL="342900" indent="-342900">
-              <a:buFont typeface="+mj-lt"/>
-              <a:buAutoNum type="arabicPeriod"/>
-            </a:pPr>
-            <a:r>
-              <a:rPr lang="en-CA" dirty="0"/>
-              <a:t>Evaluating all time period scenarios (Day, Weekday, Month and Year) in average, Yellow Cab always presents more cab users and so a better profit margin. </a:t>
-            </a:r>
-          </a:p>
-          <a:p>
-            <a:pPr marL="342900" indent="-342900">
-              <a:buFont typeface="+mj-lt"/>
-              <a:buAutoNum type="arabicPeriod"/>
-            </a:pPr>
-            <a:r>
-              <a:rPr lang="en-CA" dirty="0"/>
-              <a:t>The profit margin increases with the increase in the number of customers. However, this increase is not proportional, as it varies according to each city and the cities charges differently.</a:t>
-            </a:r>
-          </a:p>
-          <a:p>
-            <a:pPr marL="342900" indent="-342900">
-              <a:buFont typeface="+mj-lt"/>
-              <a:buAutoNum type="arabicPeriod"/>
-            </a:pPr>
-            <a:r>
-              <a:rPr lang="en-CA" dirty="0"/>
-              <a:t>NY represents about 57% of the total profit of the two cab companies combined. 86% of all cabs in NY are Yellow Cab.</a:t>
-            </a:r>
-          </a:p>
-          <a:p>
-            <a:pPr marL="342900" indent="-342900">
-              <a:buFont typeface="+mj-lt"/>
-              <a:buAutoNum type="arabicPeriod"/>
-            </a:pPr>
-            <a:r>
-              <a:rPr lang="en-CA" dirty="0"/>
-              <a:t>Yellow cab owns 89% of the total profit margin made by both cab companies </a:t>
-            </a:r>
-          </a:p>
-          <a:p>
-            <a:pPr marL="342900" indent="-342900">
-              <a:buFont typeface="+mj-lt"/>
-              <a:buAutoNum type="arabicPeriod"/>
-            </a:pPr>
-            <a:r>
-              <a:rPr lang="en-CA" dirty="0"/>
-              <a:t>Analyzing the 20 most frequent cab users, we observe a preference for Yellow cab.</a:t>
-            </a:r>
-          </a:p>
-          <a:p>
-            <a:pPr marL="342900" indent="-342900">
-              <a:buFont typeface="+mj-lt"/>
-              <a:buAutoNum type="arabicPeriod"/>
-            </a:pPr>
-            <a:r>
-              <a:rPr lang="en-CA" dirty="0"/>
-              <a:t>Based on the contingency tables we can infer that Yellow Cab company has ~76.5% of the all available cabs (when compared with Pink Cab).</a:t>
-            </a:r>
-          </a:p>
-          <a:p>
-            <a:br>
-              <a:rPr lang="en-CA" b="1" dirty="0"/>
-            </a:br>
-            <a:r>
-              <a:rPr lang="en-CA" dirty="0">
-                <a:solidFill>
-                  <a:srgbClr val="FF0000"/>
-                </a:solidFill>
-              </a:rPr>
-              <a:t>The </a:t>
-            </a:r>
-            <a:r>
-              <a:rPr lang="en-CA" b="1" dirty="0">
-                <a:solidFill>
-                  <a:srgbClr val="FF0000"/>
-                </a:solidFill>
-              </a:rPr>
-              <a:t>Yellow cab</a:t>
-            </a:r>
-            <a:r>
-              <a:rPr lang="en-CA" dirty="0">
-                <a:solidFill>
-                  <a:srgbClr val="FF0000"/>
-                </a:solidFill>
-              </a:rPr>
-              <a:t> is an older company on the market, with a higher profit margin, probably more cars on the streets and has also a greater user fidelity. For that reason we recommend Yellow Cab as the company to invest in.</a:t>
-            </a:r>
-          </a:p>
-        </p:txBody>
-      </p:sp>
-      <p:sp>
-        <p:nvSpPr>
-          <p:cNvPr id="4" name="Rectangle 3">
-            <a:extLst>
-              <a:ext uri="{FF2B5EF4-FFF2-40B4-BE49-F238E27FC236}">
-                <a16:creationId xmlns:a16="http://schemas.microsoft.com/office/drawing/2014/main" id="{B2BD046D-D4D3-5C48-9D68-AE42423390A9}"/>
-              </a:ext>
-            </a:extLst>
-          </p:cNvPr>
-          <p:cNvSpPr/>
-          <p:nvPr/>
-        </p:nvSpPr>
-        <p:spPr>
-          <a:xfrm>
-            <a:off x="0" y="0"/>
-            <a:ext cx="12192000" cy="1383912"/>
-          </a:xfrm>
-          <a:prstGeom prst="rect">
-            <a:avLst/>
-          </a:prstGeom>
-          <a:solidFill>
-            <a:schemeClr val="bg2">
-              <a:lumMod val="25000"/>
-            </a:schemeClr>
-          </a:solidFill>
-        </p:spPr>
-        <p:style>
-          <a:lnRef idx="2">
-            <a:schemeClr val="accent1">
-              <a:shade val="50000"/>
-            </a:schemeClr>
-          </a:lnRef>
-          <a:fillRef idx="1">
-            <a:schemeClr val="accent1"/>
-          </a:fillRef>
-          <a:effectRef idx="0">
-            <a:schemeClr val="accent1"/>
-          </a:effectRef>
-          <a:fontRef idx="minor">
-            <a:schemeClr val="lt1"/>
-          </a:fontRef>
-        </p:style>
-        <p:txBody>
-          <a:bodyPr rtlCol="0" anchor="ctr"/>
-          <a:lstStyle/>
-          <a:p>
-            <a:endParaRPr lang="en-US" sz="4400" dirty="0">
-              <a:solidFill>
-                <a:schemeClr val="accent2"/>
-              </a:solidFill>
-              <a:latin typeface="+mj-lt"/>
-            </a:endParaRPr>
-          </a:p>
-        </p:txBody>
-      </p:sp>
-      <p:sp>
-        <p:nvSpPr>
-          <p:cNvPr id="6" name="Footer Placeholder 5">
-            <a:extLst>
-              <a:ext uri="{FF2B5EF4-FFF2-40B4-BE49-F238E27FC236}">
-                <a16:creationId xmlns:a16="http://schemas.microsoft.com/office/drawing/2014/main" id="{420E9FCD-1693-7346-9175-71C4CBDA0535}"/>
-              </a:ext>
-            </a:extLst>
-          </p:cNvPr>
-          <p:cNvSpPr>
-            <a:spLocks noGrp="1"/>
-          </p:cNvSpPr>
-          <p:nvPr>
-            <p:ph type="ftr" sz="quarter" idx="11"/>
-          </p:nvPr>
-        </p:nvSpPr>
-        <p:spPr/>
-        <p:txBody>
-          <a:bodyPr/>
-          <a:lstStyle/>
-          <a:p>
-            <a:r>
-              <a:rPr lang="en-US"/>
-              <a:t>G2M Insight for Cab Investment</a:t>
-            </a:r>
-          </a:p>
-        </p:txBody>
-      </p:sp>
-      <p:sp>
-        <p:nvSpPr>
-          <p:cNvPr id="7" name="Slide Number Placeholder 6">
-            <a:extLst>
-              <a:ext uri="{FF2B5EF4-FFF2-40B4-BE49-F238E27FC236}">
-                <a16:creationId xmlns:a16="http://schemas.microsoft.com/office/drawing/2014/main" id="{E671CA2D-18D7-424E-8908-0DE5B0AC3485}"/>
-              </a:ext>
-            </a:extLst>
-          </p:cNvPr>
-          <p:cNvSpPr>
-            <a:spLocks noGrp="1"/>
-          </p:cNvSpPr>
-          <p:nvPr>
-            <p:ph type="sldNum" sz="quarter" idx="12"/>
-          </p:nvPr>
-        </p:nvSpPr>
-        <p:spPr/>
-        <p:txBody>
-          <a:bodyPr/>
-          <a:lstStyle/>
-          <a:p>
-            <a:fld id="{F3281B17-8789-6B4C-B449-7FC9CCFFE3A3}" type="slidenum">
-              <a:rPr lang="en-US" smtClean="0"/>
-              <a:t>37</a:t>
-            </a:fld>
-            <a:endParaRPr lang="en-US"/>
-          </a:p>
-        </p:txBody>
-      </p:sp>
-      <p:sp>
-        <p:nvSpPr>
-          <p:cNvPr id="8" name="Date Placeholder 7">
-            <a:extLst>
-              <a:ext uri="{FF2B5EF4-FFF2-40B4-BE49-F238E27FC236}">
-                <a16:creationId xmlns:a16="http://schemas.microsoft.com/office/drawing/2014/main" id="{1B32E065-E83F-B641-BB14-4E5600492B6C}"/>
-              </a:ext>
-            </a:extLst>
-          </p:cNvPr>
-          <p:cNvSpPr>
-            <a:spLocks noGrp="1"/>
-          </p:cNvSpPr>
-          <p:nvPr>
-            <p:ph type="dt" sz="half" idx="10"/>
-          </p:nvPr>
-        </p:nvSpPr>
-        <p:spPr/>
-        <p:txBody>
-          <a:bodyPr/>
-          <a:lstStyle/>
-          <a:p>
-            <a:fld id="{6EDA7DBE-3659-4245-B8A5-72421ED83F28}" type="datetime1">
-              <a:rPr lang="en-CA" smtClean="0"/>
-              <a:t>2022-04-26</a:t>
-            </a:fld>
-            <a:endParaRPr lang="en-US"/>
-          </a:p>
-        </p:txBody>
-      </p:sp>
-      <p:sp>
-        <p:nvSpPr>
-          <p:cNvPr id="10" name="Title 1">
-            <a:extLst>
-              <a:ext uri="{FF2B5EF4-FFF2-40B4-BE49-F238E27FC236}">
-                <a16:creationId xmlns:a16="http://schemas.microsoft.com/office/drawing/2014/main" id="{8E7CB50E-1713-0042-B283-D5DD4CF77834}"/>
-              </a:ext>
-            </a:extLst>
-          </p:cNvPr>
-          <p:cNvSpPr>
-            <a:spLocks noGrp="1"/>
-          </p:cNvSpPr>
-          <p:nvPr>
-            <p:ph type="title"/>
-          </p:nvPr>
-        </p:nvSpPr>
-        <p:spPr>
-          <a:xfrm>
-            <a:off x="838200" y="46037"/>
-            <a:ext cx="10515600" cy="1325563"/>
-          </a:xfrm>
-        </p:spPr>
-        <p:txBody>
-          <a:bodyPr>
-            <a:normAutofit/>
-          </a:bodyPr>
-          <a:lstStyle/>
-          <a:p>
-            <a:r>
-              <a:rPr lang="en-US" b="1" dirty="0">
-                <a:solidFill>
-                  <a:schemeClr val="accent2"/>
-                </a:solidFill>
-                <a:latin typeface="Calibri" panose="020F0502020204030204" pitchFamily="34" charset="0"/>
-                <a:cs typeface="Calibri" panose="020F0502020204030204" pitchFamily="34" charset="0"/>
-              </a:rPr>
-              <a:t>Recommendations</a:t>
-            </a:r>
-          </a:p>
-        </p:txBody>
-      </p:sp>
-    </p:spTree>
-    <p:extLst>
-      <p:ext uri="{BB962C8B-B14F-4D97-AF65-F5344CB8AC3E}">
-        <p14:creationId xmlns:p14="http://schemas.microsoft.com/office/powerpoint/2010/main" val="3544474714"/>
-      </p:ext>
-    </p:extLst>
-  </p:cSld>
-  <p:clrMapOvr>
-    <a:masterClrMapping/>
-  </p:clrMapOvr>
-</p:sld>
-</file>
-
-<file path=ppt/slides/slide38.xml><?xml version="1.0" encoding="utf-8"?>
-<p:sld xmlns:a="http://schemas.openxmlformats.org/drawingml/2006/main" xmlns:r="http://schemas.openxmlformats.org/officeDocument/2006/relationships" xmlns:p="http://schemas.openxmlformats.org/presentationml/2006/main">
-  <p:cSld>
-    <p:spTree>
-      <p:nvGrpSpPr>
-        <p:cNvPr id="1" name=""/>
-        <p:cNvGrpSpPr/>
-        <p:nvPr/>
-      </p:nvGrpSpPr>
-      <p:grpSpPr>
-        <a:xfrm>
-          <a:off x="0" y="0"/>
-          <a:ext cx="0" cy="0"/>
-          <a:chOff x="0" y="0"/>
-          <a:chExt cx="0" cy="0"/>
-        </a:xfrm>
-      </p:grpSpPr>
-      <p:sp>
-        <p:nvSpPr>
-          <p:cNvPr id="6" name="Subtitle 5">
-            <a:extLst>
-              <a:ext uri="{FF2B5EF4-FFF2-40B4-BE49-F238E27FC236}">
-                <a16:creationId xmlns:a16="http://schemas.microsoft.com/office/drawing/2014/main" id="{2D4BA697-580E-5544-8F2F-194AD99B859F}"/>
-              </a:ext>
-            </a:extLst>
-          </p:cNvPr>
-          <p:cNvSpPr>
-            <a:spLocks noGrp="1"/>
-          </p:cNvSpPr>
-          <p:nvPr>
-            <p:ph type="subTitle" idx="1"/>
-          </p:nvPr>
-        </p:nvSpPr>
-        <p:spPr>
-          <a:xfrm>
-            <a:off x="6319522" y="2601119"/>
-            <a:ext cx="5558973" cy="1655762"/>
-          </a:xfrm>
-        </p:spPr>
-        <p:txBody>
-          <a:bodyPr anchor="t">
-            <a:normAutofit/>
-          </a:bodyPr>
-          <a:lstStyle/>
-          <a:p>
-            <a:r>
-              <a:rPr lang="en-US" sz="7200" b="1" dirty="0">
-                <a:solidFill>
-                  <a:srgbClr val="FF6600"/>
-                </a:solidFill>
-                <a:latin typeface="Calibri" panose="020F0502020204030204" pitchFamily="34" charset="0"/>
-                <a:cs typeface="Calibri" panose="020F0502020204030204" pitchFamily="34" charset="0"/>
-              </a:rPr>
-              <a:t>Thank You</a:t>
-            </a:r>
-          </a:p>
-          <a:p>
-            <a:endParaRPr lang="en-US" sz="6600" dirty="0">
-              <a:solidFill>
-                <a:srgbClr val="FF6600"/>
-              </a:solidFill>
-            </a:endParaRPr>
-          </a:p>
-        </p:txBody>
-      </p:sp>
-      <p:sp>
-        <p:nvSpPr>
-          <p:cNvPr id="3" name="Rectangle 2">
-            <a:extLst>
-              <a:ext uri="{FF2B5EF4-FFF2-40B4-BE49-F238E27FC236}">
-                <a16:creationId xmlns:a16="http://schemas.microsoft.com/office/drawing/2014/main" id="{49C08CB0-2E68-164C-9080-887E2D20B522}"/>
-              </a:ext>
-            </a:extLst>
-          </p:cNvPr>
-          <p:cNvSpPr/>
-          <p:nvPr/>
-        </p:nvSpPr>
-        <p:spPr>
-          <a:xfrm>
-            <a:off x="0" y="0"/>
-            <a:ext cx="5872480" cy="6858000"/>
-          </a:xfrm>
-          <a:prstGeom prst="rect">
-            <a:avLst/>
-          </a:prstGeom>
-          <a:solidFill>
-            <a:schemeClr val="bg2">
-              <a:lumMod val="25000"/>
-            </a:schemeClr>
-          </a:solidFill>
-        </p:spPr>
-        <p:style>
-          <a:lnRef idx="2">
-            <a:schemeClr val="accent1">
-              <a:shade val="50000"/>
-            </a:schemeClr>
-          </a:lnRef>
-          <a:fillRef idx="1">
-            <a:schemeClr val="accent1"/>
-          </a:fillRef>
-          <a:effectRef idx="0">
-            <a:schemeClr val="accent1"/>
-          </a:effectRef>
-          <a:fontRef idx="minor">
-            <a:schemeClr val="lt1"/>
-          </a:fontRef>
-        </p:style>
-        <p:txBody>
-          <a:bodyPr rtlCol="0" anchor="ctr"/>
-          <a:lstStyle/>
-          <a:p>
-            <a:pPr algn="ctr"/>
-            <a:endParaRPr lang="en-US"/>
-          </a:p>
-        </p:txBody>
-      </p:sp>
-      <p:pic>
-        <p:nvPicPr>
-          <p:cNvPr id="7" name="Picture 6">
-            <a:extLst>
-              <a:ext uri="{FF2B5EF4-FFF2-40B4-BE49-F238E27FC236}">
-                <a16:creationId xmlns:a16="http://schemas.microsoft.com/office/drawing/2014/main" id="{B067532E-7508-4245-8E91-38CA363A61A7}"/>
-              </a:ext>
-            </a:extLst>
-          </p:cNvPr>
-          <p:cNvPicPr>
-            <a:picLocks noChangeAspect="1"/>
-          </p:cNvPicPr>
-          <p:nvPr/>
-        </p:nvPicPr>
-        <p:blipFill>
-          <a:blip r:embed="rId2">
-            <a:extLst>
-              <a:ext uri="{28A0092B-C50C-407E-A947-70E740481C1C}">
-                <a14:useLocalDpi xmlns:a14="http://schemas.microsoft.com/office/drawing/2010/main" val="0"/>
-              </a:ext>
-            </a:extLst>
-          </a:blip>
-          <a:stretch>
-            <a:fillRect/>
-          </a:stretch>
-        </p:blipFill>
-        <p:spPr>
-          <a:xfrm>
-            <a:off x="169818" y="6109624"/>
-            <a:ext cx="1654627" cy="994232"/>
-          </a:xfrm>
-          <a:prstGeom prst="rect">
-            <a:avLst/>
-          </a:prstGeom>
-        </p:spPr>
-      </p:pic>
-      <p:sp>
-        <p:nvSpPr>
-          <p:cNvPr id="5" name="Date Placeholder 4">
-            <a:extLst>
-              <a:ext uri="{FF2B5EF4-FFF2-40B4-BE49-F238E27FC236}">
-                <a16:creationId xmlns:a16="http://schemas.microsoft.com/office/drawing/2014/main" id="{A3EEAD58-75A4-8A4A-A354-0DC3A8FDD1A1}"/>
-              </a:ext>
-            </a:extLst>
-          </p:cNvPr>
-          <p:cNvSpPr>
-            <a:spLocks noGrp="1"/>
-          </p:cNvSpPr>
-          <p:nvPr>
-            <p:ph type="dt" sz="half" idx="10"/>
-          </p:nvPr>
-        </p:nvSpPr>
-        <p:spPr/>
-        <p:txBody>
-          <a:bodyPr/>
-          <a:lstStyle/>
-          <a:p>
-            <a:fld id="{54CC66AA-25C8-BF4C-9E58-9CF0A5550330}" type="datetime1">
-              <a:rPr lang="en-CA" smtClean="0"/>
-              <a:t>2022-04-25</a:t>
-            </a:fld>
-            <a:endParaRPr lang="en-US"/>
-          </a:p>
-        </p:txBody>
-      </p:sp>
-      <p:sp>
-        <p:nvSpPr>
-          <p:cNvPr id="8" name="Footer Placeholder 7">
-            <a:extLst>
-              <a:ext uri="{FF2B5EF4-FFF2-40B4-BE49-F238E27FC236}">
-                <a16:creationId xmlns:a16="http://schemas.microsoft.com/office/drawing/2014/main" id="{37CBC71C-4845-7A49-BB8F-E66807CD9CFB}"/>
-              </a:ext>
-            </a:extLst>
-          </p:cNvPr>
-          <p:cNvSpPr>
-            <a:spLocks noGrp="1"/>
-          </p:cNvSpPr>
-          <p:nvPr>
-            <p:ph type="ftr" sz="quarter" idx="11"/>
-          </p:nvPr>
-        </p:nvSpPr>
-        <p:spPr/>
-        <p:txBody>
-          <a:bodyPr/>
-          <a:lstStyle/>
-          <a:p>
-            <a:r>
-              <a:rPr lang="en-US"/>
-              <a:t>G2M Insight for Cab Investment</a:t>
-            </a:r>
-          </a:p>
-        </p:txBody>
-      </p:sp>
-      <p:sp>
-        <p:nvSpPr>
-          <p:cNvPr id="9" name="Slide Number Placeholder 8">
-            <a:extLst>
-              <a:ext uri="{FF2B5EF4-FFF2-40B4-BE49-F238E27FC236}">
-                <a16:creationId xmlns:a16="http://schemas.microsoft.com/office/drawing/2014/main" id="{F1470747-DCF8-A440-81B0-F6BA0BC569CE}"/>
-              </a:ext>
-            </a:extLst>
-          </p:cNvPr>
-          <p:cNvSpPr>
-            <a:spLocks noGrp="1"/>
-          </p:cNvSpPr>
-          <p:nvPr>
-            <p:ph type="sldNum" sz="quarter" idx="12"/>
-          </p:nvPr>
-        </p:nvSpPr>
-        <p:spPr/>
-        <p:txBody>
-          <a:bodyPr/>
-          <a:lstStyle/>
-          <a:p>
-            <a:fld id="{F3281B17-8789-6B4C-B449-7FC9CCFFE3A3}" type="slidenum">
-              <a:rPr lang="en-US" smtClean="0"/>
-              <a:t>38</a:t>
-            </a:fld>
-            <a:endParaRPr lang="en-US"/>
-          </a:p>
-        </p:txBody>
-      </p:sp>
-    </p:spTree>
-    <p:extLst>
-      <p:ext uri="{BB962C8B-B14F-4D97-AF65-F5344CB8AC3E}">
-        <p14:creationId xmlns:p14="http://schemas.microsoft.com/office/powerpoint/2010/main" val="1067902553"/>
-      </p:ext>
-    </p:extLst>
-  </p:cSld>
-  <p:clrMapOvr>
-    <a:masterClrMapping/>
-  </p:clrMapOvr>
-</p:sld>
-</file>
-
-<file path=ppt/slides/slide4.xml><?xml version="1.0" encoding="utf-8"?>
-<p:sld xmlns:a="http://schemas.openxmlformats.org/drawingml/2006/main" xmlns:r="http://schemas.openxmlformats.org/officeDocument/2006/relationships" xmlns:p="http://schemas.openxmlformats.org/presentationml/2006/main">
-  <p:cSld>
-    <p:spTree>
-      <p:nvGrpSpPr>
-        <p:cNvPr id="1" name=""/>
-        <p:cNvGrpSpPr/>
-        <p:nvPr/>
-      </p:nvGrpSpPr>
-      <p:grpSpPr>
-        <a:xfrm>
-          <a:off x="0" y="0"/>
-          <a:ext cx="0" cy="0"/>
-          <a:chOff x="0" y="0"/>
-          <a:chExt cx="0" cy="0"/>
-        </a:xfrm>
-      </p:grpSpPr>
-      <p:sp>
-        <p:nvSpPr>
-          <p:cNvPr id="18" name="Rectangle 17">
-            <a:extLst>
-              <a:ext uri="{FF2B5EF4-FFF2-40B4-BE49-F238E27FC236}">
-                <a16:creationId xmlns:a16="http://schemas.microsoft.com/office/drawing/2014/main" id="{3FDECAE3-36C4-B048-BBC3-A0828AC8256E}"/>
-              </a:ext>
-            </a:extLst>
-          </p:cNvPr>
-          <p:cNvSpPr/>
-          <p:nvPr/>
-        </p:nvSpPr>
-        <p:spPr>
-          <a:xfrm>
-            <a:off x="0" y="0"/>
-            <a:ext cx="12192000" cy="1364465"/>
-          </a:xfrm>
-          <a:prstGeom prst="rect">
-            <a:avLst/>
-          </a:prstGeom>
-          <a:solidFill>
-            <a:schemeClr val="bg2">
-              <a:lumMod val="25000"/>
-            </a:schemeClr>
-          </a:solidFill>
-        </p:spPr>
-        <p:style>
-          <a:lnRef idx="2">
-            <a:schemeClr val="accent1">
-              <a:shade val="50000"/>
-            </a:schemeClr>
-          </a:lnRef>
-          <a:fillRef idx="1">
-            <a:schemeClr val="accent1"/>
-          </a:fillRef>
-          <a:effectRef idx="0">
-            <a:schemeClr val="accent1"/>
-          </a:effectRef>
-          <a:fontRef idx="minor">
-            <a:schemeClr val="lt1"/>
-          </a:fontRef>
-        </p:style>
-        <p:txBody>
-          <a:bodyPr rtlCol="0" anchor="ctr"/>
-          <a:lstStyle/>
-          <a:p>
-            <a:pPr algn="ctr"/>
-            <a:endParaRPr lang="en-US" dirty="0"/>
-          </a:p>
-        </p:txBody>
-      </p:sp>
-      <p:sp>
-        <p:nvSpPr>
-          <p:cNvPr id="17" name="Footer Placeholder 16">
-            <a:extLst>
-              <a:ext uri="{FF2B5EF4-FFF2-40B4-BE49-F238E27FC236}">
-                <a16:creationId xmlns:a16="http://schemas.microsoft.com/office/drawing/2014/main" id="{385B353A-0F0B-0243-B9EE-09311339478E}"/>
-              </a:ext>
-            </a:extLst>
-          </p:cNvPr>
-          <p:cNvSpPr>
-            <a:spLocks noGrp="1"/>
-          </p:cNvSpPr>
-          <p:nvPr>
-            <p:ph type="ftr" sz="quarter" idx="11"/>
-          </p:nvPr>
-        </p:nvSpPr>
-        <p:spPr/>
-        <p:txBody>
-          <a:bodyPr/>
-          <a:lstStyle/>
-          <a:p>
-            <a:r>
-              <a:rPr lang="en-US"/>
-              <a:t>G2M Insight for Cab Investment</a:t>
-            </a:r>
-          </a:p>
-        </p:txBody>
-      </p:sp>
-      <p:sp>
-        <p:nvSpPr>
-          <p:cNvPr id="19" name="Slide Number Placeholder 18">
-            <a:extLst>
-              <a:ext uri="{FF2B5EF4-FFF2-40B4-BE49-F238E27FC236}">
-                <a16:creationId xmlns:a16="http://schemas.microsoft.com/office/drawing/2014/main" id="{8695A452-BBE8-5C46-ACAB-75700B12BCE9}"/>
-              </a:ext>
-            </a:extLst>
-          </p:cNvPr>
-          <p:cNvSpPr>
-            <a:spLocks noGrp="1"/>
-          </p:cNvSpPr>
-          <p:nvPr>
-            <p:ph type="sldNum" sz="quarter" idx="12"/>
-          </p:nvPr>
-        </p:nvSpPr>
-        <p:spPr/>
-        <p:txBody>
-          <a:bodyPr/>
-          <a:lstStyle/>
-          <a:p>
-            <a:fld id="{F3281B17-8789-6B4C-B449-7FC9CCFFE3A3}" type="slidenum">
-              <a:rPr lang="en-US" smtClean="0"/>
-              <a:t>4</a:t>
-            </a:fld>
-            <a:endParaRPr lang="en-US"/>
-          </a:p>
-        </p:txBody>
-      </p:sp>
-      <p:sp>
-        <p:nvSpPr>
-          <p:cNvPr id="22" name="Date Placeholder 21">
-            <a:extLst>
-              <a:ext uri="{FF2B5EF4-FFF2-40B4-BE49-F238E27FC236}">
-                <a16:creationId xmlns:a16="http://schemas.microsoft.com/office/drawing/2014/main" id="{3B07B327-50D1-3D47-8A16-38A0058A70D1}"/>
-              </a:ext>
-            </a:extLst>
-          </p:cNvPr>
-          <p:cNvSpPr>
-            <a:spLocks noGrp="1"/>
-          </p:cNvSpPr>
-          <p:nvPr>
-            <p:ph type="dt" sz="half" idx="10"/>
-          </p:nvPr>
-        </p:nvSpPr>
-        <p:spPr/>
-        <p:txBody>
-          <a:bodyPr/>
-          <a:lstStyle/>
-          <a:p>
-            <a:fld id="{7562AFF7-31C9-CC44-A8FE-8E4305DAED23}" type="datetime1">
-              <a:rPr lang="en-CA" smtClean="0"/>
-              <a:t>2022-04-26</a:t>
-            </a:fld>
-            <a:endParaRPr lang="en-US"/>
-          </a:p>
-        </p:txBody>
-      </p:sp>
-      <p:sp>
-        <p:nvSpPr>
-          <p:cNvPr id="34" name="Title 1">
-            <a:extLst>
-              <a:ext uri="{FF2B5EF4-FFF2-40B4-BE49-F238E27FC236}">
-                <a16:creationId xmlns:a16="http://schemas.microsoft.com/office/drawing/2014/main" id="{3DFB2EBC-EE5D-1A40-8EA0-25AAD54506CD}"/>
-              </a:ext>
-            </a:extLst>
-          </p:cNvPr>
-          <p:cNvSpPr>
-            <a:spLocks noGrp="1"/>
-          </p:cNvSpPr>
-          <p:nvPr>
-            <p:ph type="title"/>
-          </p:nvPr>
-        </p:nvSpPr>
-        <p:spPr>
-          <a:xfrm>
-            <a:off x="838200" y="46037"/>
-            <a:ext cx="10515600" cy="1325563"/>
-          </a:xfrm>
-        </p:spPr>
-        <p:txBody>
-          <a:bodyPr>
-            <a:normAutofit/>
-          </a:bodyPr>
-          <a:lstStyle/>
-          <a:p>
-            <a:r>
-              <a:rPr lang="en-US" b="1" dirty="0">
-                <a:solidFill>
-                  <a:schemeClr val="accent2"/>
-                </a:solidFill>
-                <a:latin typeface="Calibri" panose="020F0502020204030204" pitchFamily="34" charset="0"/>
-                <a:cs typeface="Calibri" panose="020F0502020204030204" pitchFamily="34" charset="0"/>
-              </a:rPr>
-              <a:t>Dataset Statistics</a:t>
-            </a:r>
-          </a:p>
-        </p:txBody>
-      </p:sp>
-      <p:pic>
-        <p:nvPicPr>
-          <p:cNvPr id="26" name="Picture 25" descr="Table&#10;&#10;Description automatically generated with medium confidence">
-            <a:extLst>
-              <a:ext uri="{FF2B5EF4-FFF2-40B4-BE49-F238E27FC236}">
-                <a16:creationId xmlns:a16="http://schemas.microsoft.com/office/drawing/2014/main" id="{93DA2251-601F-17D0-40C0-C074A3617A4F}"/>
-              </a:ext>
-            </a:extLst>
-          </p:cNvPr>
-          <p:cNvPicPr>
-            <a:picLocks noChangeAspect="1"/>
-          </p:cNvPicPr>
-          <p:nvPr/>
-        </p:nvPicPr>
-        <p:blipFill>
-          <a:blip r:embed="rId2"/>
-          <a:stretch>
-            <a:fillRect/>
-          </a:stretch>
-        </p:blipFill>
-        <p:spPr>
-          <a:xfrm>
-            <a:off x="5867400" y="1417637"/>
-            <a:ext cx="5029200" cy="4965405"/>
-          </a:xfrm>
-          <a:prstGeom prst="rect">
-            <a:avLst/>
-          </a:prstGeom>
-        </p:spPr>
-      </p:pic>
-      <p:sp>
-        <p:nvSpPr>
-          <p:cNvPr id="36" name="TextBox 35">
-            <a:extLst>
-              <a:ext uri="{FF2B5EF4-FFF2-40B4-BE49-F238E27FC236}">
-                <a16:creationId xmlns:a16="http://schemas.microsoft.com/office/drawing/2014/main" id="{4F55B6F4-BEB9-8D96-1A30-B0FAE76F1C85}"/>
-              </a:ext>
-            </a:extLst>
-          </p:cNvPr>
-          <p:cNvSpPr txBox="1"/>
-          <p:nvPr/>
-        </p:nvSpPr>
-        <p:spPr>
-          <a:xfrm>
-            <a:off x="431800" y="1634931"/>
-            <a:ext cx="4727713" cy="1477328"/>
-          </a:xfrm>
-          <a:prstGeom prst="rect">
-            <a:avLst/>
-          </a:prstGeom>
-          <a:noFill/>
-        </p:spPr>
-        <p:txBody>
-          <a:bodyPr wrap="square" rtlCol="0">
-            <a:spAutoFit/>
-          </a:bodyPr>
-          <a:lstStyle/>
-          <a:p>
-            <a:r>
-              <a:rPr lang="en-US" dirty="0"/>
-              <a:t>Dataset: </a:t>
-            </a:r>
-            <a:r>
-              <a:rPr lang="en-US" b="1" dirty="0"/>
-              <a:t>all_data:</a:t>
-            </a:r>
-          </a:p>
-          <a:p>
-            <a:endParaRPr lang="en-US" b="1" dirty="0"/>
-          </a:p>
-          <a:p>
-            <a:pPr marL="285750" indent="-285750">
-              <a:buFont typeface="Arial" panose="020B0604020202020204" pitchFamily="34" charset="0"/>
-              <a:buChar char="•"/>
-            </a:pPr>
-            <a:r>
-              <a:rPr lang="en-CA" dirty="0"/>
-              <a:t>After the merging there're no missing values and the data types are according to the attributes. </a:t>
-            </a:r>
-          </a:p>
-        </p:txBody>
-      </p:sp>
-    </p:spTree>
-    <p:extLst>
-      <p:ext uri="{BB962C8B-B14F-4D97-AF65-F5344CB8AC3E}">
-        <p14:creationId xmlns:p14="http://schemas.microsoft.com/office/powerpoint/2010/main" val="212051354"/>
-      </p:ext>
-    </p:extLst>
-  </p:cSld>
-  <p:clrMapOvr>
-    <a:masterClrMapping/>
-  </p:clrMapOvr>
-</p:sld>
-</file>
-
-<file path=ppt/slides/slide5.xml><?xml version="1.0" encoding="utf-8"?>
-<p:sld xmlns:a="http://schemas.openxmlformats.org/drawingml/2006/main" xmlns:r="http://schemas.openxmlformats.org/officeDocument/2006/relationships" xmlns:p="http://schemas.openxmlformats.org/presentationml/2006/main">
-  <p:cSld>
-    <p:spTree>
-      <p:nvGrpSpPr>
-        <p:cNvPr id="1" name=""/>
-        <p:cNvGrpSpPr/>
-        <p:nvPr/>
-      </p:nvGrpSpPr>
-      <p:grpSpPr>
-        <a:xfrm>
-          <a:off x="0" y="0"/>
-          <a:ext cx="0" cy="0"/>
-          <a:chOff x="0" y="0"/>
-          <a:chExt cx="0" cy="0"/>
-        </a:xfrm>
-      </p:grpSpPr>
-      <p:sp>
-        <p:nvSpPr>
-          <p:cNvPr id="4" name="TextBox 3">
-            <a:extLst>
-              <a:ext uri="{FF2B5EF4-FFF2-40B4-BE49-F238E27FC236}">
-                <a16:creationId xmlns:a16="http://schemas.microsoft.com/office/drawing/2014/main" id="{09BEE7A3-F2C2-8145-B852-24B96B83A958}"/>
-              </a:ext>
-            </a:extLst>
-          </p:cNvPr>
-          <p:cNvSpPr txBox="1"/>
-          <p:nvPr/>
-        </p:nvSpPr>
-        <p:spPr>
-          <a:xfrm>
-            <a:off x="838199" y="3327965"/>
-            <a:ext cx="4727713" cy="2862322"/>
-          </a:xfrm>
-          <a:prstGeom prst="rect">
-            <a:avLst/>
-          </a:prstGeom>
-          <a:noFill/>
-        </p:spPr>
-        <p:txBody>
-          <a:bodyPr wrap="square" rtlCol="0">
-            <a:spAutoFit/>
-          </a:bodyPr>
-          <a:lstStyle/>
-          <a:p>
-            <a:pPr marL="285750" indent="-285750">
-              <a:buFont typeface="Arial" panose="020B0604020202020204" pitchFamily="34" charset="0"/>
-              <a:buChar char="•"/>
-            </a:pPr>
-            <a:endParaRPr lang="en-US" dirty="0"/>
-          </a:p>
-          <a:p>
-            <a:r>
-              <a:rPr lang="en-US" b="1" dirty="0"/>
-              <a:t>Assumptions:</a:t>
-            </a:r>
-          </a:p>
-          <a:p>
-            <a:endParaRPr lang="en-US" b="1" dirty="0"/>
-          </a:p>
-          <a:p>
-            <a:pPr marL="285750" indent="-285750">
-              <a:buFont typeface="Arial" panose="020B0604020202020204" pitchFamily="34" charset="0"/>
-              <a:buChar char="•"/>
-            </a:pPr>
-            <a:r>
-              <a:rPr lang="en-US" dirty="0"/>
-              <a:t>The extreme values in Price_Charged attribute will not be treated as outliers. </a:t>
-            </a:r>
-            <a:r>
-              <a:rPr lang="en-CA" dirty="0"/>
-              <a:t>It shows that there are fewer trips with high prices charged (and so high mileage).</a:t>
-            </a:r>
-            <a:endParaRPr lang="en-US" dirty="0"/>
-          </a:p>
-          <a:p>
-            <a:pPr marL="285750" indent="-285750">
-              <a:buFont typeface="Arial" panose="020B0604020202020204" pitchFamily="34" charset="0"/>
-              <a:buChar char="•"/>
-            </a:pPr>
-            <a:r>
-              <a:rPr lang="en-US" dirty="0"/>
-              <a:t>“Users” attribute is treated as number of cab users (Yellow Cab, Pink Cab and others) per city.</a:t>
-            </a:r>
-          </a:p>
-        </p:txBody>
-      </p:sp>
-      <p:sp>
-        <p:nvSpPr>
-          <p:cNvPr id="18" name="Rectangle 17">
-            <a:extLst>
-              <a:ext uri="{FF2B5EF4-FFF2-40B4-BE49-F238E27FC236}">
-                <a16:creationId xmlns:a16="http://schemas.microsoft.com/office/drawing/2014/main" id="{3FDECAE3-36C4-B048-BBC3-A0828AC8256E}"/>
-              </a:ext>
-            </a:extLst>
-          </p:cNvPr>
-          <p:cNvSpPr/>
-          <p:nvPr/>
-        </p:nvSpPr>
-        <p:spPr>
-          <a:xfrm>
-            <a:off x="0" y="0"/>
-            <a:ext cx="12192000" cy="1364465"/>
-          </a:xfrm>
-          <a:prstGeom prst="rect">
-            <a:avLst/>
-          </a:prstGeom>
-          <a:solidFill>
-            <a:schemeClr val="bg2">
-              <a:lumMod val="25000"/>
-            </a:schemeClr>
-          </a:solidFill>
-        </p:spPr>
-        <p:style>
-          <a:lnRef idx="2">
-            <a:schemeClr val="accent1">
-              <a:shade val="50000"/>
-            </a:schemeClr>
-          </a:lnRef>
-          <a:fillRef idx="1">
-            <a:schemeClr val="accent1"/>
-          </a:fillRef>
-          <a:effectRef idx="0">
-            <a:schemeClr val="accent1"/>
-          </a:effectRef>
-          <a:fontRef idx="minor">
-            <a:schemeClr val="lt1"/>
-          </a:fontRef>
-        </p:style>
-        <p:txBody>
-          <a:bodyPr rtlCol="0" anchor="ctr"/>
-          <a:lstStyle/>
-          <a:p>
-            <a:pPr algn="ctr"/>
-            <a:endParaRPr lang="en-US" dirty="0"/>
-          </a:p>
-        </p:txBody>
-      </p:sp>
-      <p:sp>
-        <p:nvSpPr>
-          <p:cNvPr id="17" name="Footer Placeholder 16">
-            <a:extLst>
-              <a:ext uri="{FF2B5EF4-FFF2-40B4-BE49-F238E27FC236}">
-                <a16:creationId xmlns:a16="http://schemas.microsoft.com/office/drawing/2014/main" id="{385B353A-0F0B-0243-B9EE-09311339478E}"/>
-              </a:ext>
-            </a:extLst>
-          </p:cNvPr>
-          <p:cNvSpPr>
-            <a:spLocks noGrp="1"/>
-          </p:cNvSpPr>
-          <p:nvPr>
-            <p:ph type="ftr" sz="quarter" idx="11"/>
-          </p:nvPr>
-        </p:nvSpPr>
-        <p:spPr/>
-        <p:txBody>
-          <a:bodyPr/>
-          <a:lstStyle/>
-          <a:p>
-            <a:r>
-              <a:rPr lang="en-US"/>
-              <a:t>G2M Insight for Cab Investment</a:t>
-            </a:r>
-          </a:p>
-        </p:txBody>
-      </p:sp>
-      <p:sp>
-        <p:nvSpPr>
-          <p:cNvPr id="19" name="Slide Number Placeholder 18">
-            <a:extLst>
-              <a:ext uri="{FF2B5EF4-FFF2-40B4-BE49-F238E27FC236}">
-                <a16:creationId xmlns:a16="http://schemas.microsoft.com/office/drawing/2014/main" id="{8695A452-BBE8-5C46-ACAB-75700B12BCE9}"/>
-              </a:ext>
-            </a:extLst>
-          </p:cNvPr>
-          <p:cNvSpPr>
-            <a:spLocks noGrp="1"/>
-          </p:cNvSpPr>
-          <p:nvPr>
-            <p:ph type="sldNum" sz="quarter" idx="12"/>
-          </p:nvPr>
-        </p:nvSpPr>
-        <p:spPr/>
-        <p:txBody>
-          <a:bodyPr/>
-          <a:lstStyle/>
-          <a:p>
-            <a:fld id="{F3281B17-8789-6B4C-B449-7FC9CCFFE3A3}" type="slidenum">
-              <a:rPr lang="en-US" smtClean="0"/>
-              <a:t>5</a:t>
-            </a:fld>
-            <a:endParaRPr lang="en-US"/>
-          </a:p>
-        </p:txBody>
-      </p:sp>
-      <p:sp>
-        <p:nvSpPr>
-          <p:cNvPr id="22" name="Date Placeholder 21">
-            <a:extLst>
-              <a:ext uri="{FF2B5EF4-FFF2-40B4-BE49-F238E27FC236}">
-                <a16:creationId xmlns:a16="http://schemas.microsoft.com/office/drawing/2014/main" id="{3B07B327-50D1-3D47-8A16-38A0058A70D1}"/>
-              </a:ext>
-            </a:extLst>
-          </p:cNvPr>
-          <p:cNvSpPr>
-            <a:spLocks noGrp="1"/>
-          </p:cNvSpPr>
-          <p:nvPr>
-            <p:ph type="dt" sz="half" idx="10"/>
-          </p:nvPr>
-        </p:nvSpPr>
-        <p:spPr/>
-        <p:txBody>
-          <a:bodyPr/>
-          <a:lstStyle/>
-          <a:p>
-            <a:fld id="{7562AFF7-31C9-CC44-A8FE-8E4305DAED23}" type="datetime1">
-              <a:rPr lang="en-CA" smtClean="0"/>
-              <a:t>2022-04-25</a:t>
-            </a:fld>
-            <a:endParaRPr lang="en-US"/>
-          </a:p>
-        </p:txBody>
-      </p:sp>
-      <p:sp>
-        <p:nvSpPr>
-          <p:cNvPr id="34" name="Title 1">
-            <a:extLst>
-              <a:ext uri="{FF2B5EF4-FFF2-40B4-BE49-F238E27FC236}">
-                <a16:creationId xmlns:a16="http://schemas.microsoft.com/office/drawing/2014/main" id="{3DFB2EBC-EE5D-1A40-8EA0-25AAD54506CD}"/>
-              </a:ext>
-            </a:extLst>
-          </p:cNvPr>
-          <p:cNvSpPr>
-            <a:spLocks noGrp="1"/>
-          </p:cNvSpPr>
-          <p:nvPr>
-            <p:ph type="title"/>
-          </p:nvPr>
-        </p:nvSpPr>
-        <p:spPr>
-          <a:xfrm>
-            <a:off x="838200" y="46037"/>
-            <a:ext cx="10515600" cy="1325563"/>
-          </a:xfrm>
-        </p:spPr>
-        <p:txBody>
-          <a:bodyPr>
-            <a:normAutofit/>
-          </a:bodyPr>
-          <a:lstStyle/>
-          <a:p>
-            <a:r>
-              <a:rPr lang="en-US" b="1" dirty="0">
-                <a:solidFill>
-                  <a:schemeClr val="accent2"/>
-                </a:solidFill>
-                <a:latin typeface="Calibri" panose="020F0502020204030204" pitchFamily="34" charset="0"/>
-                <a:cs typeface="Calibri" panose="020F0502020204030204" pitchFamily="34" charset="0"/>
-              </a:rPr>
-              <a:t>Dataset Statistics</a:t>
+              <a:t>EDA - Dataset Statistics</a:t>
             </a:r>
           </a:p>
         </p:txBody>
@@ -18750,7 +19932,7 @@
 </p:sld>
 </file>
 
-<file path=ppt/slides/slide6.xml><?xml version="1.0" encoding="utf-8"?>
+<file path=ppt/slides/slide8.xml><?xml version="1.0" encoding="utf-8"?>
 <p:sld xmlns:a="http://schemas.openxmlformats.org/drawingml/2006/main" xmlns:r="http://schemas.openxmlformats.org/officeDocument/2006/relationships" xmlns:p="http://schemas.openxmlformats.org/presentationml/2006/main">
   <p:cSld>
     <p:spTree>
@@ -18869,7 +20051,7 @@
           <a:p>
             <a:fld id="{F3281B17-8789-6B4C-B449-7FC9CCFFE3A3}" type="slidenum">
               <a:rPr lang="en-US" smtClean="0"/>
-              <a:t>6</a:t>
+              <a:t>8</a:t>
             </a:fld>
             <a:endParaRPr lang="en-US"/>
           </a:p>
@@ -18898,7 +20080,7 @@
           <a:p>
             <a:fld id="{7562AFF7-31C9-CC44-A8FE-8E4305DAED23}" type="datetime1">
               <a:rPr lang="en-CA" smtClean="0"/>
-              <a:t>2022-04-25</a:t>
+              <a:t>2022-04-26</a:t>
             </a:fld>
             <a:endParaRPr lang="en-US"/>
           </a:p>
@@ -18940,7 +20122,7 @@
                 <a:latin typeface="Calibri" panose="020F0502020204030204" pitchFamily="34" charset="0"/>
                 <a:cs typeface="Calibri" panose="020F0502020204030204" pitchFamily="34" charset="0"/>
               </a:rPr>
-              <a:t>Dataset Statistics</a:t>
+              <a:t>EDA - Dataset Statistics</a:t>
             </a:r>
           </a:p>
         </p:txBody>
@@ -19057,7 +20239,7 @@
 </p:sld>
 </file>
 
-<file path=ppt/slides/slide7.xml><?xml version="1.0" encoding="utf-8"?>
+<file path=ppt/slides/slide9.xml><?xml version="1.0" encoding="utf-8"?>
 <p:sld xmlns:a="http://schemas.openxmlformats.org/drawingml/2006/main" xmlns:r="http://schemas.openxmlformats.org/officeDocument/2006/relationships" xmlns:p="http://schemas.openxmlformats.org/presentationml/2006/main">
   <p:cSld>
     <p:spTree>
@@ -19222,7 +20404,7 @@
           <a:p>
             <a:fld id="{F3281B17-8789-6B4C-B449-7FC9CCFFE3A3}" type="slidenum">
               <a:rPr lang="en-US" smtClean="0"/>
-              <a:t>7</a:t>
+              <a:t>9</a:t>
             </a:fld>
             <a:endParaRPr lang="en-US"/>
           </a:p>
@@ -19251,7 +20433,7 @@
           <a:p>
             <a:fld id="{21541C24-3BF6-194F-8030-81F46A112F1E}" type="datetime1">
               <a:rPr lang="en-CA" smtClean="0"/>
-              <a:t>2022-04-25</a:t>
+              <a:t>2022-04-26</a:t>
             </a:fld>
             <a:endParaRPr lang="en-US"/>
           </a:p>
@@ -19312,7 +20494,7 @@
                 <a:latin typeface="Calibri" panose="020F0502020204030204" pitchFamily="34" charset="0"/>
                 <a:cs typeface="Calibri" panose="020F0502020204030204" pitchFamily="34" charset="0"/>
               </a:rPr>
-              <a:t>Cab trips vs Date of travel (Numerical)</a:t>
+              <a:t>EDA - Cab trips vs Date of travel (Numerical)</a:t>
             </a:r>
           </a:p>
         </p:txBody>
@@ -19390,724 +20572,6 @@
     <p:extLst>
       <p:ext uri="{BB962C8B-B14F-4D97-AF65-F5344CB8AC3E}">
         <p14:creationId xmlns:p14="http://schemas.microsoft.com/office/powerpoint/2010/main" val="3848111679"/>
-      </p:ext>
-    </p:extLst>
-  </p:cSld>
-  <p:clrMapOvr>
-    <a:masterClrMapping/>
-  </p:clrMapOvr>
-</p:sld>
-</file>
-
-<file path=ppt/slides/slide8.xml><?xml version="1.0" encoding="utf-8"?>
-<p:sld xmlns:a="http://schemas.openxmlformats.org/drawingml/2006/main" xmlns:r="http://schemas.openxmlformats.org/officeDocument/2006/relationships" xmlns:p="http://schemas.openxmlformats.org/presentationml/2006/main">
-  <p:cSld>
-    <p:spTree>
-      <p:nvGrpSpPr>
-        <p:cNvPr id="1" name=""/>
-        <p:cNvGrpSpPr/>
-        <p:nvPr/>
-      </p:nvGrpSpPr>
-      <p:grpSpPr>
-        <a:xfrm>
-          <a:off x="0" y="0"/>
-          <a:ext cx="0" cy="0"/>
-          <a:chOff x="0" y="0"/>
-          <a:chExt cx="0" cy="0"/>
-        </a:xfrm>
-      </p:grpSpPr>
-      <p:sp>
-        <p:nvSpPr>
-          <p:cNvPr id="17" name="Title 1">
-            <a:extLst>
-              <a:ext uri="{FF2B5EF4-FFF2-40B4-BE49-F238E27FC236}">
-                <a16:creationId xmlns:a16="http://schemas.microsoft.com/office/drawing/2014/main" id="{DF258E9D-9119-1149-9B49-FE0FF5A3EE5F}"/>
-              </a:ext>
-            </a:extLst>
-          </p:cNvPr>
-          <p:cNvSpPr>
-            <a:spLocks noGrp="1"/>
-          </p:cNvSpPr>
-          <p:nvPr>
-            <p:ph type="title"/>
-          </p:nvPr>
-        </p:nvSpPr>
-        <p:spPr>
-          <a:xfrm>
-            <a:off x="762000" y="7107"/>
-            <a:ext cx="10498930" cy="1359380"/>
-          </a:xfrm>
-        </p:spPr>
-        <p:txBody>
-          <a:bodyPr>
-            <a:normAutofit/>
-          </a:bodyPr>
-          <a:lstStyle/>
-          <a:p>
-            <a:r>
-              <a:rPr lang="en-US" sz="3500" b="1" dirty="0">
-                <a:solidFill>
-                  <a:schemeClr val="accent2"/>
-                </a:solidFill>
-              </a:rPr>
-              <a:t>Profit Analysis</a:t>
-            </a:r>
-          </a:p>
-        </p:txBody>
-      </p:sp>
-      <p:sp>
-        <p:nvSpPr>
-          <p:cNvPr id="3" name="Rectangle 2">
-            <a:extLst>
-              <a:ext uri="{FF2B5EF4-FFF2-40B4-BE49-F238E27FC236}">
-                <a16:creationId xmlns:a16="http://schemas.microsoft.com/office/drawing/2014/main" id="{5379C949-80B5-CA4E-B810-B4F62F4B63E7}"/>
-              </a:ext>
-            </a:extLst>
-          </p:cNvPr>
-          <p:cNvSpPr/>
-          <p:nvPr/>
-        </p:nvSpPr>
-        <p:spPr>
-          <a:xfrm>
-            <a:off x="0" y="0"/>
-            <a:ext cx="12192000" cy="1383912"/>
-          </a:xfrm>
-          <a:prstGeom prst="rect">
-            <a:avLst/>
-          </a:prstGeom>
-          <a:solidFill>
-            <a:schemeClr val="bg2">
-              <a:lumMod val="25000"/>
-            </a:schemeClr>
-          </a:solidFill>
-        </p:spPr>
-        <p:style>
-          <a:lnRef idx="2">
-            <a:schemeClr val="accent1">
-              <a:shade val="50000"/>
-            </a:schemeClr>
-          </a:lnRef>
-          <a:fillRef idx="1">
-            <a:schemeClr val="accent1"/>
-          </a:fillRef>
-          <a:effectRef idx="0">
-            <a:schemeClr val="accent1"/>
-          </a:effectRef>
-          <a:fontRef idx="minor">
-            <a:schemeClr val="lt1"/>
-          </a:fontRef>
-        </p:style>
-        <p:txBody>
-          <a:bodyPr rtlCol="0" anchor="ctr"/>
-          <a:lstStyle/>
-          <a:p>
-            <a:endParaRPr lang="en-US" sz="4400" b="1" dirty="0">
-              <a:solidFill>
-                <a:schemeClr val="bg2">
-                  <a:lumMod val="25000"/>
-                </a:schemeClr>
-              </a:solidFill>
-              <a:latin typeface="Calibri" panose="020F0502020204030204" pitchFamily="34" charset="0"/>
-              <a:cs typeface="Calibri" panose="020F0502020204030204" pitchFamily="34" charset="0"/>
-            </a:endParaRPr>
-          </a:p>
-        </p:txBody>
-      </p:sp>
-      <p:sp>
-        <p:nvSpPr>
-          <p:cNvPr id="10" name="Footer Placeholder 9">
-            <a:extLst>
-              <a:ext uri="{FF2B5EF4-FFF2-40B4-BE49-F238E27FC236}">
-                <a16:creationId xmlns:a16="http://schemas.microsoft.com/office/drawing/2014/main" id="{561127C0-5A56-7F49-BF00-FA73BB10B307}"/>
-              </a:ext>
-            </a:extLst>
-          </p:cNvPr>
-          <p:cNvSpPr>
-            <a:spLocks noGrp="1"/>
-          </p:cNvSpPr>
-          <p:nvPr>
-            <p:ph type="ftr" sz="quarter" idx="11"/>
-          </p:nvPr>
-        </p:nvSpPr>
-        <p:spPr/>
-        <p:txBody>
-          <a:bodyPr/>
-          <a:lstStyle/>
-          <a:p>
-            <a:r>
-              <a:rPr lang="en-US"/>
-              <a:t>G2M Insight for Cab Investment</a:t>
-            </a:r>
-          </a:p>
-        </p:txBody>
-      </p:sp>
-      <p:sp>
-        <p:nvSpPr>
-          <p:cNvPr id="11" name="Slide Number Placeholder 10">
-            <a:extLst>
-              <a:ext uri="{FF2B5EF4-FFF2-40B4-BE49-F238E27FC236}">
-                <a16:creationId xmlns:a16="http://schemas.microsoft.com/office/drawing/2014/main" id="{948C9FE8-F0E4-A94B-9D74-695B027DF9F2}"/>
-              </a:ext>
-            </a:extLst>
-          </p:cNvPr>
-          <p:cNvSpPr>
-            <a:spLocks noGrp="1"/>
-          </p:cNvSpPr>
-          <p:nvPr>
-            <p:ph type="sldNum" sz="quarter" idx="12"/>
-          </p:nvPr>
-        </p:nvSpPr>
-        <p:spPr/>
-        <p:txBody>
-          <a:bodyPr/>
-          <a:lstStyle/>
-          <a:p>
-            <a:fld id="{F3281B17-8789-6B4C-B449-7FC9CCFFE3A3}" type="slidenum">
-              <a:rPr lang="en-US" smtClean="0"/>
-              <a:t>8</a:t>
-            </a:fld>
-            <a:endParaRPr lang="en-US"/>
-          </a:p>
-        </p:txBody>
-      </p:sp>
-      <p:sp>
-        <p:nvSpPr>
-          <p:cNvPr id="18" name="Date Placeholder 17">
-            <a:extLst>
-              <a:ext uri="{FF2B5EF4-FFF2-40B4-BE49-F238E27FC236}">
-                <a16:creationId xmlns:a16="http://schemas.microsoft.com/office/drawing/2014/main" id="{CF44F1BE-F959-954D-A3C9-A3118657260E}"/>
-              </a:ext>
-            </a:extLst>
-          </p:cNvPr>
-          <p:cNvSpPr>
-            <a:spLocks noGrp="1"/>
-          </p:cNvSpPr>
-          <p:nvPr>
-            <p:ph type="dt" sz="half" idx="10"/>
-          </p:nvPr>
-        </p:nvSpPr>
-        <p:spPr/>
-        <p:txBody>
-          <a:bodyPr/>
-          <a:lstStyle/>
-          <a:p>
-            <a:fld id="{21541C24-3BF6-194F-8030-81F46A112F1E}" type="datetime1">
-              <a:rPr lang="en-CA" smtClean="0"/>
-              <a:t>2022-04-26</a:t>
-            </a:fld>
-            <a:endParaRPr lang="en-US"/>
-          </a:p>
-        </p:txBody>
-      </p:sp>
-      <p:sp>
-        <p:nvSpPr>
-          <p:cNvPr id="21" name="Title 1">
-            <a:extLst>
-              <a:ext uri="{FF2B5EF4-FFF2-40B4-BE49-F238E27FC236}">
-                <a16:creationId xmlns:a16="http://schemas.microsoft.com/office/drawing/2014/main" id="{08C2AEF5-5E61-9647-9AF9-338224AB51BF}"/>
-              </a:ext>
-            </a:extLst>
-          </p:cNvPr>
-          <p:cNvSpPr txBox="1">
-            <a:spLocks/>
-          </p:cNvSpPr>
-          <p:nvPr/>
-        </p:nvSpPr>
-        <p:spPr>
-          <a:xfrm>
-            <a:off x="838200" y="46037"/>
-            <a:ext cx="10515600" cy="1325563"/>
-          </a:xfrm>
-          <a:prstGeom prst="rect">
-            <a:avLst/>
-          </a:prstGeom>
-        </p:spPr>
-        <p:txBody>
-          <a:bodyPr vert="horz" lIns="91440" tIns="45720" rIns="91440" bIns="45720" rtlCol="0" anchor="ctr">
-            <a:normAutofit/>
-          </a:bodyPr>
-          <a:lstStyle>
-            <a:lvl1pPr algn="l" defTabSz="914400" rtl="0" eaLnBrk="1" latinLnBrk="0" hangingPunct="1">
-              <a:lnSpc>
-                <a:spcPct val="90000"/>
-              </a:lnSpc>
-              <a:spcBef>
-                <a:spcPct val="0"/>
-              </a:spcBef>
-              <a:buNone/>
-              <a:defRPr sz="4400" kern="1200">
-                <a:solidFill>
-                  <a:schemeClr val="tx1"/>
-                </a:solidFill>
-                <a:latin typeface="+mj-lt"/>
-                <a:ea typeface="+mj-ea"/>
-                <a:cs typeface="+mj-cs"/>
-              </a:defRPr>
-            </a:lvl1pPr>
-          </a:lstStyle>
-          <a:p>
-            <a:r>
-              <a:rPr lang="en-US" b="1" dirty="0">
-                <a:solidFill>
-                  <a:schemeClr val="accent2"/>
-                </a:solidFill>
-                <a:latin typeface="Calibri" panose="020F0502020204030204" pitchFamily="34" charset="0"/>
-                <a:cs typeface="Calibri" panose="020F0502020204030204" pitchFamily="34" charset="0"/>
-              </a:rPr>
-              <a:t>Cab trips vs Date of travel (Numerical)</a:t>
-            </a:r>
-          </a:p>
-        </p:txBody>
-      </p:sp>
-      <p:pic>
-        <p:nvPicPr>
-          <p:cNvPr id="4" name="Picture 3" descr="Chart, treemap chart&#10;&#10;Description automatically generated">
-            <a:extLst>
-              <a:ext uri="{FF2B5EF4-FFF2-40B4-BE49-F238E27FC236}">
-                <a16:creationId xmlns:a16="http://schemas.microsoft.com/office/drawing/2014/main" id="{55ED37B5-3BCB-3E35-A13D-66D0AA40092B}"/>
-              </a:ext>
-            </a:extLst>
-          </p:cNvPr>
-          <p:cNvPicPr>
-            <a:picLocks noChangeAspect="1"/>
-          </p:cNvPicPr>
-          <p:nvPr/>
-        </p:nvPicPr>
-        <p:blipFill>
-          <a:blip r:embed="rId2"/>
-          <a:stretch>
-            <a:fillRect/>
-          </a:stretch>
-        </p:blipFill>
-        <p:spPr>
-          <a:xfrm>
-            <a:off x="5461000" y="1634931"/>
-            <a:ext cx="6299200" cy="4470400"/>
-          </a:xfrm>
-          <a:prstGeom prst="rect">
-            <a:avLst/>
-          </a:prstGeom>
-        </p:spPr>
-      </p:pic>
-      <p:sp>
-        <p:nvSpPr>
-          <p:cNvPr id="12" name="TextBox 11">
-            <a:extLst>
-              <a:ext uri="{FF2B5EF4-FFF2-40B4-BE49-F238E27FC236}">
-                <a16:creationId xmlns:a16="http://schemas.microsoft.com/office/drawing/2014/main" id="{F8336E62-CF4F-14B7-1A57-A730D68BEC76}"/>
-              </a:ext>
-            </a:extLst>
-          </p:cNvPr>
-          <p:cNvSpPr txBox="1"/>
-          <p:nvPr/>
-        </p:nvSpPr>
-        <p:spPr>
-          <a:xfrm>
-            <a:off x="431800" y="1634931"/>
-            <a:ext cx="4727713" cy="923330"/>
-          </a:xfrm>
-          <a:prstGeom prst="rect">
-            <a:avLst/>
-          </a:prstGeom>
-          <a:noFill/>
-        </p:spPr>
-        <p:txBody>
-          <a:bodyPr wrap="square" rtlCol="0">
-            <a:spAutoFit/>
-          </a:bodyPr>
-          <a:lstStyle/>
-          <a:p>
-            <a:pPr marL="285750" indent="-285750">
-              <a:buFont typeface="Arial" panose="020B0604020202020204" pitchFamily="34" charset="0"/>
-              <a:buChar char="•"/>
-            </a:pPr>
-            <a:r>
-              <a:rPr lang="en-CA" dirty="0"/>
-              <a:t>Most cab trips were within 10 to 39 km with a few over 40 km, and the majority with the </a:t>
-            </a:r>
-            <a:r>
-              <a:rPr lang="en-CA" b="1" dirty="0"/>
-              <a:t>Yellow Cab.</a:t>
-            </a:r>
-          </a:p>
-        </p:txBody>
-      </p:sp>
-    </p:spTree>
-    <p:extLst>
-      <p:ext uri="{BB962C8B-B14F-4D97-AF65-F5344CB8AC3E}">
-        <p14:creationId xmlns:p14="http://schemas.microsoft.com/office/powerpoint/2010/main" val="356784000"/>
-      </p:ext>
-    </p:extLst>
-  </p:cSld>
-  <p:clrMapOvr>
-    <a:masterClrMapping/>
-  </p:clrMapOvr>
-</p:sld>
-</file>
-
-<file path=ppt/slides/slide9.xml><?xml version="1.0" encoding="utf-8"?>
-<p:sld xmlns:a="http://schemas.openxmlformats.org/drawingml/2006/main" xmlns:r="http://schemas.openxmlformats.org/officeDocument/2006/relationships" xmlns:p="http://schemas.openxmlformats.org/presentationml/2006/main">
-  <p:cSld>
-    <p:spTree>
-      <p:nvGrpSpPr>
-        <p:cNvPr id="1" name=""/>
-        <p:cNvGrpSpPr/>
-        <p:nvPr/>
-      </p:nvGrpSpPr>
-      <p:grpSpPr>
-        <a:xfrm>
-          <a:off x="0" y="0"/>
-          <a:ext cx="0" cy="0"/>
-          <a:chOff x="0" y="0"/>
-          <a:chExt cx="0" cy="0"/>
-        </a:xfrm>
-      </p:grpSpPr>
-      <p:sp>
-        <p:nvSpPr>
-          <p:cNvPr id="17" name="Title 1">
-            <a:extLst>
-              <a:ext uri="{FF2B5EF4-FFF2-40B4-BE49-F238E27FC236}">
-                <a16:creationId xmlns:a16="http://schemas.microsoft.com/office/drawing/2014/main" id="{DF258E9D-9119-1149-9B49-FE0FF5A3EE5F}"/>
-              </a:ext>
-            </a:extLst>
-          </p:cNvPr>
-          <p:cNvSpPr>
-            <a:spLocks noGrp="1"/>
-          </p:cNvSpPr>
-          <p:nvPr>
-            <p:ph type="title"/>
-          </p:nvPr>
-        </p:nvSpPr>
-        <p:spPr>
-          <a:xfrm>
-            <a:off x="762000" y="7107"/>
-            <a:ext cx="10498930" cy="1359380"/>
-          </a:xfrm>
-        </p:spPr>
-        <p:txBody>
-          <a:bodyPr>
-            <a:normAutofit/>
-          </a:bodyPr>
-          <a:lstStyle/>
-          <a:p>
-            <a:r>
-              <a:rPr lang="en-US" sz="3500" b="1" dirty="0">
-                <a:solidFill>
-                  <a:schemeClr val="accent2"/>
-                </a:solidFill>
-              </a:rPr>
-              <a:t>Profit Analysis</a:t>
-            </a:r>
-          </a:p>
-        </p:txBody>
-      </p:sp>
-      <p:sp>
-        <p:nvSpPr>
-          <p:cNvPr id="3" name="Rectangle 2">
-            <a:extLst>
-              <a:ext uri="{FF2B5EF4-FFF2-40B4-BE49-F238E27FC236}">
-                <a16:creationId xmlns:a16="http://schemas.microsoft.com/office/drawing/2014/main" id="{5379C949-80B5-CA4E-B810-B4F62F4B63E7}"/>
-              </a:ext>
-            </a:extLst>
-          </p:cNvPr>
-          <p:cNvSpPr/>
-          <p:nvPr/>
-        </p:nvSpPr>
-        <p:spPr>
-          <a:xfrm>
-            <a:off x="0" y="0"/>
-            <a:ext cx="12192000" cy="1383912"/>
-          </a:xfrm>
-          <a:prstGeom prst="rect">
-            <a:avLst/>
-          </a:prstGeom>
-          <a:solidFill>
-            <a:schemeClr val="bg2">
-              <a:lumMod val="25000"/>
-            </a:schemeClr>
-          </a:solidFill>
-        </p:spPr>
-        <p:style>
-          <a:lnRef idx="2">
-            <a:schemeClr val="accent1">
-              <a:shade val="50000"/>
-            </a:schemeClr>
-          </a:lnRef>
-          <a:fillRef idx="1">
-            <a:schemeClr val="accent1"/>
-          </a:fillRef>
-          <a:effectRef idx="0">
-            <a:schemeClr val="accent1"/>
-          </a:effectRef>
-          <a:fontRef idx="minor">
-            <a:schemeClr val="lt1"/>
-          </a:fontRef>
-        </p:style>
-        <p:txBody>
-          <a:bodyPr rtlCol="0" anchor="ctr"/>
-          <a:lstStyle/>
-          <a:p>
-            <a:endParaRPr lang="en-US" sz="4400" b="1" dirty="0">
-              <a:solidFill>
-                <a:schemeClr val="bg2">
-                  <a:lumMod val="25000"/>
-                </a:schemeClr>
-              </a:solidFill>
-              <a:latin typeface="Calibri" panose="020F0502020204030204" pitchFamily="34" charset="0"/>
-              <a:cs typeface="Calibri" panose="020F0502020204030204" pitchFamily="34" charset="0"/>
-            </a:endParaRPr>
-          </a:p>
-        </p:txBody>
-      </p:sp>
-      <p:sp>
-        <p:nvSpPr>
-          <p:cNvPr id="10" name="Footer Placeholder 9">
-            <a:extLst>
-              <a:ext uri="{FF2B5EF4-FFF2-40B4-BE49-F238E27FC236}">
-                <a16:creationId xmlns:a16="http://schemas.microsoft.com/office/drawing/2014/main" id="{561127C0-5A56-7F49-BF00-FA73BB10B307}"/>
-              </a:ext>
-            </a:extLst>
-          </p:cNvPr>
-          <p:cNvSpPr>
-            <a:spLocks noGrp="1"/>
-          </p:cNvSpPr>
-          <p:nvPr>
-            <p:ph type="ftr" sz="quarter" idx="11"/>
-          </p:nvPr>
-        </p:nvSpPr>
-        <p:spPr/>
-        <p:txBody>
-          <a:bodyPr/>
-          <a:lstStyle/>
-          <a:p>
-            <a:r>
-              <a:rPr lang="en-US"/>
-              <a:t>G2M Insight for Cab Investment</a:t>
-            </a:r>
-          </a:p>
-        </p:txBody>
-      </p:sp>
-      <p:sp>
-        <p:nvSpPr>
-          <p:cNvPr id="11" name="Slide Number Placeholder 10">
-            <a:extLst>
-              <a:ext uri="{FF2B5EF4-FFF2-40B4-BE49-F238E27FC236}">
-                <a16:creationId xmlns:a16="http://schemas.microsoft.com/office/drawing/2014/main" id="{948C9FE8-F0E4-A94B-9D74-695B027DF9F2}"/>
-              </a:ext>
-            </a:extLst>
-          </p:cNvPr>
-          <p:cNvSpPr>
-            <a:spLocks noGrp="1"/>
-          </p:cNvSpPr>
-          <p:nvPr>
-            <p:ph type="sldNum" sz="quarter" idx="12"/>
-          </p:nvPr>
-        </p:nvSpPr>
-        <p:spPr/>
-        <p:txBody>
-          <a:bodyPr/>
-          <a:lstStyle/>
-          <a:p>
-            <a:fld id="{F3281B17-8789-6B4C-B449-7FC9CCFFE3A3}" type="slidenum">
-              <a:rPr lang="en-US" smtClean="0"/>
-              <a:t>9</a:t>
-            </a:fld>
-            <a:endParaRPr lang="en-US"/>
-          </a:p>
-        </p:txBody>
-      </p:sp>
-      <p:sp>
-        <p:nvSpPr>
-          <p:cNvPr id="18" name="Date Placeholder 17">
-            <a:extLst>
-              <a:ext uri="{FF2B5EF4-FFF2-40B4-BE49-F238E27FC236}">
-                <a16:creationId xmlns:a16="http://schemas.microsoft.com/office/drawing/2014/main" id="{CF44F1BE-F959-954D-A3C9-A3118657260E}"/>
-              </a:ext>
-            </a:extLst>
-          </p:cNvPr>
-          <p:cNvSpPr>
-            <a:spLocks noGrp="1"/>
-          </p:cNvSpPr>
-          <p:nvPr>
-            <p:ph type="dt" sz="half" idx="10"/>
-          </p:nvPr>
-        </p:nvSpPr>
-        <p:spPr/>
-        <p:txBody>
-          <a:bodyPr/>
-          <a:lstStyle/>
-          <a:p>
-            <a:fld id="{21541C24-3BF6-194F-8030-81F46A112F1E}" type="datetime1">
-              <a:rPr lang="en-CA" smtClean="0"/>
-              <a:t>2022-04-26</a:t>
-            </a:fld>
-            <a:endParaRPr lang="en-US"/>
-          </a:p>
-        </p:txBody>
-      </p:sp>
-      <p:sp>
-        <p:nvSpPr>
-          <p:cNvPr id="21" name="Title 1">
-            <a:extLst>
-              <a:ext uri="{FF2B5EF4-FFF2-40B4-BE49-F238E27FC236}">
-                <a16:creationId xmlns:a16="http://schemas.microsoft.com/office/drawing/2014/main" id="{08C2AEF5-5E61-9647-9AF9-338224AB51BF}"/>
-              </a:ext>
-            </a:extLst>
-          </p:cNvPr>
-          <p:cNvSpPr txBox="1">
-            <a:spLocks/>
-          </p:cNvSpPr>
-          <p:nvPr/>
-        </p:nvSpPr>
-        <p:spPr>
-          <a:xfrm>
-            <a:off x="838200" y="46037"/>
-            <a:ext cx="10515600" cy="1325563"/>
-          </a:xfrm>
-          <a:prstGeom prst="rect">
-            <a:avLst/>
-          </a:prstGeom>
-        </p:spPr>
-        <p:txBody>
-          <a:bodyPr vert="horz" lIns="91440" tIns="45720" rIns="91440" bIns="45720" rtlCol="0" anchor="ctr">
-            <a:normAutofit/>
-          </a:bodyPr>
-          <a:lstStyle>
-            <a:lvl1pPr algn="l" defTabSz="914400" rtl="0" eaLnBrk="1" latinLnBrk="0" hangingPunct="1">
-              <a:lnSpc>
-                <a:spcPct val="90000"/>
-              </a:lnSpc>
-              <a:spcBef>
-                <a:spcPct val="0"/>
-              </a:spcBef>
-              <a:buNone/>
-              <a:defRPr sz="4400" kern="1200">
-                <a:solidFill>
-                  <a:schemeClr val="tx1"/>
-                </a:solidFill>
-                <a:latin typeface="+mj-lt"/>
-                <a:ea typeface="+mj-ea"/>
-                <a:cs typeface="+mj-cs"/>
-              </a:defRPr>
-            </a:lvl1pPr>
-          </a:lstStyle>
-          <a:p>
-            <a:r>
-              <a:rPr lang="en-US" b="1" dirty="0">
-                <a:solidFill>
-                  <a:schemeClr val="accent2"/>
-                </a:solidFill>
-                <a:latin typeface="Calibri" panose="020F0502020204030204" pitchFamily="34" charset="0"/>
-                <a:cs typeface="Calibri" panose="020F0502020204030204" pitchFamily="34" charset="0"/>
-              </a:rPr>
-              <a:t>Cab trips vs Price/Cost (Numerical)</a:t>
-            </a:r>
-          </a:p>
-        </p:txBody>
-      </p:sp>
-      <p:pic>
-        <p:nvPicPr>
-          <p:cNvPr id="5" name="Picture 4" descr="Chart, histogram&#10;&#10;Description automatically generated">
-            <a:extLst>
-              <a:ext uri="{FF2B5EF4-FFF2-40B4-BE49-F238E27FC236}">
-                <a16:creationId xmlns:a16="http://schemas.microsoft.com/office/drawing/2014/main" id="{B96DAC35-9627-FDE5-3503-CA35EB86C253}"/>
-              </a:ext>
-            </a:extLst>
-          </p:cNvPr>
-          <p:cNvPicPr>
-            <a:picLocks noChangeAspect="1"/>
-          </p:cNvPicPr>
-          <p:nvPr/>
-        </p:nvPicPr>
-        <p:blipFill>
-          <a:blip r:embed="rId2"/>
-          <a:stretch>
-            <a:fillRect/>
-          </a:stretch>
-        </p:blipFill>
-        <p:spPr>
-          <a:xfrm>
-            <a:off x="915746" y="3111080"/>
-            <a:ext cx="10360508" cy="3187849"/>
-          </a:xfrm>
-          <a:prstGeom prst="rect">
-            <a:avLst/>
-          </a:prstGeom>
-        </p:spPr>
-      </p:pic>
-      <p:pic>
-        <p:nvPicPr>
-          <p:cNvPr id="7" name="Picture 6" descr="Box and whisker chart&#10;&#10;Description automatically generated with medium confidence">
-            <a:extLst>
-              <a:ext uri="{FF2B5EF4-FFF2-40B4-BE49-F238E27FC236}">
-                <a16:creationId xmlns:a16="http://schemas.microsoft.com/office/drawing/2014/main" id="{AD900E33-6E67-5502-6C71-FC1E10DD0E0A}"/>
-              </a:ext>
-            </a:extLst>
-          </p:cNvPr>
-          <p:cNvPicPr>
-            <a:picLocks noChangeAspect="1"/>
-          </p:cNvPicPr>
-          <p:nvPr/>
-        </p:nvPicPr>
-        <p:blipFill>
-          <a:blip r:embed="rId3"/>
-          <a:stretch>
-            <a:fillRect/>
-          </a:stretch>
-        </p:blipFill>
-        <p:spPr>
-          <a:xfrm>
-            <a:off x="5639316" y="1634931"/>
-            <a:ext cx="5256696" cy="1258646"/>
-          </a:xfrm>
-          <a:prstGeom prst="rect">
-            <a:avLst/>
-          </a:prstGeom>
-        </p:spPr>
-      </p:pic>
-      <p:sp>
-        <p:nvSpPr>
-          <p:cNvPr id="14" name="TextBox 13">
-            <a:extLst>
-              <a:ext uri="{FF2B5EF4-FFF2-40B4-BE49-F238E27FC236}">
-                <a16:creationId xmlns:a16="http://schemas.microsoft.com/office/drawing/2014/main" id="{AB90E1FB-44DC-1FFB-4DB0-37DA2EED12EC}"/>
-              </a:ext>
-            </a:extLst>
-          </p:cNvPr>
-          <p:cNvSpPr txBox="1"/>
-          <p:nvPr/>
-        </p:nvSpPr>
-        <p:spPr>
-          <a:xfrm>
-            <a:off x="431800" y="1634931"/>
-            <a:ext cx="4727713" cy="1477328"/>
-          </a:xfrm>
-          <a:prstGeom prst="rect">
-            <a:avLst/>
-          </a:prstGeom>
-          <a:noFill/>
-        </p:spPr>
-        <p:txBody>
-          <a:bodyPr wrap="square" rtlCol="0">
-            <a:spAutoFit/>
-          </a:bodyPr>
-          <a:lstStyle/>
-          <a:p>
-            <a:pPr marL="285750" indent="-285750">
-              <a:buFont typeface="Arial" panose="020B0604020202020204" pitchFamily="34" charset="0"/>
-              <a:buChar char="•"/>
-            </a:pPr>
-            <a:r>
-              <a:rPr lang="en-CA" dirty="0"/>
-              <a:t>There is a decrease in the number of trips as we move towards higher prices being charged, which reflected in the cost range. This is because there are fewer long trips (higher prices) than short trips (lower prices).</a:t>
-            </a:r>
-          </a:p>
-        </p:txBody>
-      </p:sp>
-    </p:spTree>
-    <p:extLst>
-      <p:ext uri="{BB962C8B-B14F-4D97-AF65-F5344CB8AC3E}">
-        <p14:creationId xmlns:p14="http://schemas.microsoft.com/office/powerpoint/2010/main" val="3241622948"/>
       </p:ext>
     </p:extLst>
   </p:cSld>
